--- a/SUSTABIL - Apresentação real.pptx
+++ b/SUSTABIL - Apresentação real.pptx
@@ -300,7 +300,7 @@
           <a:p>
             <a:fld id="{5D8AFB0F-FD72-4B7A-9B91-BDD5A838F994}" type="datetimeFigureOut">
               <a:rPr lang="pt-BR" smtClean="0"/>
-              <a:t>22/09/2020</a:t>
+              <a:t>30/09/2020</a:t>
             </a:fld>
             <a:endParaRPr lang="pt-BR"/>
           </a:p>
@@ -498,7 +498,7 @@
           <a:p>
             <a:fld id="{5D8AFB0F-FD72-4B7A-9B91-BDD5A838F994}" type="datetimeFigureOut">
               <a:rPr lang="pt-BR" smtClean="0"/>
-              <a:t>22/09/2020</a:t>
+              <a:t>30/09/2020</a:t>
             </a:fld>
             <a:endParaRPr lang="pt-BR"/>
           </a:p>
@@ -706,7 +706,7 @@
           <a:p>
             <a:fld id="{5D8AFB0F-FD72-4B7A-9B91-BDD5A838F994}" type="datetimeFigureOut">
               <a:rPr lang="pt-BR" smtClean="0"/>
-              <a:t>22/09/2020</a:t>
+              <a:t>30/09/2020</a:t>
             </a:fld>
             <a:endParaRPr lang="pt-BR"/>
           </a:p>
@@ -904,7 +904,7 @@
           <a:p>
             <a:fld id="{5D8AFB0F-FD72-4B7A-9B91-BDD5A838F994}" type="datetimeFigureOut">
               <a:rPr lang="pt-BR" smtClean="0"/>
-              <a:t>22/09/2020</a:t>
+              <a:t>30/09/2020</a:t>
             </a:fld>
             <a:endParaRPr lang="pt-BR"/>
           </a:p>
@@ -1179,7 +1179,7 @@
           <a:p>
             <a:fld id="{5D8AFB0F-FD72-4B7A-9B91-BDD5A838F994}" type="datetimeFigureOut">
               <a:rPr lang="pt-BR" smtClean="0"/>
-              <a:t>22/09/2020</a:t>
+              <a:t>30/09/2020</a:t>
             </a:fld>
             <a:endParaRPr lang="pt-BR"/>
           </a:p>
@@ -1444,7 +1444,7 @@
           <a:p>
             <a:fld id="{5D8AFB0F-FD72-4B7A-9B91-BDD5A838F994}" type="datetimeFigureOut">
               <a:rPr lang="pt-BR" smtClean="0"/>
-              <a:t>22/09/2020</a:t>
+              <a:t>30/09/2020</a:t>
             </a:fld>
             <a:endParaRPr lang="pt-BR"/>
           </a:p>
@@ -1856,7 +1856,7 @@
           <a:p>
             <a:fld id="{5D8AFB0F-FD72-4B7A-9B91-BDD5A838F994}" type="datetimeFigureOut">
               <a:rPr lang="pt-BR" smtClean="0"/>
-              <a:t>22/09/2020</a:t>
+              <a:t>30/09/2020</a:t>
             </a:fld>
             <a:endParaRPr lang="pt-BR"/>
           </a:p>
@@ -1997,7 +1997,7 @@
           <a:p>
             <a:fld id="{5D8AFB0F-FD72-4B7A-9B91-BDD5A838F994}" type="datetimeFigureOut">
               <a:rPr lang="pt-BR" smtClean="0"/>
-              <a:t>22/09/2020</a:t>
+              <a:t>30/09/2020</a:t>
             </a:fld>
             <a:endParaRPr lang="pt-BR"/>
           </a:p>
@@ -2110,7 +2110,7 @@
           <a:p>
             <a:fld id="{5D8AFB0F-FD72-4B7A-9B91-BDD5A838F994}" type="datetimeFigureOut">
               <a:rPr lang="pt-BR" smtClean="0"/>
-              <a:t>22/09/2020</a:t>
+              <a:t>30/09/2020</a:t>
             </a:fld>
             <a:endParaRPr lang="pt-BR"/>
           </a:p>
@@ -2421,7 +2421,7 @@
           <a:p>
             <a:fld id="{5D8AFB0F-FD72-4B7A-9B91-BDD5A838F994}" type="datetimeFigureOut">
               <a:rPr lang="pt-BR" smtClean="0"/>
-              <a:t>22/09/2020</a:t>
+              <a:t>30/09/2020</a:t>
             </a:fld>
             <a:endParaRPr lang="pt-BR"/>
           </a:p>
@@ -2709,7 +2709,7 @@
           <a:p>
             <a:fld id="{5D8AFB0F-FD72-4B7A-9B91-BDD5A838F994}" type="datetimeFigureOut">
               <a:rPr lang="pt-BR" smtClean="0"/>
-              <a:t>22/09/2020</a:t>
+              <a:t>30/09/2020</a:t>
             </a:fld>
             <a:endParaRPr lang="pt-BR"/>
           </a:p>
@@ -2950,7 +2950,7 @@
           <a:p>
             <a:fld id="{5D8AFB0F-FD72-4B7A-9B91-BDD5A838F994}" type="datetimeFigureOut">
               <a:rPr lang="pt-BR" smtClean="0"/>
-              <a:t>22/09/2020</a:t>
+              <a:t>30/09/2020</a:t>
             </a:fld>
             <a:endParaRPr lang="pt-BR"/>
           </a:p>
@@ -3375,12 +3375,12 @@
           <a:chExt cx="0" cy="0"/>
         </a:xfrm>
       </p:grpSpPr>
-      <p:sp useBgFill="1">
-        <p:nvSpPr>
-          <p:cNvPr id="15" name="Rectangle 14">
-            <a:extLst>
-              <a:ext uri="{FF2B5EF4-FFF2-40B4-BE49-F238E27FC236}">
-                <a16:creationId xmlns:a16="http://schemas.microsoft.com/office/drawing/2014/main" id="{362D44EE-C852-4460-B8B5-C4F2BC20510C}"/>
+      <p:sp>
+        <p:nvSpPr>
+          <p:cNvPr id="38" name="Rectangle 31">
+            <a:extLst>
+              <a:ext uri="{FF2B5EF4-FFF2-40B4-BE49-F238E27FC236}">
+                <a16:creationId xmlns:a16="http://schemas.microsoft.com/office/drawing/2014/main" id="{0BC9EFE1-D8CB-4668-9980-DB108327A794}"/>
               </a:ext>
               <a:ext uri="{C183D7F6-B498-43B3-948B-1728B52AA6E4}">
                 <adec:decorative xmlns:adec="http://schemas.microsoft.com/office/drawing/2017/decorative" val="1"/>
@@ -3400,12 +3400,38 @@
         </p:nvSpPr>
         <p:spPr>
           <a:xfrm>
-            <a:off x="0" y="0"/>
-            <a:ext cx="12192000" cy="6858000"/>
+            <a:off x="-305" y="0"/>
+            <a:ext cx="6271569" cy="6858000"/>
           </a:xfrm>
           <a:prstGeom prst="rect">
             <a:avLst/>
           </a:prstGeom>
+          <a:gradFill>
+            <a:gsLst>
+              <a:gs pos="0">
+                <a:schemeClr val="accent1">
+                  <a:lumMod val="100000"/>
+                  <a:alpha val="82000"/>
+                </a:schemeClr>
+              </a:gs>
+              <a:gs pos="25000">
+                <a:schemeClr val="accent1">
+                  <a:alpha val="60000"/>
+                </a:schemeClr>
+              </a:gs>
+              <a:gs pos="94000">
+                <a:schemeClr val="bg2">
+                  <a:lumMod val="75000"/>
+                </a:schemeClr>
+              </a:gs>
+              <a:gs pos="100000">
+                <a:schemeClr val="bg2">
+                  <a:lumMod val="75000"/>
+                </a:schemeClr>
+              </a:gs>
+            </a:gsLst>
+            <a:lin ang="4200000" scaled="0"/>
+          </a:gradFill>
           <a:ln>
             <a:noFill/>
           </a:ln>
@@ -3435,44 +3461,51 @@
           </a:p>
         </p:txBody>
       </p:sp>
-      <p:sp>
-        <p:nvSpPr>
-          <p:cNvPr id="2" name="Título 1">
-            <a:extLst>
-              <a:ext uri="{FF2B5EF4-FFF2-40B4-BE49-F238E27FC236}">
-                <a16:creationId xmlns:a16="http://schemas.microsoft.com/office/drawing/2014/main" id="{D1A0BA44-4EA1-4E8D-B01E-9C9C8A9532C3}"/>
-              </a:ext>
-            </a:extLst>
-          </p:cNvPr>
-          <p:cNvSpPr>
-            <a:spLocks noGrp="1"/>
-          </p:cNvSpPr>
+      <p:pic>
+        <p:nvPicPr>
+          <p:cNvPr id="39" name="Picture 33">
+            <a:extLst>
+              <a:ext uri="{FF2B5EF4-FFF2-40B4-BE49-F238E27FC236}">
+                <a16:creationId xmlns:a16="http://schemas.microsoft.com/office/drawing/2014/main" id="{7CBAE1BD-B8E4-4029-8AA2-C77E4FED9864}"/>
+              </a:ext>
+              <a:ext uri="{C183D7F6-B498-43B3-948B-1728B52AA6E4}">
+                <adec:decorative xmlns:adec="http://schemas.microsoft.com/office/drawing/2017/decorative" val="1"/>
+              </a:ext>
+            </a:extLst>
+          </p:cNvPr>
+          <p:cNvPicPr>
+            <a:picLocks noGrp="1" noRot="1" noChangeAspect="1" noMove="1" noResize="1" noEditPoints="1" noAdjustHandles="1" noChangeArrowheads="1" noChangeShapeType="1" noCrop="1"/>
+          </p:cNvPicPr>
           <p:nvPr>
-            <p:ph type="ctrTitle"/>
+            <p:extLst>
+              <p:ext uri="{386F3935-93C4-4BCD-93E2-E3B085C9AB24}">
+                <p16:designElem xmlns:p16="http://schemas.microsoft.com/office/powerpoint/2015/main" val="1"/>
+              </p:ext>
+            </p:extLst>
           </p:nvPr>
-        </p:nvSpPr>
-        <p:spPr>
-          <a:xfrm>
-            <a:off x="6194716" y="739979"/>
-            <a:ext cx="5334930" cy="1530782"/>
-          </a:xfrm>
-        </p:spPr>
-        <p:txBody>
-          <a:bodyPr>
-            <a:normAutofit/>
-          </a:bodyPr>
-          <a:lstStyle/>
-          <a:p>
-            <a:r>
-              <a:rPr lang="pt-BR" sz="6600" dirty="0">
-                <a:latin typeface="Arial" panose="020B0604020202020204" pitchFamily="34" charset="0"/>
-                <a:cs typeface="Arial" panose="020B0604020202020204" pitchFamily="34" charset="0"/>
-              </a:rPr>
-              <a:t>SUSTABIL</a:t>
-            </a:r>
-          </a:p>
-        </p:txBody>
-      </p:sp>
+        </p:nvPicPr>
+        <p:blipFill>
+          <a:blip r:embed="rId2">
+            <a:extLst>
+              <a:ext uri="{28A0092B-C50C-407E-A947-70E740481C1C}">
+                <a14:useLocalDpi xmlns:a14="http://schemas.microsoft.com/office/drawing/2010/main" val="0"/>
+              </a:ext>
+            </a:extLst>
+          </a:blip>
+          <a:stretch>
+            <a:fillRect/>
+          </a:stretch>
+        </p:blipFill>
+        <p:spPr>
+          <a:xfrm>
+            <a:off x="0" y="0"/>
+            <a:ext cx="12192000" cy="6858000"/>
+          </a:xfrm>
+          <a:prstGeom prst="rect">
+            <a:avLst/>
+          </a:prstGeom>
+        </p:spPr>
+      </p:pic>
       <p:sp>
         <p:nvSpPr>
           <p:cNvPr id="3" name="Subtítulo 2">
@@ -3491,19 +3524,22 @@
         </p:nvSpPr>
         <p:spPr>
           <a:xfrm>
-            <a:off x="9988056" y="3927823"/>
-            <a:ext cx="2203944" cy="2930177"/>
-          </a:xfrm>
-        </p:spPr>
-        <p:txBody>
-          <a:bodyPr>
-            <a:normAutofit/>
+            <a:off x="6925820" y="4369525"/>
+            <a:ext cx="4805691" cy="838831"/>
+          </a:xfrm>
+        </p:spPr>
+        <p:txBody>
+          <a:bodyPr anchor="b">
+            <a:noAutofit/>
           </a:bodyPr>
           <a:lstStyle/>
           <a:p>
             <a:pPr algn="l"/>
             <a:r>
-              <a:rPr lang="pt-BR" sz="1600" b="1" dirty="0">
+              <a:rPr lang="pt-BR" b="1" dirty="0">
+                <a:solidFill>
+                  <a:srgbClr val="000000"/>
+                </a:solidFill>
                 <a:latin typeface="Arial" panose="020B0604020202020204" pitchFamily="34" charset="0"/>
                 <a:cs typeface="Arial" panose="020B0604020202020204" pitchFamily="34" charset="0"/>
               </a:rPr>
@@ -3513,7 +3549,10 @@
           <a:p>
             <a:pPr algn="l"/>
             <a:r>
-              <a:rPr lang="pt-BR" sz="1600" b="1" dirty="0">
+              <a:rPr lang="pt-BR" b="1" dirty="0">
+                <a:solidFill>
+                  <a:srgbClr val="000000"/>
+                </a:solidFill>
                 <a:latin typeface="Arial" panose="020B0604020202020204" pitchFamily="34" charset="0"/>
                 <a:cs typeface="Arial" panose="020B0604020202020204" pitchFamily="34" charset="0"/>
               </a:rPr>
@@ -3523,27 +3562,40 @@
           <a:p>
             <a:pPr algn="l"/>
             <a:r>
-              <a:rPr lang="pt-BR" sz="1600" b="1" dirty="0">
+              <a:rPr lang="pt-BR" b="1" dirty="0">
+                <a:solidFill>
+                  <a:srgbClr val="000000"/>
+                </a:solidFill>
                 <a:latin typeface="Arial" panose="020B0604020202020204" pitchFamily="34" charset="0"/>
                 <a:cs typeface="Arial" panose="020B0604020202020204" pitchFamily="34" charset="0"/>
               </a:rPr>
-              <a:t>Arthur de Paula</a:t>
-            </a:r>
-          </a:p>
-          <a:p>
-            <a:pPr algn="l"/>
-            <a:r>
-              <a:rPr lang="pt-BR" sz="1600" b="1" dirty="0">
+              <a:t>Felipe </a:t>
+            </a:r>
+            <a:r>
+              <a:rPr lang="pt-BR" b="1" dirty="0" err="1">
+                <a:solidFill>
+                  <a:srgbClr val="000000"/>
+                </a:solidFill>
                 <a:latin typeface="Arial" panose="020B0604020202020204" pitchFamily="34" charset="0"/>
                 <a:cs typeface="Arial" panose="020B0604020202020204" pitchFamily="34" charset="0"/>
               </a:rPr>
-              <a:t>Franklin da Silva</a:t>
-            </a:r>
+              <a:t>Mallasen</a:t>
+            </a:r>
+            <a:endParaRPr lang="pt-BR" b="1" dirty="0">
+              <a:solidFill>
+                <a:srgbClr val="000000"/>
+              </a:solidFill>
+              <a:latin typeface="Arial" panose="020B0604020202020204" pitchFamily="34" charset="0"/>
+              <a:cs typeface="Arial" panose="020B0604020202020204" pitchFamily="34" charset="0"/>
+            </a:endParaRPr>
           </a:p>
           <a:p>
             <a:pPr algn="l"/>
             <a:r>
-              <a:rPr lang="pt-BR" sz="1600" b="1" dirty="0">
+              <a:rPr lang="pt-BR" b="1" dirty="0">
+                <a:solidFill>
+                  <a:srgbClr val="000000"/>
+                </a:solidFill>
                 <a:latin typeface="Arial" panose="020B0604020202020204" pitchFamily="34" charset="0"/>
                 <a:cs typeface="Arial" panose="020B0604020202020204" pitchFamily="34" charset="0"/>
               </a:rPr>
@@ -3553,31 +3605,50 @@
           <a:p>
             <a:pPr algn="l"/>
             <a:r>
-              <a:rPr lang="pt-BR" sz="1600" b="1" dirty="0">
+              <a:rPr lang="pt-BR" b="1" dirty="0">
+                <a:solidFill>
+                  <a:srgbClr val="000000"/>
+                </a:solidFill>
                 <a:latin typeface="Arial" panose="020B0604020202020204" pitchFamily="34" charset="0"/>
                 <a:cs typeface="Arial" panose="020B0604020202020204" pitchFamily="34" charset="0"/>
               </a:rPr>
-              <a:t>Guilherme Nascimento</a:t>
+              <a:t>Gabriel Wesley</a:t>
             </a:r>
           </a:p>
           <a:p>
             <a:pPr algn="l"/>
             <a:r>
-              <a:rPr lang="pt-BR" sz="1600" b="1" dirty="0">
+              <a:rPr lang="pt-BR" b="1" dirty="0">
+                <a:solidFill>
+                  <a:srgbClr val="000000"/>
+                </a:solidFill>
                 <a:latin typeface="Arial" panose="020B0604020202020204" pitchFamily="34" charset="0"/>
                 <a:cs typeface="Arial" panose="020B0604020202020204" pitchFamily="34" charset="0"/>
               </a:rPr>
-              <a:t>João Oliveira</a:t>
-            </a:r>
-          </a:p>
-        </p:txBody>
-      </p:sp>
-      <p:sp>
-        <p:nvSpPr>
-          <p:cNvPr id="17" name="Freeform: Shape 16">
-            <a:extLst>
-              <a:ext uri="{FF2B5EF4-FFF2-40B4-BE49-F238E27FC236}">
-                <a16:creationId xmlns:a16="http://schemas.microsoft.com/office/drawing/2014/main" id="{658970D8-8D1D-4B5C-894B-E871CC86543D}"/>
+              <a:t>Jean Souza</a:t>
+            </a:r>
+          </a:p>
+          <a:p>
+            <a:pPr algn="l"/>
+            <a:r>
+              <a:rPr lang="pt-BR" b="1" dirty="0">
+                <a:solidFill>
+                  <a:srgbClr val="000000"/>
+                </a:solidFill>
+                <a:latin typeface="Arial" panose="020B0604020202020204" pitchFamily="34" charset="0"/>
+                <a:cs typeface="Arial" panose="020B0604020202020204" pitchFamily="34" charset="0"/>
+              </a:rPr>
+              <a:t>Lucas Ferreira</a:t>
+            </a:r>
+          </a:p>
+        </p:txBody>
+      </p:sp>
+      <p:sp>
+        <p:nvSpPr>
+          <p:cNvPr id="40" name="Freeform 49">
+            <a:extLst>
+              <a:ext uri="{FF2B5EF4-FFF2-40B4-BE49-F238E27FC236}">
+                <a16:creationId xmlns:a16="http://schemas.microsoft.com/office/drawing/2014/main" id="{77DA6D33-2D62-458C-BF5D-DBF612FD557E}"/>
               </a:ext>
               <a:ext uri="{C183D7F6-B498-43B3-948B-1728B52AA6E4}">
                 <adec:decorative xmlns:adec="http://schemas.microsoft.com/office/drawing/2017/decorative" val="1"/>
@@ -3596,563 +3667,35 @@
           </p:nvPr>
         </p:nvSpPr>
         <p:spPr>
-          <a:xfrm flipH="1">
-            <a:off x="530529" y="1"/>
-            <a:ext cx="1155142" cy="591009"/>
+          <a:xfrm>
+            <a:off x="1" y="590635"/>
+            <a:ext cx="5478085" cy="6276841"/>
           </a:xfrm>
           <a:custGeom>
             <a:avLst/>
             <a:gdLst>
-              <a:gd name="connsiteX0" fmla="*/ 1355 w 1155142"/>
-              <a:gd name="connsiteY0" fmla="*/ 0 h 591009"/>
-              <a:gd name="connsiteX1" fmla="*/ 1153787 w 1155142"/>
-              <a:gd name="connsiteY1" fmla="*/ 0 h 591009"/>
-              <a:gd name="connsiteX2" fmla="*/ 1155142 w 1155142"/>
-              <a:gd name="connsiteY2" fmla="*/ 13438 h 591009"/>
-              <a:gd name="connsiteX3" fmla="*/ 577571 w 1155142"/>
-              <a:gd name="connsiteY3" fmla="*/ 591009 h 591009"/>
-              <a:gd name="connsiteX4" fmla="*/ 0 w 1155142"/>
-              <a:gd name="connsiteY4" fmla="*/ 13438 h 591009"/>
-            </a:gdLst>
-            <a:ahLst/>
-            <a:cxnLst>
-              <a:cxn ang="0">
-                <a:pos x="connsiteX0" y="connsiteY0"/>
-              </a:cxn>
-              <a:cxn ang="0">
-                <a:pos x="connsiteX1" y="connsiteY1"/>
-              </a:cxn>
-              <a:cxn ang="0">
-                <a:pos x="connsiteX2" y="connsiteY2"/>
-              </a:cxn>
-              <a:cxn ang="0">
-                <a:pos x="connsiteX3" y="connsiteY3"/>
-              </a:cxn>
-              <a:cxn ang="0">
-                <a:pos x="connsiteX4" y="connsiteY4"/>
-              </a:cxn>
-            </a:cxnLst>
-            <a:rect l="l" t="t" r="r" b="b"/>
-            <a:pathLst>
-              <a:path w="1155142" h="591009">
-                <a:moveTo>
-                  <a:pt x="1355" y="0"/>
-                </a:moveTo>
-                <a:lnTo>
-                  <a:pt x="1153787" y="0"/>
-                </a:lnTo>
-                <a:lnTo>
-                  <a:pt x="1155142" y="13438"/>
-                </a:lnTo>
-                <a:cubicBezTo>
-                  <a:pt x="1155142" y="332422"/>
-                  <a:pt x="896555" y="591009"/>
-                  <a:pt x="577571" y="591009"/>
-                </a:cubicBezTo>
-                <a:cubicBezTo>
-                  <a:pt x="258587" y="591009"/>
-                  <a:pt x="0" y="332422"/>
-                  <a:pt x="0" y="13438"/>
-                </a:cubicBezTo>
-                <a:close/>
-              </a:path>
-            </a:pathLst>
-          </a:custGeom>
-          <a:solidFill>
-            <a:schemeClr val="accent5"/>
-          </a:solidFill>
-          <a:ln>
-            <a:noFill/>
-          </a:ln>
-        </p:spPr>
-        <p:style>
-          <a:lnRef idx="2">
-            <a:schemeClr val="accent1">
-              <a:shade val="50000"/>
-            </a:schemeClr>
-          </a:lnRef>
-          <a:fillRef idx="1">
-            <a:schemeClr val="accent1"/>
-          </a:fillRef>
-          <a:effectRef idx="0">
-            <a:schemeClr val="accent1"/>
-          </a:effectRef>
-          <a:fontRef idx="minor">
-            <a:schemeClr val="lt1"/>
-          </a:fontRef>
-        </p:style>
-        <p:txBody>
-          <a:bodyPr wrap="square" rtlCol="0" anchor="ctr">
-            <a:noAutofit/>
-          </a:bodyPr>
-          <a:lstStyle/>
-          <a:p>
-            <a:pPr algn="ctr"/>
-            <a:endParaRPr lang="en-US"/>
-          </a:p>
-        </p:txBody>
-      </p:sp>
-      <p:sp>
-        <p:nvSpPr>
-          <p:cNvPr id="19" name="Freeform: Shape 18">
-            <a:extLst>
-              <a:ext uri="{FF2B5EF4-FFF2-40B4-BE49-F238E27FC236}">
-                <a16:creationId xmlns:a16="http://schemas.microsoft.com/office/drawing/2014/main" id="{F227E5B6-9132-43CA-B503-37A18562ADF2}"/>
-              </a:ext>
-              <a:ext uri="{C183D7F6-B498-43B3-948B-1728B52AA6E4}">
-                <adec:decorative xmlns:adec="http://schemas.microsoft.com/office/drawing/2017/decorative" val="1"/>
-              </a:ext>
-            </a:extLst>
-          </p:cNvPr>
-          <p:cNvSpPr>
-            <a:spLocks noGrp="1" noRot="1" noChangeAspect="1" noMove="1" noResize="1" noEditPoints="1" noAdjustHandles="1" noChangeArrowheads="1" noChangeShapeType="1" noTextEdit="1"/>
-          </p:cNvSpPr>
-          <p:nvPr>
-            <p:extLst>
-              <p:ext uri="{386F3935-93C4-4BCD-93E2-E3B085C9AB24}">
-                <p16:designElem xmlns:p16="http://schemas.microsoft.com/office/powerpoint/2015/main" val="1"/>
-              </p:ext>
-            </p:extLst>
-          </p:nvPr>
-        </p:nvSpPr>
-        <p:spPr>
-          <a:xfrm flipH="1">
-            <a:off x="4349052" y="0"/>
-            <a:ext cx="1737401" cy="959536"/>
-          </a:xfrm>
-          <a:custGeom>
-            <a:avLst/>
-            <a:gdLst>
-              <a:gd name="connsiteX0" fmla="*/ 0 w 1737401"/>
-              <a:gd name="connsiteY0" fmla="*/ 0 h 959536"/>
-              <a:gd name="connsiteX1" fmla="*/ 123825 w 1737401"/>
-              <a:gd name="connsiteY1" fmla="*/ 0 h 959536"/>
-              <a:gd name="connsiteX2" fmla="*/ 123825 w 1737401"/>
-              <a:gd name="connsiteY2" fmla="*/ 790277 h 959536"/>
-              <a:gd name="connsiteX3" fmla="*/ 1490095 w 1737401"/>
-              <a:gd name="connsiteY3" fmla="*/ 0 h 959536"/>
-              <a:gd name="connsiteX4" fmla="*/ 1737401 w 1737401"/>
-              <a:gd name="connsiteY4" fmla="*/ 0 h 959536"/>
-              <a:gd name="connsiteX5" fmla="*/ 92869 w 1737401"/>
-              <a:gd name="connsiteY5" fmla="*/ 951249 h 959536"/>
-              <a:gd name="connsiteX6" fmla="*/ 61913 w 1737401"/>
-              <a:gd name="connsiteY6" fmla="*/ 959536 h 959536"/>
-              <a:gd name="connsiteX7" fmla="*/ 0 w 1737401"/>
-              <a:gd name="connsiteY7" fmla="*/ 897624 h 959536"/>
-            </a:gdLst>
-            <a:ahLst/>
-            <a:cxnLst>
-              <a:cxn ang="0">
-                <a:pos x="connsiteX0" y="connsiteY0"/>
-              </a:cxn>
-              <a:cxn ang="0">
-                <a:pos x="connsiteX1" y="connsiteY1"/>
-              </a:cxn>
-              <a:cxn ang="0">
-                <a:pos x="connsiteX2" y="connsiteY2"/>
-              </a:cxn>
-              <a:cxn ang="0">
-                <a:pos x="connsiteX3" y="connsiteY3"/>
-              </a:cxn>
-              <a:cxn ang="0">
-                <a:pos x="connsiteX4" y="connsiteY4"/>
-              </a:cxn>
-              <a:cxn ang="0">
-                <a:pos x="connsiteX5" y="connsiteY5"/>
-              </a:cxn>
-              <a:cxn ang="0">
-                <a:pos x="connsiteX6" y="connsiteY6"/>
-              </a:cxn>
-              <a:cxn ang="0">
-                <a:pos x="connsiteX7" y="connsiteY7"/>
-              </a:cxn>
-            </a:cxnLst>
-            <a:rect l="l" t="t" r="r" b="b"/>
-            <a:pathLst>
-              <a:path w="1737401" h="959536">
-                <a:moveTo>
-                  <a:pt x="0" y="0"/>
-                </a:moveTo>
-                <a:lnTo>
-                  <a:pt x="123825" y="0"/>
-                </a:lnTo>
-                <a:lnTo>
-                  <a:pt x="123825" y="790277"/>
-                </a:lnTo>
-                <a:lnTo>
-                  <a:pt x="1490095" y="0"/>
-                </a:lnTo>
-                <a:lnTo>
-                  <a:pt x="1737401" y="0"/>
-                </a:lnTo>
-                <a:lnTo>
-                  <a:pt x="92869" y="951249"/>
-                </a:lnTo>
-                <a:cubicBezTo>
-                  <a:pt x="83458" y="956688"/>
-                  <a:pt x="72780" y="959546"/>
-                  <a:pt x="61913" y="959536"/>
-                </a:cubicBezTo>
-                <a:cubicBezTo>
-                  <a:pt x="27719" y="959536"/>
-                  <a:pt x="0" y="931818"/>
-                  <a:pt x="0" y="897624"/>
-                </a:cubicBezTo>
-                <a:close/>
-              </a:path>
-            </a:pathLst>
-          </a:custGeom>
-          <a:solidFill>
-            <a:schemeClr val="accent6"/>
-          </a:solidFill>
-          <a:ln w="9525" cap="flat">
-            <a:noFill/>
-            <a:prstDash val="solid"/>
-            <a:miter/>
-          </a:ln>
-        </p:spPr>
-        <p:txBody>
-          <a:bodyPr rtlCol="0" anchor="ctr"/>
-          <a:lstStyle/>
-          <a:p>
-            <a:endParaRPr lang="en-US"/>
-          </a:p>
-        </p:txBody>
-      </p:sp>
-      <p:sp>
-        <p:nvSpPr>
-          <p:cNvPr id="21" name="Freeform: Shape 20">
-            <a:extLst>
-              <a:ext uri="{FF2B5EF4-FFF2-40B4-BE49-F238E27FC236}">
-                <a16:creationId xmlns:a16="http://schemas.microsoft.com/office/drawing/2014/main" id="{03C2051E-A88D-48E5-BACF-AAED17892722}"/>
-              </a:ext>
-              <a:ext uri="{C183D7F6-B498-43B3-948B-1728B52AA6E4}">
-                <adec:decorative xmlns:adec="http://schemas.microsoft.com/office/drawing/2017/decorative" val="1"/>
-              </a:ext>
-            </a:extLst>
-          </p:cNvPr>
-          <p:cNvSpPr>
-            <a:spLocks noGrp="1" noRot="1" noChangeAspect="1" noMove="1" noResize="1" noEditPoints="1" noAdjustHandles="1" noChangeArrowheads="1" noChangeShapeType="1" noTextEdit="1"/>
-          </p:cNvSpPr>
-          <p:nvPr>
-            <p:extLst>
-              <p:ext uri="{386F3935-93C4-4BCD-93E2-E3B085C9AB24}">
-                <p16:designElem xmlns:p16="http://schemas.microsoft.com/office/powerpoint/2015/main" val="1"/>
-              </p:ext>
-            </p:extLst>
-          </p:nvPr>
-        </p:nvSpPr>
-        <p:spPr>
-          <a:xfrm flipH="1">
-            <a:off x="0" y="2916245"/>
-            <a:ext cx="159741" cy="552996"/>
-          </a:xfrm>
-          <a:custGeom>
-            <a:avLst/>
-            <a:gdLst>
-              <a:gd name="connsiteX0" fmla="*/ 159741 w 159741"/>
-              <a:gd name="connsiteY0" fmla="*/ 0 h 552996"/>
-              <a:gd name="connsiteX1" fmla="*/ 159741 w 159741"/>
-              <a:gd name="connsiteY1" fmla="*/ 552996 h 552996"/>
-              <a:gd name="connsiteX2" fmla="*/ 141849 w 159741"/>
-              <a:gd name="connsiteY2" fmla="*/ 543285 h 552996"/>
-              <a:gd name="connsiteX3" fmla="*/ 0 w 159741"/>
-              <a:gd name="connsiteY3" fmla="*/ 276498 h 552996"/>
-              <a:gd name="connsiteX4" fmla="*/ 141849 w 159741"/>
-              <a:gd name="connsiteY4" fmla="*/ 9711 h 552996"/>
-            </a:gdLst>
-            <a:ahLst/>
-            <a:cxnLst>
-              <a:cxn ang="0">
-                <a:pos x="connsiteX0" y="connsiteY0"/>
-              </a:cxn>
-              <a:cxn ang="0">
-                <a:pos x="connsiteX1" y="connsiteY1"/>
-              </a:cxn>
-              <a:cxn ang="0">
-                <a:pos x="connsiteX2" y="connsiteY2"/>
-              </a:cxn>
-              <a:cxn ang="0">
-                <a:pos x="connsiteX3" y="connsiteY3"/>
-              </a:cxn>
-              <a:cxn ang="0">
-                <a:pos x="connsiteX4" y="connsiteY4"/>
-              </a:cxn>
-            </a:cxnLst>
-            <a:rect l="l" t="t" r="r" b="b"/>
-            <a:pathLst>
-              <a:path w="159741" h="552996">
-                <a:moveTo>
-                  <a:pt x="159741" y="0"/>
-                </a:moveTo>
-                <a:lnTo>
-                  <a:pt x="159741" y="552996"/>
-                </a:lnTo>
-                <a:lnTo>
-                  <a:pt x="141849" y="543285"/>
-                </a:lnTo>
-                <a:cubicBezTo>
-                  <a:pt x="56268" y="485467"/>
-                  <a:pt x="0" y="387554"/>
-                  <a:pt x="0" y="276498"/>
-                </a:cubicBezTo>
-                <a:cubicBezTo>
-                  <a:pt x="0" y="165443"/>
-                  <a:pt x="56268" y="67529"/>
-                  <a:pt x="141849" y="9711"/>
-                </a:cubicBezTo>
-                <a:close/>
-              </a:path>
-            </a:pathLst>
-          </a:custGeom>
-          <a:solidFill>
-            <a:schemeClr val="accent2"/>
-          </a:solidFill>
-          <a:ln w="127000">
-            <a:noFill/>
-          </a:ln>
-        </p:spPr>
-        <p:style>
-          <a:lnRef idx="2">
-            <a:schemeClr val="accent1">
-              <a:shade val="50000"/>
-            </a:schemeClr>
-          </a:lnRef>
-          <a:fillRef idx="1">
-            <a:schemeClr val="accent1"/>
-          </a:fillRef>
-          <a:effectRef idx="0">
-            <a:schemeClr val="accent1"/>
-          </a:effectRef>
-          <a:fontRef idx="minor">
-            <a:schemeClr val="lt1"/>
-          </a:fontRef>
-        </p:style>
-        <p:txBody>
-          <a:bodyPr wrap="square" rtlCol="0" anchor="ctr">
-            <a:noAutofit/>
-          </a:bodyPr>
-          <a:lstStyle/>
-          <a:p>
-            <a:pPr algn="ctr"/>
-            <a:endParaRPr lang="en-US"/>
-          </a:p>
-        </p:txBody>
-      </p:sp>
-      <p:sp>
-        <p:nvSpPr>
-          <p:cNvPr id="23" name="Freeform: Shape 22">
-            <a:extLst>
-              <a:ext uri="{FF2B5EF4-FFF2-40B4-BE49-F238E27FC236}">
-                <a16:creationId xmlns:a16="http://schemas.microsoft.com/office/drawing/2014/main" id="{7821A508-2985-4905-874A-527429BAABFA}"/>
-              </a:ext>
-              <a:ext uri="{C183D7F6-B498-43B3-948B-1728B52AA6E4}">
-                <adec:decorative xmlns:adec="http://schemas.microsoft.com/office/drawing/2017/decorative" val="1"/>
-              </a:ext>
-            </a:extLst>
-          </p:cNvPr>
-          <p:cNvSpPr>
-            <a:spLocks noGrp="1" noRot="1" noChangeAspect="1" noMove="1" noResize="1" noEditPoints="1" noAdjustHandles="1" noChangeArrowheads="1" noChangeShapeType="1" noTextEdit="1"/>
-          </p:cNvSpPr>
-          <p:nvPr>
-            <p:extLst>
-              <p:ext uri="{386F3935-93C4-4BCD-93E2-E3B085C9AB24}">
-                <p16:designElem xmlns:p16="http://schemas.microsoft.com/office/powerpoint/2015/main" val="1"/>
-              </p:ext>
-            </p:extLst>
-          </p:nvPr>
-        </p:nvSpPr>
-        <p:spPr>
-          <a:xfrm flipH="1">
-            <a:off x="0" y="5835649"/>
-            <a:ext cx="1548180" cy="1022351"/>
-          </a:xfrm>
-          <a:custGeom>
-            <a:avLst/>
-            <a:gdLst>
-              <a:gd name="connsiteX0" fmla="*/ 61913 w 1548180"/>
-              <a:gd name="connsiteY0" fmla="*/ 0 h 1022351"/>
-              <a:gd name="connsiteX1" fmla="*/ 1548180 w 1548180"/>
-              <a:gd name="connsiteY1" fmla="*/ 0 h 1022351"/>
-              <a:gd name="connsiteX2" fmla="*/ 1548180 w 1548180"/>
-              <a:gd name="connsiteY2" fmla="*/ 123825 h 1022351"/>
-              <a:gd name="connsiteX3" fmla="*/ 123825 w 1548180"/>
-              <a:gd name="connsiteY3" fmla="*/ 123825 h 1022351"/>
-              <a:gd name="connsiteX4" fmla="*/ 123825 w 1548180"/>
-              <a:gd name="connsiteY4" fmla="*/ 1022351 h 1022351"/>
-              <a:gd name="connsiteX5" fmla="*/ 0 w 1548180"/>
-              <a:gd name="connsiteY5" fmla="*/ 1022351 h 1022351"/>
-              <a:gd name="connsiteX6" fmla="*/ 0 w 1548180"/>
-              <a:gd name="connsiteY6" fmla="*/ 61913 h 1022351"/>
-              <a:gd name="connsiteX7" fmla="*/ 61913 w 1548180"/>
-              <a:gd name="connsiteY7" fmla="*/ 0 h 1022351"/>
-            </a:gdLst>
-            <a:ahLst/>
-            <a:cxnLst>
-              <a:cxn ang="0">
-                <a:pos x="connsiteX0" y="connsiteY0"/>
-              </a:cxn>
-              <a:cxn ang="0">
-                <a:pos x="connsiteX1" y="connsiteY1"/>
-              </a:cxn>
-              <a:cxn ang="0">
-                <a:pos x="connsiteX2" y="connsiteY2"/>
-              </a:cxn>
-              <a:cxn ang="0">
-                <a:pos x="connsiteX3" y="connsiteY3"/>
-              </a:cxn>
-              <a:cxn ang="0">
-                <a:pos x="connsiteX4" y="connsiteY4"/>
-              </a:cxn>
-              <a:cxn ang="0">
-                <a:pos x="connsiteX5" y="connsiteY5"/>
-              </a:cxn>
-              <a:cxn ang="0">
-                <a:pos x="connsiteX6" y="connsiteY6"/>
-              </a:cxn>
-              <a:cxn ang="0">
-                <a:pos x="connsiteX7" y="connsiteY7"/>
-              </a:cxn>
-            </a:cxnLst>
-            <a:rect l="l" t="t" r="r" b="b"/>
-            <a:pathLst>
-              <a:path w="1548180" h="1022351">
-                <a:moveTo>
-                  <a:pt x="61913" y="0"/>
-                </a:moveTo>
-                <a:lnTo>
-                  <a:pt x="1548180" y="0"/>
-                </a:lnTo>
-                <a:lnTo>
-                  <a:pt x="1548180" y="123825"/>
-                </a:lnTo>
-                <a:lnTo>
-                  <a:pt x="123825" y="123825"/>
-                </a:lnTo>
-                <a:lnTo>
-                  <a:pt x="123825" y="1022351"/>
-                </a:lnTo>
-                <a:lnTo>
-                  <a:pt x="0" y="1022351"/>
-                </a:lnTo>
-                <a:lnTo>
-                  <a:pt x="0" y="61913"/>
-                </a:lnTo>
-                <a:cubicBezTo>
-                  <a:pt x="0" y="27719"/>
-                  <a:pt x="27719" y="0"/>
-                  <a:pt x="61913" y="0"/>
-                </a:cubicBezTo>
-                <a:close/>
-              </a:path>
-            </a:pathLst>
-          </a:custGeom>
-          <a:solidFill>
-            <a:schemeClr val="accent6"/>
-          </a:solidFill>
-          <a:ln w="9525" cap="flat">
-            <a:noFill/>
-            <a:prstDash val="solid"/>
-            <a:miter/>
-          </a:ln>
-        </p:spPr>
-        <p:txBody>
-          <a:bodyPr rtlCol="0" anchor="ctr"/>
-          <a:lstStyle/>
-          <a:p>
-            <a:endParaRPr lang="en-US"/>
-          </a:p>
-        </p:txBody>
-      </p:sp>
-      <p:sp>
-        <p:nvSpPr>
-          <p:cNvPr id="25" name="Freeform: Shape 24">
-            <a:extLst>
-              <a:ext uri="{FF2B5EF4-FFF2-40B4-BE49-F238E27FC236}">
-                <a16:creationId xmlns:a16="http://schemas.microsoft.com/office/drawing/2014/main" id="{D2929CB1-0E3C-4B2D-ADC5-0154FB33BA44}"/>
-              </a:ext>
-              <a:ext uri="{C183D7F6-B498-43B3-948B-1728B52AA6E4}">
-                <adec:decorative xmlns:adec="http://schemas.microsoft.com/office/drawing/2017/decorative" val="1"/>
-              </a:ext>
-            </a:extLst>
-          </p:cNvPr>
-          <p:cNvSpPr>
-            <a:spLocks noGrp="1" noRot="1" noChangeAspect="1" noMove="1" noResize="1" noEditPoints="1" noAdjustHandles="1" noChangeArrowheads="1" noChangeShapeType="1" noTextEdit="1"/>
-          </p:cNvSpPr>
-          <p:nvPr>
-            <p:extLst>
-              <p:ext uri="{386F3935-93C4-4BCD-93E2-E3B085C9AB24}">
-                <p16:designElem xmlns:p16="http://schemas.microsoft.com/office/powerpoint/2015/main" val="1"/>
-              </p:ext>
-            </p:extLst>
-          </p:nvPr>
-        </p:nvSpPr>
-        <p:spPr>
-          <a:xfrm flipH="1">
-            <a:off x="3697761" y="5717906"/>
-            <a:ext cx="1771609" cy="1140095"/>
-          </a:xfrm>
-          <a:custGeom>
-            <a:avLst/>
-            <a:gdLst>
-              <a:gd name="connsiteX0" fmla="*/ 1561721 w 1771609"/>
-              <a:gd name="connsiteY0" fmla="*/ 763041 h 1140095"/>
-              <a:gd name="connsiteX1" fmla="*/ 1623024 w 1771609"/>
-              <a:gd name="connsiteY1" fmla="*/ 792810 h 1140095"/>
-              <a:gd name="connsiteX2" fmla="*/ 1711735 w 1771609"/>
-              <a:gd name="connsiteY2" fmla="*/ 970132 h 1140095"/>
-              <a:gd name="connsiteX3" fmla="*/ 1771609 w 1771609"/>
-              <a:gd name="connsiteY3" fmla="*/ 1140095 h 1140095"/>
-              <a:gd name="connsiteX4" fmla="*/ 1637225 w 1771609"/>
-              <a:gd name="connsiteY4" fmla="*/ 1140095 h 1140095"/>
-              <a:gd name="connsiteX5" fmla="*/ 1594820 w 1771609"/>
-              <a:gd name="connsiteY5" fmla="*/ 1019711 h 1140095"/>
-              <a:gd name="connsiteX6" fmla="*/ 1513200 w 1771609"/>
-              <a:gd name="connsiteY6" fmla="*/ 856627 h 1140095"/>
-              <a:gd name="connsiteX7" fmla="*/ 1538499 w 1771609"/>
-              <a:gd name="connsiteY7" fmla="*/ 770415 h 1140095"/>
-              <a:gd name="connsiteX8" fmla="*/ 1561721 w 1771609"/>
-              <a:gd name="connsiteY8" fmla="*/ 763041 h 1140095"/>
-              <a:gd name="connsiteX9" fmla="*/ 933455 w 1771609"/>
-              <a:gd name="connsiteY9" fmla="*/ 161309 h 1140095"/>
-              <a:gd name="connsiteX10" fmla="*/ 957797 w 1771609"/>
-              <a:gd name="connsiteY10" fmla="*/ 167970 h 1140095"/>
-              <a:gd name="connsiteX11" fmla="*/ 1286982 w 1771609"/>
-              <a:gd name="connsiteY11" fmla="*/ 387616 h 1140095"/>
-              <a:gd name="connsiteX12" fmla="*/ 1293725 w 1771609"/>
-              <a:gd name="connsiteY12" fmla="*/ 477075 h 1140095"/>
-              <a:gd name="connsiteX13" fmla="*/ 1245453 w 1771609"/>
-              <a:gd name="connsiteY13" fmla="*/ 499154 h 1140095"/>
-              <a:gd name="connsiteX14" fmla="*/ 1245167 w 1771609"/>
-              <a:gd name="connsiteY14" fmla="*/ 499154 h 1140095"/>
-              <a:gd name="connsiteX15" fmla="*/ 1203638 w 1771609"/>
-              <a:gd name="connsiteY15" fmla="*/ 484104 h 1140095"/>
-              <a:gd name="connsiteX16" fmla="*/ 900647 w 1771609"/>
-              <a:gd name="connsiteY16" fmla="*/ 281508 h 1140095"/>
-              <a:gd name="connsiteX17" fmla="*/ 872454 w 1771609"/>
-              <a:gd name="connsiteY17" fmla="*/ 196164 h 1140095"/>
-              <a:gd name="connsiteX18" fmla="*/ 933455 w 1771609"/>
-              <a:gd name="connsiteY18" fmla="*/ 161309 h 1140095"/>
-              <a:gd name="connsiteX19" fmla="*/ 256260 w 1771609"/>
-              <a:gd name="connsiteY19" fmla="*/ 29 h 1140095"/>
-              <a:gd name="connsiteX20" fmla="*/ 454020 w 1771609"/>
-              <a:gd name="connsiteY20" fmla="*/ 13474 h 1140095"/>
-              <a:gd name="connsiteX21" fmla="*/ 509236 w 1771609"/>
-              <a:gd name="connsiteY21" fmla="*/ 84182 h 1140095"/>
-              <a:gd name="connsiteX22" fmla="*/ 445829 w 1771609"/>
-              <a:gd name="connsiteY22" fmla="*/ 139871 h 1140095"/>
-              <a:gd name="connsiteX23" fmla="*/ 437447 w 1771609"/>
-              <a:gd name="connsiteY23" fmla="*/ 139395 h 1140095"/>
-              <a:gd name="connsiteX24" fmla="*/ 73211 w 1771609"/>
-              <a:gd name="connsiteY24" fmla="*/ 137204 h 1140095"/>
-              <a:gd name="connsiteX25" fmla="*/ 749 w 1771609"/>
-              <a:gd name="connsiteY25" fmla="*/ 84082 h 1140095"/>
-              <a:gd name="connsiteX26" fmla="*/ 53871 w 1771609"/>
-              <a:gd name="connsiteY26" fmla="*/ 11621 h 1140095"/>
-              <a:gd name="connsiteX27" fmla="*/ 58352 w 1771609"/>
-              <a:gd name="connsiteY27" fmla="*/ 11093 h 1140095"/>
-              <a:gd name="connsiteX28" fmla="*/ 256260 w 1771609"/>
-              <a:gd name="connsiteY28" fmla="*/ 29 h 1140095"/>
+              <a:gd name="connsiteX0" fmla="*/ 2178155 w 5478085"/>
+              <a:gd name="connsiteY0" fmla="*/ 0 h 6276841"/>
+              <a:gd name="connsiteX1" fmla="*/ 5478085 w 5478085"/>
+              <a:gd name="connsiteY1" fmla="*/ 3299930 h 6276841"/>
+              <a:gd name="connsiteX2" fmla="*/ 3751098 w 5478085"/>
+              <a:gd name="connsiteY2" fmla="*/ 6201577 h 6276841"/>
+              <a:gd name="connsiteX3" fmla="*/ 3594858 w 5478085"/>
+              <a:gd name="connsiteY3" fmla="*/ 6276841 h 6276841"/>
+              <a:gd name="connsiteX4" fmla="*/ 761453 w 5478085"/>
+              <a:gd name="connsiteY4" fmla="*/ 6276841 h 6276841"/>
+              <a:gd name="connsiteX5" fmla="*/ 605213 w 5478085"/>
+              <a:gd name="connsiteY5" fmla="*/ 6201577 h 6276841"/>
+              <a:gd name="connsiteX6" fmla="*/ 79093 w 5478085"/>
+              <a:gd name="connsiteY6" fmla="*/ 5846317 h 6276841"/>
+              <a:gd name="connsiteX7" fmla="*/ 0 w 5478085"/>
+              <a:gd name="connsiteY7" fmla="*/ 5774432 h 6276841"/>
+              <a:gd name="connsiteX8" fmla="*/ 0 w 5478085"/>
+              <a:gd name="connsiteY8" fmla="*/ 825429 h 6276841"/>
+              <a:gd name="connsiteX9" fmla="*/ 79093 w 5478085"/>
+              <a:gd name="connsiteY9" fmla="*/ 753544 h 6276841"/>
+              <a:gd name="connsiteX10" fmla="*/ 2178155 w 5478085"/>
+              <a:gd name="connsiteY10" fmla="*/ 0 h 6276841"/>
             </a:gdLst>
             <a:ahLst/>
             <a:cxnLst>
@@ -4189,384 +3732,82 @@
               <a:cxn ang="0">
                 <a:pos x="connsiteX10" y="connsiteY10"/>
               </a:cxn>
-              <a:cxn ang="0">
-                <a:pos x="connsiteX11" y="connsiteY11"/>
-              </a:cxn>
-              <a:cxn ang="0">
-                <a:pos x="connsiteX12" y="connsiteY12"/>
-              </a:cxn>
-              <a:cxn ang="0">
-                <a:pos x="connsiteX13" y="connsiteY13"/>
-              </a:cxn>
-              <a:cxn ang="0">
-                <a:pos x="connsiteX14" y="connsiteY14"/>
-              </a:cxn>
-              <a:cxn ang="0">
-                <a:pos x="connsiteX15" y="connsiteY15"/>
-              </a:cxn>
-              <a:cxn ang="0">
-                <a:pos x="connsiteX16" y="connsiteY16"/>
-              </a:cxn>
-              <a:cxn ang="0">
-                <a:pos x="connsiteX17" y="connsiteY17"/>
-              </a:cxn>
-              <a:cxn ang="0">
-                <a:pos x="connsiteX18" y="connsiteY18"/>
-              </a:cxn>
-              <a:cxn ang="0">
-                <a:pos x="connsiteX19" y="connsiteY19"/>
-              </a:cxn>
-              <a:cxn ang="0">
-                <a:pos x="connsiteX20" y="connsiteY20"/>
-              </a:cxn>
-              <a:cxn ang="0">
-                <a:pos x="connsiteX21" y="connsiteY21"/>
-              </a:cxn>
-              <a:cxn ang="0">
-                <a:pos x="connsiteX22" y="connsiteY22"/>
-              </a:cxn>
-              <a:cxn ang="0">
-                <a:pos x="connsiteX23" y="connsiteY23"/>
-              </a:cxn>
-              <a:cxn ang="0">
-                <a:pos x="connsiteX24" y="connsiteY24"/>
-              </a:cxn>
-              <a:cxn ang="0">
-                <a:pos x="connsiteX25" y="connsiteY25"/>
-              </a:cxn>
-              <a:cxn ang="0">
-                <a:pos x="connsiteX26" y="connsiteY26"/>
-              </a:cxn>
-              <a:cxn ang="0">
-                <a:pos x="connsiteX27" y="connsiteY27"/>
-              </a:cxn>
-              <a:cxn ang="0">
-                <a:pos x="connsiteX28" y="connsiteY28"/>
-              </a:cxn>
             </a:cxnLst>
             <a:rect l="l" t="t" r="r" b="b"/>
             <a:pathLst>
-              <a:path w="1771609" h="1140095">
+              <a:path w="5478085" h="6276841">
                 <a:moveTo>
-                  <a:pt x="1561721" y="763041"/>
+                  <a:pt x="2178155" y="0"/>
                 </a:moveTo>
                 <a:cubicBezTo>
-                  <a:pt x="1585506" y="760324"/>
-                  <a:pt x="1609722" y="771249"/>
-                  <a:pt x="1623024" y="792810"/>
+                  <a:pt x="4000656" y="0"/>
+                  <a:pt x="5478085" y="1477429"/>
+                  <a:pt x="5478085" y="3299930"/>
                 </a:cubicBezTo>
                 <a:cubicBezTo>
-                  <a:pt x="1656300" y="850065"/>
-                  <a:pt x="1685920" y="909291"/>
-                  <a:pt x="1711735" y="970132"/>
+                  <a:pt x="5478085" y="4552900"/>
+                  <a:pt x="4779769" y="5642769"/>
+                  <a:pt x="3751098" y="6201577"/>
                 </a:cubicBezTo>
                 <a:lnTo>
-                  <a:pt x="1771609" y="1140095"/>
+                  <a:pt x="3594858" y="6276841"/>
                 </a:lnTo>
                 <a:lnTo>
-                  <a:pt x="1637225" y="1140095"/>
+                  <a:pt x="761453" y="6276841"/>
                 </a:lnTo>
                 <a:lnTo>
-                  <a:pt x="1594820" y="1019711"/>
+                  <a:pt x="605213" y="6201577"/>
                 </a:lnTo>
                 <a:cubicBezTo>
-                  <a:pt x="1571072" y="963753"/>
-                  <a:pt x="1543818" y="909282"/>
-                  <a:pt x="1513200" y="856627"/>
-                </a:cubicBezTo>
-                <a:cubicBezTo>
-                  <a:pt x="1496379" y="825834"/>
-                  <a:pt x="1507704" y="787236"/>
-                  <a:pt x="1538499" y="770415"/>
-                </a:cubicBezTo>
-                <a:cubicBezTo>
-                  <a:pt x="1545912" y="766367"/>
-                  <a:pt x="1553792" y="763946"/>
-                  <a:pt x="1561721" y="763041"/>
-                </a:cubicBezTo>
-                <a:close/>
-                <a:moveTo>
-                  <a:pt x="933455" y="161309"/>
-                </a:moveTo>
-                <a:cubicBezTo>
-                  <a:pt x="941693" y="161855"/>
-                  <a:pt x="949959" y="164025"/>
-                  <a:pt x="957797" y="167970"/>
-                </a:cubicBezTo>
-                <a:cubicBezTo>
-                  <a:pt x="1076184" y="227289"/>
-                  <a:pt x="1186759" y="301068"/>
-                  <a:pt x="1286982" y="387616"/>
-                </a:cubicBezTo>
-                <a:cubicBezTo>
-                  <a:pt x="1313547" y="410457"/>
-                  <a:pt x="1316566" y="450510"/>
-                  <a:pt x="1293725" y="477075"/>
-                </a:cubicBezTo>
-                <a:cubicBezTo>
-                  <a:pt x="1281638" y="491137"/>
-                  <a:pt x="1263998" y="499204"/>
-                  <a:pt x="1245453" y="499154"/>
+                  <a:pt x="418182" y="6099975"/>
+                  <a:pt x="242071" y="5980818"/>
+                  <a:pt x="79093" y="5846317"/>
                 </a:cubicBezTo>
                 <a:lnTo>
-                  <a:pt x="1245167" y="499154"/>
+                  <a:pt x="0" y="5774432"/>
+                </a:lnTo>
+                <a:lnTo>
+                  <a:pt x="0" y="825429"/>
+                </a:lnTo>
+                <a:lnTo>
+                  <a:pt x="79093" y="753544"/>
                 </a:lnTo>
                 <a:cubicBezTo>
-                  <a:pt x="1229965" y="499301"/>
-                  <a:pt x="1215220" y="493956"/>
-                  <a:pt x="1203638" y="484104"/>
-                </a:cubicBezTo>
-                <a:cubicBezTo>
-                  <a:pt x="1111407" y="404300"/>
-                  <a:pt x="1009633" y="336248"/>
-                  <a:pt x="900647" y="281508"/>
-                </a:cubicBezTo>
-                <a:cubicBezTo>
-                  <a:pt x="869295" y="265726"/>
-                  <a:pt x="856672" y="227516"/>
-                  <a:pt x="872454" y="196164"/>
-                </a:cubicBezTo>
-                <a:cubicBezTo>
-                  <a:pt x="884290" y="172650"/>
-                  <a:pt x="908742" y="159670"/>
-                  <a:pt x="933455" y="161309"/>
-                </a:cubicBezTo>
-                <a:close/>
-                <a:moveTo>
-                  <a:pt x="256260" y="29"/>
-                </a:moveTo>
-                <a:cubicBezTo>
-                  <a:pt x="322331" y="427"/>
-                  <a:pt x="388378" y="4909"/>
-                  <a:pt x="454020" y="13474"/>
-                </a:cubicBezTo>
-                <a:cubicBezTo>
-                  <a:pt x="488793" y="17752"/>
-                  <a:pt x="513514" y="49409"/>
-                  <a:pt x="509236" y="84182"/>
-                </a:cubicBezTo>
-                <a:cubicBezTo>
-                  <a:pt x="505303" y="116151"/>
-                  <a:pt x="478038" y="140098"/>
-                  <a:pt x="445829" y="139871"/>
-                </a:cubicBezTo>
-                <a:cubicBezTo>
-                  <a:pt x="443027" y="139899"/>
-                  <a:pt x="440227" y="139740"/>
-                  <a:pt x="437447" y="139395"/>
-                </a:cubicBezTo>
-                <a:cubicBezTo>
-                  <a:pt x="316592" y="123615"/>
-                  <a:pt x="194247" y="122878"/>
-                  <a:pt x="73211" y="137204"/>
-                </a:cubicBezTo>
-                <a:cubicBezTo>
-                  <a:pt x="38532" y="142545"/>
-                  <a:pt x="6090" y="118762"/>
-                  <a:pt x="749" y="84082"/>
-                </a:cubicBezTo>
-                <a:cubicBezTo>
-                  <a:pt x="-4591" y="49403"/>
-                  <a:pt x="19192" y="16961"/>
-                  <a:pt x="53871" y="11621"/>
-                </a:cubicBezTo>
-                <a:cubicBezTo>
-                  <a:pt x="55358" y="11392"/>
-                  <a:pt x="56852" y="11216"/>
-                  <a:pt x="58352" y="11093"/>
-                </a:cubicBezTo>
-                <a:cubicBezTo>
-                  <a:pt x="124093" y="3319"/>
-                  <a:pt x="190189" y="-369"/>
-                  <a:pt x="256260" y="29"/>
+                  <a:pt x="649516" y="282789"/>
+                  <a:pt x="1380811" y="0"/>
+                  <a:pt x="2178155" y="0"/>
                 </a:cubicBezTo>
                 <a:close/>
               </a:path>
             </a:pathLst>
           </a:custGeom>
           <a:solidFill>
-            <a:schemeClr val="accent4"/>
-          </a:solidFill>
-          <a:ln w="9525" cap="flat">
-            <a:noFill/>
-            <a:prstDash val="solid"/>
-            <a:miter/>
-          </a:ln>
-        </p:spPr>
-        <p:txBody>
-          <a:bodyPr rtlCol="0" anchor="ctr"/>
-          <a:lstStyle/>
-          <a:p>
-            <a:endParaRPr lang="en-US"/>
-          </a:p>
-        </p:txBody>
-      </p:sp>
-      <p:pic>
-        <p:nvPicPr>
-          <p:cNvPr id="10" name="Imagem 9">
-            <a:extLst>
-              <a:ext uri="{FF2B5EF4-FFF2-40B4-BE49-F238E27FC236}">
-                <a16:creationId xmlns:a16="http://schemas.microsoft.com/office/drawing/2014/main" id="{05507BF8-2CF5-4C87-81C4-514B69A4E4EA}"/>
-              </a:ext>
-            </a:extLst>
-          </p:cNvPr>
-          <p:cNvPicPr>
-            <a:picLocks noChangeAspect="1"/>
-          </p:cNvPicPr>
-          <p:nvPr/>
-        </p:nvPicPr>
-        <p:blipFill rotWithShape="1">
-          <a:blip r:embed="rId2">
-            <a:extLst>
-              <a:ext uri="{28A0092B-C50C-407E-A947-70E740481C1C}">
-                <a14:useLocalDpi xmlns:a14="http://schemas.microsoft.com/office/drawing/2010/main" val="0"/>
-              </a:ext>
-            </a:extLst>
-          </a:blip>
-          <a:srcRect r="3" b="3"/>
-          <a:stretch/>
-        </p:blipFill>
-        <p:spPr>
-          <a:xfrm>
-            <a:off x="631840" y="598720"/>
-            <a:ext cx="5178249" cy="5178249"/>
-          </a:xfrm>
-          <a:custGeom>
-            <a:avLst/>
-            <a:gdLst/>
-            <a:ahLst/>
-            <a:cxnLst/>
-            <a:rect l="l" t="t" r="r" b="b"/>
-            <a:pathLst>
-              <a:path w="3741748" h="3741748">
-                <a:moveTo>
-                  <a:pt x="1870874" y="0"/>
-                </a:moveTo>
-                <a:cubicBezTo>
-                  <a:pt x="2904129" y="0"/>
-                  <a:pt x="3741748" y="837619"/>
-                  <a:pt x="3741748" y="1870874"/>
-                </a:cubicBezTo>
-                <a:cubicBezTo>
-                  <a:pt x="3741748" y="2904129"/>
-                  <a:pt x="2904129" y="3741748"/>
-                  <a:pt x="1870874" y="3741748"/>
-                </a:cubicBezTo>
-                <a:cubicBezTo>
-                  <a:pt x="837619" y="3741748"/>
-                  <a:pt x="0" y="2904129"/>
-                  <a:pt x="0" y="1870874"/>
-                </a:cubicBezTo>
-                <a:cubicBezTo>
-                  <a:pt x="0" y="837619"/>
-                  <a:pt x="837619" y="0"/>
-                  <a:pt x="1870874" y="0"/>
-                </a:cubicBezTo>
-                <a:close/>
-              </a:path>
-            </a:pathLst>
-          </a:custGeom>
-        </p:spPr>
-      </p:pic>
-      <p:sp>
-        <p:nvSpPr>
-          <p:cNvPr id="27" name="Freeform: Shape 26">
-            <a:extLst>
-              <a:ext uri="{FF2B5EF4-FFF2-40B4-BE49-F238E27FC236}">
-                <a16:creationId xmlns:a16="http://schemas.microsoft.com/office/drawing/2014/main" id="{5F2F0C84-BE8C-4DC2-A6D3-30349A801D5C}"/>
-              </a:ext>
-              <a:ext uri="{C183D7F6-B498-43B3-948B-1728B52AA6E4}">
-                <adec:decorative xmlns:adec="http://schemas.microsoft.com/office/drawing/2017/decorative" val="1"/>
-              </a:ext>
-            </a:extLst>
-          </p:cNvPr>
-          <p:cNvSpPr>
-            <a:spLocks noGrp="1" noRot="1" noChangeAspect="1" noMove="1" noResize="1" noEditPoints="1" noAdjustHandles="1" noChangeArrowheads="1" noChangeShapeType="1" noTextEdit="1"/>
-          </p:cNvSpPr>
-          <p:nvPr>
-            <p:extLst>
-              <p:ext uri="{386F3935-93C4-4BCD-93E2-E3B085C9AB24}">
-                <p16:designElem xmlns:p16="http://schemas.microsoft.com/office/powerpoint/2015/main" val="1"/>
-              </p:ext>
-            </p:extLst>
-          </p:nvPr>
-        </p:nvSpPr>
-        <p:spPr>
-          <a:xfrm flipH="1">
-            <a:off x="4520513" y="6258756"/>
-            <a:ext cx="1565940" cy="599245"/>
-          </a:xfrm>
-          <a:custGeom>
-            <a:avLst/>
-            <a:gdLst>
-              <a:gd name="connsiteX0" fmla="*/ 782970 w 1565940"/>
-              <a:gd name="connsiteY0" fmla="*/ 0 h 599245"/>
-              <a:gd name="connsiteX1" fmla="*/ 1528042 w 1565940"/>
-              <a:gd name="connsiteY1" fmla="*/ 480469 h 599245"/>
-              <a:gd name="connsiteX2" fmla="*/ 1565940 w 1565940"/>
-              <a:gd name="connsiteY2" fmla="*/ 599245 h 599245"/>
-              <a:gd name="connsiteX3" fmla="*/ 0 w 1565940"/>
-              <a:gd name="connsiteY3" fmla="*/ 599245 h 599245"/>
-              <a:gd name="connsiteX4" fmla="*/ 37898 w 1565940"/>
-              <a:gd name="connsiteY4" fmla="*/ 480469 h 599245"/>
-              <a:gd name="connsiteX5" fmla="*/ 782970 w 1565940"/>
-              <a:gd name="connsiteY5" fmla="*/ 0 h 599245"/>
-            </a:gdLst>
-            <a:ahLst/>
-            <a:cxnLst>
-              <a:cxn ang="0">
-                <a:pos x="connsiteX0" y="connsiteY0"/>
-              </a:cxn>
-              <a:cxn ang="0">
-                <a:pos x="connsiteX1" y="connsiteY1"/>
-              </a:cxn>
-              <a:cxn ang="0">
-                <a:pos x="connsiteX2" y="connsiteY2"/>
-              </a:cxn>
-              <a:cxn ang="0">
-                <a:pos x="connsiteX3" y="connsiteY3"/>
-              </a:cxn>
-              <a:cxn ang="0">
-                <a:pos x="connsiteX4" y="connsiteY4"/>
-              </a:cxn>
-              <a:cxn ang="0">
-                <a:pos x="connsiteX5" y="connsiteY5"/>
-              </a:cxn>
-            </a:cxnLst>
-            <a:rect l="l" t="t" r="r" b="b"/>
-            <a:pathLst>
-              <a:path w="1565940" h="599245">
-                <a:moveTo>
-                  <a:pt x="782970" y="0"/>
-                </a:moveTo>
-                <a:cubicBezTo>
-                  <a:pt x="1117910" y="0"/>
-                  <a:pt x="1405287" y="198118"/>
-                  <a:pt x="1528042" y="480469"/>
-                </a:cubicBezTo>
-                <a:lnTo>
-                  <a:pt x="1565940" y="599245"/>
-                </a:lnTo>
-                <a:lnTo>
-                  <a:pt x="0" y="599245"/>
-                </a:lnTo>
-                <a:lnTo>
-                  <a:pt x="37898" y="480469"/>
-                </a:lnTo>
-                <a:cubicBezTo>
-                  <a:pt x="160653" y="198118"/>
-                  <a:pt x="448030" y="0"/>
-                  <a:pt x="782970" y="0"/>
-                </a:cubicBezTo>
-                <a:close/>
-              </a:path>
-            </a:pathLst>
-          </a:custGeom>
-          <a:solidFill>
-            <a:schemeClr val="accent2"/>
+            <a:srgbClr val="FFFFFF"/>
           </a:solidFill>
           <a:ln>
-            <a:noFill/>
+            <a:gradFill>
+              <a:gsLst>
+                <a:gs pos="0">
+                  <a:schemeClr val="accent1">
+                    <a:lumMod val="40000"/>
+                    <a:lumOff val="60000"/>
+                  </a:schemeClr>
+                </a:gs>
+                <a:gs pos="23000">
+                  <a:schemeClr val="accent1">
+                    <a:lumMod val="45000"/>
+                    <a:lumOff val="55000"/>
+                  </a:schemeClr>
+                </a:gs>
+                <a:gs pos="83000">
+                  <a:schemeClr val="accent3"/>
+                </a:gs>
+                <a:gs pos="100000">
+                  <a:schemeClr val="accent3"/>
+                </a:gs>
+              </a:gsLst>
+              <a:lin ang="5400000" scaled="1"/>
+            </a:gradFill>
           </a:ln>
         </p:spPr>
         <p:style>
@@ -4592,10 +3833,99 @@
           <a:lstStyle/>
           <a:p>
             <a:pPr algn="ctr"/>
-            <a:endParaRPr lang="en-US" dirty="0"/>
-          </a:p>
-        </p:txBody>
-      </p:sp>
+            <a:endParaRPr lang="en-US"/>
+          </a:p>
+        </p:txBody>
+      </p:sp>
+      <p:pic>
+        <p:nvPicPr>
+          <p:cNvPr id="5" name="Imagem 4" descr="Logotipo, nome da empresa&#10;&#10;Descrição gerada automaticamente">
+            <a:extLst>
+              <a:ext uri="{FF2B5EF4-FFF2-40B4-BE49-F238E27FC236}">
+                <a16:creationId xmlns:a16="http://schemas.microsoft.com/office/drawing/2014/main" id="{5C375E58-A4C3-4BD5-A76F-E5C4593A03B6}"/>
+              </a:ext>
+            </a:extLst>
+          </p:cNvPr>
+          <p:cNvPicPr>
+            <a:picLocks noChangeAspect="1"/>
+          </p:cNvPicPr>
+          <p:nvPr/>
+        </p:nvPicPr>
+        <p:blipFill rotWithShape="1">
+          <a:blip r:embed="rId3">
+            <a:alphaModFix/>
+            <a:extLst>
+              <a:ext uri="{28A0092B-C50C-407E-A947-70E740481C1C}">
+                <a14:useLocalDpi xmlns:a14="http://schemas.microsoft.com/office/drawing/2010/main" val="0"/>
+              </a:ext>
+            </a:extLst>
+          </a:blip>
+          <a:srcRect l="10232" r="18292" b="-1"/>
+          <a:stretch/>
+        </p:blipFill>
+        <p:spPr>
+          <a:xfrm>
+            <a:off x="-313508" y="680336"/>
+            <a:ext cx="5298683" cy="6097438"/>
+          </a:xfrm>
+          <a:custGeom>
+            <a:avLst/>
+            <a:gdLst/>
+            <a:ahLst/>
+            <a:cxnLst/>
+            <a:rect l="l" t="t" r="r" b="b"/>
+            <a:pathLst>
+              <a:path w="5298683" h="6097438">
+                <a:moveTo>
+                  <a:pt x="2178155" y="0"/>
+                </a:moveTo>
+                <a:cubicBezTo>
+                  <a:pt x="3901575" y="0"/>
+                  <a:pt x="5298683" y="1397108"/>
+                  <a:pt x="5298683" y="3120527"/>
+                </a:cubicBezTo>
+                <a:cubicBezTo>
+                  <a:pt x="5298683" y="4413092"/>
+                  <a:pt x="4512810" y="5522106"/>
+                  <a:pt x="3392805" y="5995828"/>
+                </a:cubicBezTo>
+                <a:lnTo>
+                  <a:pt x="3115184" y="6097438"/>
+                </a:lnTo>
+                <a:lnTo>
+                  <a:pt x="1241127" y="6097438"/>
+                </a:lnTo>
+                <a:lnTo>
+                  <a:pt x="963506" y="5995828"/>
+                </a:lnTo>
+                <a:cubicBezTo>
+                  <a:pt x="683504" y="5877397"/>
+                  <a:pt x="424387" y="5719261"/>
+                  <a:pt x="193210" y="5528477"/>
+                </a:cubicBezTo>
+                <a:lnTo>
+                  <a:pt x="0" y="5352876"/>
+                </a:lnTo>
+                <a:lnTo>
+                  <a:pt x="0" y="888178"/>
+                </a:lnTo>
+                <a:lnTo>
+                  <a:pt x="193210" y="712577"/>
+                </a:lnTo>
+                <a:cubicBezTo>
+                  <a:pt x="732621" y="267415"/>
+                  <a:pt x="1424159" y="0"/>
+                  <a:pt x="2178155" y="0"/>
+                </a:cubicBezTo>
+                <a:close/>
+              </a:path>
+            </a:pathLst>
+          </a:custGeom>
+          <a:effectLst>
+            <a:softEdge rad="0"/>
+          </a:effectLst>
+        </p:spPr>
+      </p:pic>
     </p:spTree>
     <p:extLst>
       <p:ext uri="{BB962C8B-B14F-4D97-AF65-F5344CB8AC3E}">
@@ -4667,10 +3997,10 @@
       </p:cxnSp>
       <p:pic>
         <p:nvPicPr>
-          <p:cNvPr id="8" name="Imagem 7">
-            <a:extLst>
-              <a:ext uri="{FF2B5EF4-FFF2-40B4-BE49-F238E27FC236}">
-                <a16:creationId xmlns:a16="http://schemas.microsoft.com/office/drawing/2014/main" id="{D90230C0-B25E-48E0-A50E-1492A0D25014}"/>
+          <p:cNvPr id="9" name="Imagem 8" descr="Tela de celular com texto preto sobre fundo branco&#10;&#10;Descrição gerada automaticamente">
+            <a:extLst>
+              <a:ext uri="{FF2B5EF4-FFF2-40B4-BE49-F238E27FC236}">
+                <a16:creationId xmlns:a16="http://schemas.microsoft.com/office/drawing/2014/main" id="{92EA93DF-9609-4623-BA66-B7E60CA13C82}"/>
               </a:ext>
             </a:extLst>
           </p:cNvPr>
@@ -4680,15 +4010,21 @@
           <p:nvPr/>
         </p:nvPicPr>
         <p:blipFill>
-          <a:blip r:embed="rId2"/>
+          <a:blip r:embed="rId2">
+            <a:extLst>
+              <a:ext uri="{28A0092B-C50C-407E-A947-70E740481C1C}">
+                <a14:useLocalDpi xmlns:a14="http://schemas.microsoft.com/office/drawing/2010/main" val="0"/>
+              </a:ext>
+            </a:extLst>
+          </a:blip>
           <a:stretch>
             <a:fillRect/>
           </a:stretch>
         </p:blipFill>
         <p:spPr>
           <a:xfrm>
-            <a:off x="53894" y="35169"/>
-            <a:ext cx="1035488" cy="1035488"/>
+            <a:off x="146617" y="1070657"/>
+            <a:ext cx="5850009" cy="5005678"/>
           </a:xfrm>
           <a:prstGeom prst="rect">
             <a:avLst/>
@@ -4697,10 +4033,45 @@
       </p:pic>
       <p:pic>
         <p:nvPicPr>
-          <p:cNvPr id="9" name="Imagem 8" descr="Tela de celular com texto preto sobre fundo branco&#10;&#10;Descrição gerada automaticamente">
-            <a:extLst>
-              <a:ext uri="{FF2B5EF4-FFF2-40B4-BE49-F238E27FC236}">
-                <a16:creationId xmlns:a16="http://schemas.microsoft.com/office/drawing/2014/main" id="{92EA93DF-9609-4623-BA66-B7E60CA13C82}"/>
+          <p:cNvPr id="10" name="Imagem 9" descr="Tela de computador com texto preto sobre fundo branco&#10;&#10;Descrição gerada automaticamente">
+            <a:extLst>
+              <a:ext uri="{FF2B5EF4-FFF2-40B4-BE49-F238E27FC236}">
+                <a16:creationId xmlns:a16="http://schemas.microsoft.com/office/drawing/2014/main" id="{5D4B0EC7-BD92-4084-B94F-0FC8F820C43E}"/>
+              </a:ext>
+            </a:extLst>
+          </p:cNvPr>
+          <p:cNvPicPr>
+            <a:picLocks noChangeAspect="1"/>
+          </p:cNvPicPr>
+          <p:nvPr/>
+        </p:nvPicPr>
+        <p:blipFill rotWithShape="1">
+          <a:blip r:embed="rId3">
+            <a:extLst>
+              <a:ext uri="{28A0092B-C50C-407E-A947-70E740481C1C}">
+                <a14:useLocalDpi xmlns:a14="http://schemas.microsoft.com/office/drawing/2010/main" val="0"/>
+              </a:ext>
+            </a:extLst>
+          </a:blip>
+          <a:srcRect l="2957" r="6182" b="-1"/>
+          <a:stretch/>
+        </p:blipFill>
+        <p:spPr>
+          <a:xfrm>
+            <a:off x="6161942" y="1070657"/>
+            <a:ext cx="6030058" cy="4977480"/>
+          </a:xfrm>
+          <a:prstGeom prst="rect">
+            <a:avLst/>
+          </a:prstGeom>
+        </p:spPr>
+      </p:pic>
+      <p:pic>
+        <p:nvPicPr>
+          <p:cNvPr id="2" name="Imagem 1" descr="Logotipo, nome da empresa&#10;&#10;Descrição gerada automaticamente">
+            <a:extLst>
+              <a:ext uri="{FF2B5EF4-FFF2-40B4-BE49-F238E27FC236}">
+                <a16:creationId xmlns:a16="http://schemas.microsoft.com/office/drawing/2014/main" id="{380E95F8-3762-4732-8D82-59E7D580454F}"/>
               </a:ext>
             </a:extLst>
           </p:cNvPr>
@@ -4710,7 +4081,7 @@
           <p:nvPr/>
         </p:nvPicPr>
         <p:blipFill>
-          <a:blip r:embed="rId3">
+          <a:blip r:embed="rId4">
             <a:extLst>
               <a:ext uri="{28A0092B-C50C-407E-A947-70E740481C1C}">
                 <a14:useLocalDpi xmlns:a14="http://schemas.microsoft.com/office/drawing/2010/main" val="0"/>
@@ -4723,43 +4094,8 @@
         </p:blipFill>
         <p:spPr>
           <a:xfrm>
-            <a:off x="146617" y="1070657"/>
-            <a:ext cx="5850009" cy="5005678"/>
-          </a:xfrm>
-          <a:prstGeom prst="rect">
-            <a:avLst/>
-          </a:prstGeom>
-        </p:spPr>
-      </p:pic>
-      <p:pic>
-        <p:nvPicPr>
-          <p:cNvPr id="10" name="Imagem 9" descr="Tela de computador com texto preto sobre fundo branco&#10;&#10;Descrição gerada automaticamente">
-            <a:extLst>
-              <a:ext uri="{FF2B5EF4-FFF2-40B4-BE49-F238E27FC236}">
-                <a16:creationId xmlns:a16="http://schemas.microsoft.com/office/drawing/2014/main" id="{5D4B0EC7-BD92-4084-B94F-0FC8F820C43E}"/>
-              </a:ext>
-            </a:extLst>
-          </p:cNvPr>
-          <p:cNvPicPr>
-            <a:picLocks noChangeAspect="1"/>
-          </p:cNvPicPr>
-          <p:nvPr/>
-        </p:nvPicPr>
-        <p:blipFill rotWithShape="1">
-          <a:blip r:embed="rId4">
-            <a:extLst>
-              <a:ext uri="{28A0092B-C50C-407E-A947-70E740481C1C}">
-                <a14:useLocalDpi xmlns:a14="http://schemas.microsoft.com/office/drawing/2010/main" val="0"/>
-              </a:ext>
-            </a:extLst>
-          </a:blip>
-          <a:srcRect l="2957" r="6182" b="-1"/>
-          <a:stretch/>
-        </p:blipFill>
-        <p:spPr>
-          <a:xfrm>
-            <a:off x="6161942" y="1070657"/>
-            <a:ext cx="6030058" cy="4977480"/>
+            <a:off x="-397093" y="-690286"/>
+            <a:ext cx="3102365" cy="2554889"/>
           </a:xfrm>
           <a:prstGeom prst="rect">
             <a:avLst/>
@@ -4932,6 +4268,42 @@
               </a14:hiddenFill>
             </a:ext>
           </a:extLst>
+        </p:spPr>
+      </p:pic>
+      <p:pic>
+        <p:nvPicPr>
+          <p:cNvPr id="4" name="Imagem 3" descr="Logotipo, nome da empresa&#10;&#10;Descrição gerada automaticamente">
+            <a:extLst>
+              <a:ext uri="{FF2B5EF4-FFF2-40B4-BE49-F238E27FC236}">
+                <a16:creationId xmlns:a16="http://schemas.microsoft.com/office/drawing/2014/main" id="{5C079E03-4E25-4145-9EA8-B9C905072194}"/>
+              </a:ext>
+            </a:extLst>
+          </p:cNvPr>
+          <p:cNvPicPr>
+            <a:picLocks noChangeAspect="1"/>
+          </p:cNvPicPr>
+          <p:nvPr/>
+        </p:nvPicPr>
+        <p:blipFill>
+          <a:blip r:embed="rId4">
+            <a:extLst>
+              <a:ext uri="{28A0092B-C50C-407E-A947-70E740481C1C}">
+                <a14:useLocalDpi xmlns:a14="http://schemas.microsoft.com/office/drawing/2010/main" val="0"/>
+              </a:ext>
+            </a:extLst>
+          </a:blip>
+          <a:stretch>
+            <a:fillRect/>
+          </a:stretch>
+        </p:blipFill>
+        <p:spPr>
+          <a:xfrm>
+            <a:off x="-449344" y="-716412"/>
+            <a:ext cx="3102365" cy="2554889"/>
+          </a:xfrm>
+          <a:prstGeom prst="rect">
+            <a:avLst/>
+          </a:prstGeom>
         </p:spPr>
       </p:pic>
     </p:spTree>
@@ -5109,10 +4481,10 @@
       </p:sp>
       <p:pic>
         <p:nvPicPr>
-          <p:cNvPr id="8" name="Imagem 7">
-            <a:extLst>
-              <a:ext uri="{FF2B5EF4-FFF2-40B4-BE49-F238E27FC236}">
-                <a16:creationId xmlns:a16="http://schemas.microsoft.com/office/drawing/2014/main" id="{CF5325FA-8557-4D77-B0C8-4653C4AD0BA1}"/>
+          <p:cNvPr id="4" name="Imagem 3" descr="Logotipo, nome da empresa&#10;&#10;Descrição gerada automaticamente">
+            <a:extLst>
+              <a:ext uri="{FF2B5EF4-FFF2-40B4-BE49-F238E27FC236}">
+                <a16:creationId xmlns:a16="http://schemas.microsoft.com/office/drawing/2014/main" id="{08D83633-1111-417D-9A8F-8F1F1FC94C15}"/>
               </a:ext>
             </a:extLst>
           </p:cNvPr>
@@ -5122,15 +4494,21 @@
           <p:nvPr/>
         </p:nvPicPr>
         <p:blipFill>
-          <a:blip r:embed="rId4"/>
+          <a:blip r:embed="rId4">
+            <a:extLst>
+              <a:ext uri="{28A0092B-C50C-407E-A947-70E740481C1C}">
+                <a14:useLocalDpi xmlns:a14="http://schemas.microsoft.com/office/drawing/2010/main" val="0"/>
+              </a:ext>
+            </a:extLst>
+          </a:blip>
           <a:stretch>
             <a:fillRect/>
           </a:stretch>
         </p:blipFill>
         <p:spPr>
           <a:xfrm>
-            <a:off x="53894" y="35169"/>
-            <a:ext cx="1035488" cy="1035488"/>
+            <a:off x="-318715" y="-775973"/>
+            <a:ext cx="3102365" cy="2554889"/>
           </a:xfrm>
           <a:prstGeom prst="rect">
             <a:avLst/>
@@ -5249,7 +4627,7 @@
         </p:blipFill>
         <p:spPr>
           <a:xfrm>
-            <a:off x="3810592" y="3103126"/>
+            <a:off x="3810592" y="2957950"/>
             <a:ext cx="4673265" cy="3715985"/>
           </a:xfrm>
           <a:prstGeom prst="rect">
@@ -5349,10 +4727,10 @@
       </p:sp>
       <p:pic>
         <p:nvPicPr>
-          <p:cNvPr id="7" name="Imagem 6">
-            <a:extLst>
-              <a:ext uri="{FF2B5EF4-FFF2-40B4-BE49-F238E27FC236}">
-                <a16:creationId xmlns:a16="http://schemas.microsoft.com/office/drawing/2014/main" id="{590574D9-EC53-4982-9565-D07A775EBA14}"/>
+          <p:cNvPr id="9" name="Imagem 8" descr="Logotipo, nome da empresa&#10;&#10;Descrição gerada automaticamente">
+            <a:extLst>
+              <a:ext uri="{FF2B5EF4-FFF2-40B4-BE49-F238E27FC236}">
+                <a16:creationId xmlns:a16="http://schemas.microsoft.com/office/drawing/2014/main" id="{CE80B17E-C787-4ECE-83CB-9EA332C30EB5}"/>
               </a:ext>
             </a:extLst>
           </p:cNvPr>
@@ -5362,15 +4740,21 @@
           <p:nvPr/>
         </p:nvPicPr>
         <p:blipFill>
-          <a:blip r:embed="rId5"/>
+          <a:blip r:embed="rId5">
+            <a:extLst>
+              <a:ext uri="{28A0092B-C50C-407E-A947-70E740481C1C}">
+                <a14:useLocalDpi xmlns:a14="http://schemas.microsoft.com/office/drawing/2010/main" val="0"/>
+              </a:ext>
+            </a:extLst>
+          </a:blip>
           <a:stretch>
             <a:fillRect/>
           </a:stretch>
         </p:blipFill>
         <p:spPr>
           <a:xfrm>
-            <a:off x="53894" y="35169"/>
-            <a:ext cx="1035488" cy="1035488"/>
+            <a:off x="-397093" y="-723447"/>
+            <a:ext cx="3102365" cy="2554889"/>
           </a:xfrm>
           <a:prstGeom prst="rect">
             <a:avLst/>
@@ -5511,7 +4895,7 @@
         </p:nvSpPr>
         <p:spPr>
           <a:xfrm>
-            <a:off x="3441700" y="185698"/>
+            <a:off x="3441700" y="339418"/>
             <a:ext cx="4597400" cy="369332"/>
           </a:xfrm>
           <a:prstGeom prst="rect">
@@ -5634,10 +5018,10 @@
       </p:sp>
       <p:pic>
         <p:nvPicPr>
-          <p:cNvPr id="9" name="Imagem 8">
-            <a:extLst>
-              <a:ext uri="{FF2B5EF4-FFF2-40B4-BE49-F238E27FC236}">
-                <a16:creationId xmlns:a16="http://schemas.microsoft.com/office/drawing/2014/main" id="{5844951E-9229-41A9-960B-45E58B2A2053}"/>
+          <p:cNvPr id="10" name="Imagem 9">
+            <a:extLst>
+              <a:ext uri="{FF2B5EF4-FFF2-40B4-BE49-F238E27FC236}">
+                <a16:creationId xmlns:a16="http://schemas.microsoft.com/office/drawing/2014/main" id="{0AA5E581-82DA-4C80-95EE-CA868C15F7D5}"/>
               </a:ext>
             </a:extLst>
           </p:cNvPr>
@@ -5654,36 +5038,6 @@
         </p:blipFill>
         <p:spPr>
           <a:xfrm>
-            <a:off x="53894" y="35169"/>
-            <a:ext cx="1035488" cy="934447"/>
-          </a:xfrm>
-          <a:prstGeom prst="rect">
-            <a:avLst/>
-          </a:prstGeom>
-        </p:spPr>
-      </p:pic>
-      <p:pic>
-        <p:nvPicPr>
-          <p:cNvPr id="10" name="Imagem 9">
-            <a:extLst>
-              <a:ext uri="{FF2B5EF4-FFF2-40B4-BE49-F238E27FC236}">
-                <a16:creationId xmlns:a16="http://schemas.microsoft.com/office/drawing/2014/main" id="{0AA5E581-82DA-4C80-95EE-CA868C15F7D5}"/>
-              </a:ext>
-            </a:extLst>
-          </p:cNvPr>
-          <p:cNvPicPr>
-            <a:picLocks noChangeAspect="1"/>
-          </p:cNvPicPr>
-          <p:nvPr/>
-        </p:nvPicPr>
-        <p:blipFill>
-          <a:blip r:embed="rId6"/>
-          <a:stretch>
-            <a:fillRect/>
-          </a:stretch>
-        </p:blipFill>
-        <p:spPr>
-          <a:xfrm>
             <a:off x="6533034" y="3853514"/>
             <a:ext cx="5201766" cy="1986941"/>
           </a:xfrm>
@@ -5716,6 +5070,42 @@
           <a:xfrm>
             <a:off x="609600" y="4005913"/>
             <a:ext cx="4112506" cy="1986942"/>
+          </a:xfrm>
+          <a:prstGeom prst="rect">
+            <a:avLst/>
+          </a:prstGeom>
+        </p:spPr>
+      </p:pic>
+      <p:pic>
+        <p:nvPicPr>
+          <p:cNvPr id="12" name="Imagem 11" descr="Logotipo, nome da empresa&#10;&#10;Descrição gerada automaticamente">
+            <a:extLst>
+              <a:ext uri="{FF2B5EF4-FFF2-40B4-BE49-F238E27FC236}">
+                <a16:creationId xmlns:a16="http://schemas.microsoft.com/office/drawing/2014/main" id="{B7B82D7A-4DDD-4738-8D8E-DCA321EAFCC7}"/>
+              </a:ext>
+            </a:extLst>
+          </p:cNvPr>
+          <p:cNvPicPr>
+            <a:picLocks noChangeAspect="1"/>
+          </p:cNvPicPr>
+          <p:nvPr/>
+        </p:nvPicPr>
+        <p:blipFill>
+          <a:blip r:embed="rId6">
+            <a:extLst>
+              <a:ext uri="{28A0092B-C50C-407E-A947-70E740481C1C}">
+                <a14:useLocalDpi xmlns:a14="http://schemas.microsoft.com/office/drawing/2010/main" val="0"/>
+              </a:ext>
+            </a:extLst>
+          </a:blip>
+          <a:stretch>
+            <a:fillRect/>
+          </a:stretch>
+        </p:blipFill>
+        <p:spPr>
+          <a:xfrm>
+            <a:off x="-425116" y="-784123"/>
+            <a:ext cx="3102365" cy="2554889"/>
           </a:xfrm>
           <a:prstGeom prst="rect">
             <a:avLst/>
@@ -5760,41 +5150,12 @@
           <a:chExt cx="0" cy="0"/>
         </a:xfrm>
       </p:grpSpPr>
-      <p:pic>
-        <p:nvPicPr>
-          <p:cNvPr id="4" name="Imagem 3">
-            <a:extLst>
-              <a:ext uri="{FF2B5EF4-FFF2-40B4-BE49-F238E27FC236}">
-                <a16:creationId xmlns:a16="http://schemas.microsoft.com/office/drawing/2014/main" id="{B209C2C9-A43E-4733-B56F-3F2914D00810}"/>
-              </a:ext>
-            </a:extLst>
-          </p:cNvPr>
-          <p:cNvPicPr>
-            <a:picLocks noChangeAspect="1"/>
-          </p:cNvPicPr>
-          <p:nvPr/>
-        </p:nvPicPr>
-        <p:blipFill rotWithShape="1">
-          <a:blip r:embed="rId2"/>
-          <a:srcRect t="15587" b="9414"/>
-          <a:stretch/>
-        </p:blipFill>
-        <p:spPr>
-          <a:xfrm>
-            <a:off x="-1" y="10"/>
-            <a:ext cx="12192000" cy="6857990"/>
-          </a:xfrm>
-          <a:prstGeom prst="rect">
-            <a:avLst/>
-          </a:prstGeom>
-        </p:spPr>
-      </p:pic>
-      <p:sp>
-        <p:nvSpPr>
-          <p:cNvPr id="9" name="Freeform 5">
-            <a:extLst>
-              <a:ext uri="{FF2B5EF4-FFF2-40B4-BE49-F238E27FC236}">
-                <a16:creationId xmlns:a16="http://schemas.microsoft.com/office/drawing/2014/main" id="{3CD9DF72-87A3-404E-A828-84CBF11A8303}"/>
+      <p:sp>
+        <p:nvSpPr>
+          <p:cNvPr id="16" name="Rectangle 15">
+            <a:extLst>
+              <a:ext uri="{FF2B5EF4-FFF2-40B4-BE49-F238E27FC236}">
+                <a16:creationId xmlns:a16="http://schemas.microsoft.com/office/drawing/2014/main" id="{B05E4F47-B148-49E0-B472-BBF149315524}"/>
               </a:ext>
               <a:ext uri="{C183D7F6-B498-43B3-948B-1728B52AA6E4}">
                 <adec:decorative xmlns:adec="http://schemas.microsoft.com/office/drawing/2017/decorative" val="1"/>
@@ -5812,179 +5173,84 @@
             </p:extLst>
           </p:nvPr>
         </p:nvSpPr>
-        <p:spPr bwMode="grayWhite">
+        <p:spPr>
           <a:xfrm flipH="1">
-            <a:off x="0" y="998175"/>
-            <a:ext cx="6017172" cy="5859825"/>
-          </a:xfrm>
-          <a:custGeom>
+            <a:off x="0" y="0"/>
+            <a:ext cx="6421721" cy="6858000"/>
+          </a:xfrm>
+          <a:prstGeom prst="rect">
             <a:avLst/>
-            <a:gdLst>
-              <a:gd name="T0" fmla="*/ 1333 w 1333"/>
-              <a:gd name="T1" fmla="*/ 1031 h 1298"/>
-              <a:gd name="T2" fmla="*/ 1333 w 1333"/>
-              <a:gd name="T3" fmla="*/ 380 h 1298"/>
-              <a:gd name="T4" fmla="*/ 706 w 1333"/>
-              <a:gd name="T5" fmla="*/ 0 h 1298"/>
-              <a:gd name="T6" fmla="*/ 0 w 1333"/>
-              <a:gd name="T7" fmla="*/ 706 h 1298"/>
-              <a:gd name="T8" fmla="*/ 323 w 1333"/>
-              <a:gd name="T9" fmla="*/ 1298 h 1298"/>
-              <a:gd name="T10" fmla="*/ 1090 w 1333"/>
-              <a:gd name="T11" fmla="*/ 1298 h 1298"/>
-              <a:gd name="T12" fmla="*/ 1333 w 1333"/>
-              <a:gd name="T13" fmla="*/ 1031 h 1298"/>
-            </a:gdLst>
-            <a:ahLst/>
-            <a:cxnLst>
-              <a:cxn ang="0">
-                <a:pos x="T0" y="T1"/>
-              </a:cxn>
-              <a:cxn ang="0">
-                <a:pos x="T2" y="T3"/>
-              </a:cxn>
-              <a:cxn ang="0">
-                <a:pos x="T4" y="T5"/>
-              </a:cxn>
-              <a:cxn ang="0">
-                <a:pos x="T6" y="T7"/>
-              </a:cxn>
-              <a:cxn ang="0">
-                <a:pos x="T8" y="T9"/>
-              </a:cxn>
-              <a:cxn ang="0">
-                <a:pos x="T10" y="T11"/>
-              </a:cxn>
-              <a:cxn ang="0">
-                <a:pos x="T12" y="T13"/>
-              </a:cxn>
-            </a:cxnLst>
-            <a:rect l="0" t="0" r="r" b="b"/>
-            <a:pathLst>
-              <a:path w="1333" h="1298">
-                <a:moveTo>
-                  <a:pt x="1333" y="1031"/>
-                </a:moveTo>
-                <a:cubicBezTo>
-                  <a:pt x="1333" y="380"/>
-                  <a:pt x="1333" y="380"/>
-                  <a:pt x="1333" y="380"/>
-                </a:cubicBezTo>
-                <a:cubicBezTo>
-                  <a:pt x="1215" y="154"/>
-                  <a:pt x="979" y="0"/>
-                  <a:pt x="706" y="0"/>
-                </a:cubicBezTo>
-                <a:cubicBezTo>
-                  <a:pt x="317" y="0"/>
-                  <a:pt x="0" y="316"/>
-                  <a:pt x="0" y="706"/>
-                </a:cubicBezTo>
-                <a:cubicBezTo>
-                  <a:pt x="0" y="954"/>
-                  <a:pt x="129" y="1172"/>
-                  <a:pt x="323" y="1298"/>
-                </a:cubicBezTo>
-                <a:cubicBezTo>
-                  <a:pt x="1090" y="1298"/>
-                  <a:pt x="1090" y="1298"/>
-                  <a:pt x="1090" y="1298"/>
-                </a:cubicBezTo>
-                <a:cubicBezTo>
-                  <a:pt x="1193" y="1232"/>
-                  <a:pt x="1276" y="1140"/>
-                  <a:pt x="1333" y="1031"/>
-                </a:cubicBezTo>
-                <a:close/>
-              </a:path>
-            </a:pathLst>
-          </a:custGeom>
-          <a:solidFill>
-            <a:schemeClr val="bg1">
-              <a:alpha val="75000"/>
+          </a:prstGeom>
+          <a:gradFill>
+            <a:gsLst>
+              <a:gs pos="0">
+                <a:schemeClr val="accent1">
+                  <a:lumMod val="100000"/>
+                  <a:alpha val="82000"/>
+                </a:schemeClr>
+              </a:gs>
+              <a:gs pos="25000">
+                <a:schemeClr val="accent1">
+                  <a:alpha val="60000"/>
+                </a:schemeClr>
+              </a:gs>
+              <a:gs pos="94000">
+                <a:schemeClr val="bg2">
+                  <a:lumMod val="75000"/>
+                </a:schemeClr>
+              </a:gs>
+              <a:gs pos="100000">
+                <a:schemeClr val="bg2">
+                  <a:lumMod val="75000"/>
+                </a:schemeClr>
+              </a:gs>
+            </a:gsLst>
+            <a:lin ang="4200000" scaled="0"/>
+          </a:gradFill>
+          <a:ln>
+            <a:noFill/>
+          </a:ln>
+        </p:spPr>
+        <p:style>
+          <a:lnRef idx="2">
+            <a:schemeClr val="accent1">
+              <a:shade val="50000"/>
             </a:schemeClr>
-          </a:solidFill>
-          <a:ln w="50800" cap="sq" cmpd="dbl">
-            <a:noFill/>
-            <a:miter lim="800000"/>
-          </a:ln>
-          <a:effectLst/>
-        </p:spPr>
-        <p:txBody>
-          <a:bodyPr vert="horz" lIns="91440" tIns="45720" rIns="91440" bIns="45720" rtlCol="0" anchor="t">
-            <a:normAutofit/>
-          </a:bodyPr>
+          </a:lnRef>
+          <a:fillRef idx="1">
+            <a:schemeClr val="accent1"/>
+          </a:fillRef>
+          <a:effectRef idx="0">
+            <a:schemeClr val="accent1"/>
+          </a:effectRef>
+          <a:fontRef idx="minor">
+            <a:schemeClr val="lt1"/>
+          </a:fontRef>
+        </p:style>
+        <p:txBody>
+          <a:bodyPr rtlCol="0" anchor="ctr"/>
           <a:lstStyle/>
           <a:p>
-            <a:pPr algn="ctr">
-              <a:spcAft>
-                <a:spcPts val="1000"/>
-              </a:spcAft>
-              <a:buClr>
-                <a:schemeClr val="tx1"/>
-              </a:buClr>
-              <a:buSzPct val="100000"/>
-              <a:buFont typeface="Arial"/>
-              <a:buNone/>
-            </a:pPr>
-            <a:endParaRPr lang="en-US" sz="1600" cap="all"/>
-          </a:p>
-        </p:txBody>
-      </p:sp>
-      <p:sp>
-        <p:nvSpPr>
-          <p:cNvPr id="2" name="Título 1">
-            <a:extLst>
-              <a:ext uri="{FF2B5EF4-FFF2-40B4-BE49-F238E27FC236}">
-                <a16:creationId xmlns:a16="http://schemas.microsoft.com/office/drawing/2014/main" id="{79D73150-65D3-4741-828B-B40CC69E5FD8}"/>
-              </a:ext>
-            </a:extLst>
-          </p:cNvPr>
-          <p:cNvSpPr>
-            <a:spLocks noGrp="1"/>
-          </p:cNvSpPr>
-          <p:nvPr>
-            <p:ph type="title"/>
-          </p:nvPr>
-        </p:nvSpPr>
-        <p:spPr>
-          <a:xfrm>
-            <a:off x="709448" y="1913950"/>
-            <a:ext cx="4204137" cy="1342754"/>
-          </a:xfrm>
-        </p:spPr>
-        <p:txBody>
-          <a:bodyPr>
-            <a:normAutofit/>
-          </a:bodyPr>
-          <a:lstStyle/>
-          <a:p>
             <a:pPr algn="ctr"/>
-            <a:r>
-              <a:rPr lang="pt-BR" sz="3700" dirty="0">
-                <a:latin typeface="Arial" panose="020B0604020202020204" pitchFamily="34" charset="0"/>
-                <a:cs typeface="Arial" panose="020B0604020202020204" pitchFamily="34" charset="0"/>
-              </a:rPr>
-              <a:t>Custos</a:t>
-            </a:r>
-          </a:p>
-        </p:txBody>
-      </p:sp>
-      <p:cxnSp>
-        <p:nvCxnSpPr>
-          <p:cNvPr id="11" name="Straight Connector 10">
-            <a:extLst>
-              <a:ext uri="{FF2B5EF4-FFF2-40B4-BE49-F238E27FC236}">
-                <a16:creationId xmlns:a16="http://schemas.microsoft.com/office/drawing/2014/main" id="{20E3A342-4D61-4E3F-AF90-1AB42AEB96CC}"/>
+            <a:endParaRPr lang="en-US"/>
+          </a:p>
+        </p:txBody>
+      </p:sp>
+      <p:pic>
+        <p:nvPicPr>
+          <p:cNvPr id="18" name="Picture 17">
+            <a:extLst>
+              <a:ext uri="{FF2B5EF4-FFF2-40B4-BE49-F238E27FC236}">
+                <a16:creationId xmlns:a16="http://schemas.microsoft.com/office/drawing/2014/main" id="{7A2CE8EB-F719-4F84-9E91-F538438CAC76}"/>
               </a:ext>
               <a:ext uri="{C183D7F6-B498-43B3-948B-1728B52AA6E4}">
                 <adec:decorative xmlns:adec="http://schemas.microsoft.com/office/drawing/2017/decorative" val="1"/>
               </a:ext>
             </a:extLst>
           </p:cNvPr>
-          <p:cNvCxnSpPr>
-            <a:cxnSpLocks noGrp="1" noRot="1" noChangeAspect="1" noMove="1" noResize="1" noEditPoints="1" noAdjustHandles="1" noChangeArrowheads="1" noChangeShapeType="1"/>
-          </p:cNvCxnSpPr>
+          <p:cNvPicPr>
+            <a:picLocks noGrp="1" noRot="1" noChangeAspect="1" noMove="1" noResize="1" noEditPoints="1" noAdjustHandles="1" noChangeArrowheads="1" noChangeShapeType="1" noCrop="1"/>
+          </p:cNvPicPr>
           <p:nvPr>
             <p:extLst>
               <p:ext uri="{386F3935-93C4-4BCD-93E2-E3B085C9AB24}">
@@ -5992,46 +5258,275 @@
               </p:ext>
             </p:extLst>
           </p:nvPr>
-        </p:nvCxnSpPr>
-        <p:spPr>
-          <a:xfrm>
-            <a:off x="2287051" y="3337139"/>
-            <a:ext cx="935420" cy="0"/>
-          </a:xfrm>
-          <a:prstGeom prst="line">
+        </p:nvPicPr>
+        <p:blipFill>
+          <a:blip r:embed="rId2">
+            <a:extLst>
+              <a:ext uri="{28A0092B-C50C-407E-A947-70E740481C1C}">
+                <a14:useLocalDpi xmlns:a14="http://schemas.microsoft.com/office/drawing/2010/main" val="0"/>
+              </a:ext>
+            </a:extLst>
+          </a:blip>
+          <a:stretch>
+            <a:fillRect/>
+          </a:stretch>
+        </p:blipFill>
+        <p:spPr>
+          <a:xfrm>
+            <a:off x="0" y="0"/>
+            <a:ext cx="12192000" cy="6858000"/>
+          </a:xfrm>
+          <a:prstGeom prst="rect">
             <a:avLst/>
           </a:prstGeom>
-          <a:ln w="25400" cap="sq">
-            <a:solidFill>
-              <a:schemeClr val="tx1">
-                <a:lumMod val="85000"/>
-                <a:lumOff val="15000"/>
-              </a:schemeClr>
-            </a:solidFill>
-            <a:bevel/>
+        </p:spPr>
+      </p:pic>
+      <p:sp>
+        <p:nvSpPr>
+          <p:cNvPr id="2" name="Título 1">
+            <a:extLst>
+              <a:ext uri="{FF2B5EF4-FFF2-40B4-BE49-F238E27FC236}">
+                <a16:creationId xmlns:a16="http://schemas.microsoft.com/office/drawing/2014/main" id="{79D73150-65D3-4741-828B-B40CC69E5FD8}"/>
+              </a:ext>
+            </a:extLst>
+          </p:cNvPr>
+          <p:cNvSpPr>
+            <a:spLocks noGrp="1"/>
+          </p:cNvSpPr>
+          <p:nvPr>
+            <p:ph type="title"/>
+          </p:nvPr>
+        </p:nvSpPr>
+        <p:spPr>
+          <a:xfrm>
+            <a:off x="6617740" y="802955"/>
+            <a:ext cx="4766330" cy="1454051"/>
+          </a:xfrm>
+        </p:spPr>
+        <p:txBody>
+          <a:bodyPr vert="horz" lIns="91440" tIns="45720" rIns="91440" bIns="45720" rtlCol="0" anchor="ctr">
+            <a:normAutofit/>
+          </a:bodyPr>
+          <a:lstStyle/>
+          <a:p>
+            <a:r>
+              <a:rPr lang="en-US" sz="3600" kern="1200">
+                <a:solidFill>
+                  <a:srgbClr val="000000"/>
+                </a:solidFill>
+                <a:latin typeface="+mj-lt"/>
+                <a:ea typeface="+mj-ea"/>
+                <a:cs typeface="+mj-cs"/>
+              </a:rPr>
+              <a:t>Custos</a:t>
+            </a:r>
+          </a:p>
+        </p:txBody>
+      </p:sp>
+      <p:sp>
+        <p:nvSpPr>
+          <p:cNvPr id="20" name="Freeform 50">
+            <a:extLst>
+              <a:ext uri="{FF2B5EF4-FFF2-40B4-BE49-F238E27FC236}">
+                <a16:creationId xmlns:a16="http://schemas.microsoft.com/office/drawing/2014/main" id="{684BF3E1-C321-4F38-85CF-FEBBEEC15E2D}"/>
+              </a:ext>
+              <a:ext uri="{C183D7F6-B498-43B3-948B-1728B52AA6E4}">
+                <adec:decorative xmlns:adec="http://schemas.microsoft.com/office/drawing/2017/decorative" val="1"/>
+              </a:ext>
+            </a:extLst>
+          </p:cNvPr>
+          <p:cNvSpPr>
+            <a:spLocks noGrp="1" noRot="1" noChangeAspect="1" noMove="1" noResize="1" noEditPoints="1" noAdjustHandles="1" noChangeArrowheads="1" noChangeShapeType="1" noTextEdit="1"/>
+          </p:cNvSpPr>
+          <p:nvPr>
+            <p:extLst>
+              <p:ext uri="{386F3935-93C4-4BCD-93E2-E3B085C9AB24}">
+                <p16:designElem xmlns:p16="http://schemas.microsoft.com/office/powerpoint/2015/main" val="1"/>
+              </p:ext>
+            </p:extLst>
+          </p:nvPr>
+        </p:nvSpPr>
+        <p:spPr>
+          <a:xfrm flipH="1">
+            <a:off x="0" y="581159"/>
+            <a:ext cx="5464879" cy="6276841"/>
+          </a:xfrm>
+          <a:custGeom>
+            <a:avLst/>
+            <a:gdLst>
+              <a:gd name="connsiteX0" fmla="*/ 3299930 w 5464879"/>
+              <a:gd name="connsiteY0" fmla="*/ 0 h 6276841"/>
+              <a:gd name="connsiteX1" fmla="*/ 5398992 w 5464879"/>
+              <a:gd name="connsiteY1" fmla="*/ 753544 h 6276841"/>
+              <a:gd name="connsiteX2" fmla="*/ 5464879 w 5464879"/>
+              <a:gd name="connsiteY2" fmla="*/ 813426 h 6276841"/>
+              <a:gd name="connsiteX3" fmla="*/ 5464879 w 5464879"/>
+              <a:gd name="connsiteY3" fmla="*/ 5786434 h 6276841"/>
+              <a:gd name="connsiteX4" fmla="*/ 5398992 w 5464879"/>
+              <a:gd name="connsiteY4" fmla="*/ 5846317 h 6276841"/>
+              <a:gd name="connsiteX5" fmla="*/ 4872873 w 5464879"/>
+              <a:gd name="connsiteY5" fmla="*/ 6201577 h 6276841"/>
+              <a:gd name="connsiteX6" fmla="*/ 4716632 w 5464879"/>
+              <a:gd name="connsiteY6" fmla="*/ 6276841 h 6276841"/>
+              <a:gd name="connsiteX7" fmla="*/ 1883227 w 5464879"/>
+              <a:gd name="connsiteY7" fmla="*/ 6276841 h 6276841"/>
+              <a:gd name="connsiteX8" fmla="*/ 1726987 w 5464879"/>
+              <a:gd name="connsiteY8" fmla="*/ 6201577 h 6276841"/>
+              <a:gd name="connsiteX9" fmla="*/ 0 w 5464879"/>
+              <a:gd name="connsiteY9" fmla="*/ 3299930 h 6276841"/>
+              <a:gd name="connsiteX10" fmla="*/ 3299930 w 5464879"/>
+              <a:gd name="connsiteY10" fmla="*/ 0 h 6276841"/>
+            </a:gdLst>
+            <a:ahLst/>
+            <a:cxnLst>
+              <a:cxn ang="0">
+                <a:pos x="connsiteX0" y="connsiteY0"/>
+              </a:cxn>
+              <a:cxn ang="0">
+                <a:pos x="connsiteX1" y="connsiteY1"/>
+              </a:cxn>
+              <a:cxn ang="0">
+                <a:pos x="connsiteX2" y="connsiteY2"/>
+              </a:cxn>
+              <a:cxn ang="0">
+                <a:pos x="connsiteX3" y="connsiteY3"/>
+              </a:cxn>
+              <a:cxn ang="0">
+                <a:pos x="connsiteX4" y="connsiteY4"/>
+              </a:cxn>
+              <a:cxn ang="0">
+                <a:pos x="connsiteX5" y="connsiteY5"/>
+              </a:cxn>
+              <a:cxn ang="0">
+                <a:pos x="connsiteX6" y="connsiteY6"/>
+              </a:cxn>
+              <a:cxn ang="0">
+                <a:pos x="connsiteX7" y="connsiteY7"/>
+              </a:cxn>
+              <a:cxn ang="0">
+                <a:pos x="connsiteX8" y="connsiteY8"/>
+              </a:cxn>
+              <a:cxn ang="0">
+                <a:pos x="connsiteX9" y="connsiteY9"/>
+              </a:cxn>
+              <a:cxn ang="0">
+                <a:pos x="connsiteX10" y="connsiteY10"/>
+              </a:cxn>
+            </a:cxnLst>
+            <a:rect l="l" t="t" r="r" b="b"/>
+            <a:pathLst>
+              <a:path w="5464879" h="6276841">
+                <a:moveTo>
+                  <a:pt x="3299930" y="0"/>
+                </a:moveTo>
+                <a:cubicBezTo>
+                  <a:pt x="4097274" y="0"/>
+                  <a:pt x="4828569" y="282789"/>
+                  <a:pt x="5398992" y="753544"/>
+                </a:cubicBezTo>
+                <a:lnTo>
+                  <a:pt x="5464879" y="813426"/>
+                </a:lnTo>
+                <a:lnTo>
+                  <a:pt x="5464879" y="5786434"/>
+                </a:lnTo>
+                <a:lnTo>
+                  <a:pt x="5398992" y="5846317"/>
+                </a:lnTo>
+                <a:cubicBezTo>
+                  <a:pt x="5236014" y="5980818"/>
+                  <a:pt x="5059904" y="6099975"/>
+                  <a:pt x="4872873" y="6201577"/>
+                </a:cubicBezTo>
+                <a:lnTo>
+                  <a:pt x="4716632" y="6276841"/>
+                </a:lnTo>
+                <a:lnTo>
+                  <a:pt x="1883227" y="6276841"/>
+                </a:lnTo>
+                <a:lnTo>
+                  <a:pt x="1726987" y="6201577"/>
+                </a:lnTo>
+                <a:cubicBezTo>
+                  <a:pt x="698316" y="5642769"/>
+                  <a:pt x="0" y="4552900"/>
+                  <a:pt x="0" y="3299930"/>
+                </a:cubicBezTo>
+                <a:cubicBezTo>
+                  <a:pt x="0" y="1477429"/>
+                  <a:pt x="1477429" y="0"/>
+                  <a:pt x="3299930" y="0"/>
+                </a:cubicBezTo>
+                <a:close/>
+              </a:path>
+            </a:pathLst>
+          </a:custGeom>
+          <a:solidFill>
+            <a:srgbClr val="FFFFFF"/>
+          </a:solidFill>
+          <a:ln>
+            <a:gradFill>
+              <a:gsLst>
+                <a:gs pos="0">
+                  <a:schemeClr val="accent1">
+                    <a:lumMod val="40000"/>
+                    <a:lumOff val="60000"/>
+                  </a:schemeClr>
+                </a:gs>
+                <a:gs pos="23000">
+                  <a:schemeClr val="accent1">
+                    <a:lumMod val="45000"/>
+                    <a:lumOff val="55000"/>
+                  </a:schemeClr>
+                </a:gs>
+                <a:gs pos="83000">
+                  <a:schemeClr val="bg2">
+                    <a:lumMod val="75000"/>
+                  </a:schemeClr>
+                </a:gs>
+                <a:gs pos="100000">
+                  <a:schemeClr val="bg2">
+                    <a:lumMod val="75000"/>
+                  </a:schemeClr>
+                </a:gs>
+              </a:gsLst>
+              <a:lin ang="5400000" scaled="1"/>
+            </a:gradFill>
           </a:ln>
         </p:spPr>
         <p:style>
-          <a:lnRef idx="1">
-            <a:schemeClr val="accent1"/>
+          <a:lnRef idx="2">
+            <a:schemeClr val="accent1">
+              <a:shade val="50000"/>
+            </a:schemeClr>
           </a:lnRef>
-          <a:fillRef idx="0">
+          <a:fillRef idx="1">
             <a:schemeClr val="accent1"/>
           </a:fillRef>
           <a:effectRef idx="0">
             <a:schemeClr val="accent1"/>
           </a:effectRef>
           <a:fontRef idx="minor">
-            <a:schemeClr val="tx1"/>
+            <a:schemeClr val="lt1"/>
           </a:fontRef>
         </p:style>
-      </p:cxnSp>
+        <p:txBody>
+          <a:bodyPr wrap="square" rtlCol="0" anchor="ctr">
+            <a:noAutofit/>
+          </a:bodyPr>
+          <a:lstStyle/>
+          <a:p>
+            <a:pPr algn="ctr"/>
+            <a:endParaRPr lang="en-US"/>
+          </a:p>
+        </p:txBody>
+      </p:sp>
       <p:pic>
         <p:nvPicPr>
-          <p:cNvPr id="8" name="Imagem 7">
-            <a:extLst>
-              <a:ext uri="{FF2B5EF4-FFF2-40B4-BE49-F238E27FC236}">
-                <a16:creationId xmlns:a16="http://schemas.microsoft.com/office/drawing/2014/main" id="{CF005EC4-8AA8-40E3-8432-45BD49F7C7F1}"/>
+          <p:cNvPr id="3" name="Imagem 2" descr="Logotipo, nome da empresa&#10;&#10;Descrição gerada automaticamente">
+            <a:extLst>
+              <a:ext uri="{FF2B5EF4-FFF2-40B4-BE49-F238E27FC236}">
+                <a16:creationId xmlns:a16="http://schemas.microsoft.com/office/drawing/2014/main" id="{21826CF8-BCD7-4663-9B82-5EDDE9F225F4}"/>
               </a:ext>
             </a:extLst>
           </p:cNvPr>
@@ -6041,15 +5536,21 @@
           <p:nvPr/>
         </p:nvPicPr>
         <p:blipFill>
-          <a:blip r:embed="rId3"/>
+          <a:blip r:embed="rId3">
+            <a:extLst>
+              <a:ext uri="{28A0092B-C50C-407E-A947-70E740481C1C}">
+                <a14:useLocalDpi xmlns:a14="http://schemas.microsoft.com/office/drawing/2010/main" val="0"/>
+              </a:ext>
+            </a:extLst>
+          </a:blip>
           <a:stretch>
             <a:fillRect/>
           </a:stretch>
         </p:blipFill>
         <p:spPr>
           <a:xfrm>
-            <a:off x="53894" y="35169"/>
-            <a:ext cx="1035488" cy="1035488"/>
+            <a:off x="-354003" y="1530672"/>
+            <a:ext cx="5322570" cy="4377813"/>
           </a:xfrm>
           <a:prstGeom prst="rect">
             <a:avLst/>
@@ -6070,22 +5571,34 @@
         </p:nvSpPr>
         <p:spPr>
           <a:xfrm>
-            <a:off x="136328" y="3928087"/>
-            <a:ext cx="5880844" cy="1015663"/>
+            <a:off x="6621072" y="2421683"/>
+            <a:ext cx="4765949" cy="3353476"/>
           </a:xfrm>
           <a:prstGeom prst="rect">
             <a:avLst/>
           </a:prstGeom>
-          <a:noFill/>
-        </p:spPr>
-        <p:txBody>
-          <a:bodyPr wrap="square" rtlCol="0">
-            <a:spAutoFit/>
+        </p:spPr>
+        <p:txBody>
+          <a:bodyPr vert="horz" lIns="91440" tIns="45720" rIns="91440" bIns="45720" rtlCol="0" anchor="t">
+            <a:normAutofit/>
           </a:bodyPr>
           <a:lstStyle/>
           <a:p>
-            <a:r>
-              <a:rPr lang="pt-BR" sz="2000" dirty="0">
+            <a:pPr indent="-228600">
+              <a:lnSpc>
+                <a:spcPct val="90000"/>
+              </a:lnSpc>
+              <a:spcAft>
+                <a:spcPts val="600"/>
+              </a:spcAft>
+              <a:buFont typeface="Arial" panose="020B0604020202020204" pitchFamily="34" charset="0"/>
+              <a:buChar char="•"/>
+            </a:pPr>
+            <a:r>
+              <a:rPr lang="en-US">
+                <a:solidFill>
+                  <a:srgbClr val="000000"/>
+                </a:solidFill>
                 <a:effectLst>
                   <a:outerShdw blurRad="38100" dist="38100" dir="2700000" algn="tl">
                     <a:srgbClr val="000000">
@@ -6093,8 +5606,6 @@
                     </a:srgbClr>
                   </a:outerShdw>
                 </a:effectLst>
-                <a:latin typeface="Arial" panose="020B0604020202020204" pitchFamily="34" charset="0"/>
-                <a:cs typeface="Arial" panose="020B0604020202020204" pitchFamily="34" charset="0"/>
               </a:rPr>
               <a:t>Não ter um prejuízo de estimados R$38 milhões mensais por vazamentos e somente ter um custo de estimados R$ 9 milhões por ano é:</a:t>
             </a:r>
@@ -6141,10 +5652,10 @@
       </p:grpSpPr>
       <p:sp useBgFill="1">
         <p:nvSpPr>
-          <p:cNvPr id="9" name="Rectangle 8">
-            <a:extLst>
-              <a:ext uri="{FF2B5EF4-FFF2-40B4-BE49-F238E27FC236}">
-                <a16:creationId xmlns:a16="http://schemas.microsoft.com/office/drawing/2014/main" id="{3B854194-185D-494D-905C-7C7CB2E30F6E}"/>
+          <p:cNvPr id="27" name="Rectangle 26">
+            <a:extLst>
+              <a:ext uri="{FF2B5EF4-FFF2-40B4-BE49-F238E27FC236}">
+                <a16:creationId xmlns:a16="http://schemas.microsoft.com/office/drawing/2014/main" id="{1ECAB1E8-8195-4748-BE71-FF806D86892E}"/>
               </a:ext>
               <a:ext uri="{C183D7F6-B498-43B3-948B-1728B52AA6E4}">
                 <adec:decorative xmlns:adec="http://schemas.microsoft.com/office/drawing/2017/decorative" val="1"/>
@@ -6164,8 +5675,8 @@
         </p:nvSpPr>
         <p:spPr>
           <a:xfrm>
-            <a:off x="1" y="0"/>
-            <a:ext cx="6082110" cy="6858000"/>
+            <a:off x="0" y="0"/>
+            <a:ext cx="12192000" cy="6858000"/>
           </a:xfrm>
           <a:prstGeom prst="rect">
             <a:avLst/>
@@ -6199,12 +5710,12 @@
           </a:p>
         </p:txBody>
       </p:sp>
-      <p:sp>
-        <p:nvSpPr>
-          <p:cNvPr id="11" name="Rectangle 10">
-            <a:extLst>
-              <a:ext uri="{FF2B5EF4-FFF2-40B4-BE49-F238E27FC236}">
-                <a16:creationId xmlns:a16="http://schemas.microsoft.com/office/drawing/2014/main" id="{B4F5FA0D-0104-4987-8241-EFF7C85B88DE}"/>
+      <p:sp useBgFill="1">
+        <p:nvSpPr>
+          <p:cNvPr id="29" name="Rectangle 28">
+            <a:extLst>
+              <a:ext uri="{FF2B5EF4-FFF2-40B4-BE49-F238E27FC236}">
+                <a16:creationId xmlns:a16="http://schemas.microsoft.com/office/drawing/2014/main" id="{57F6BDD4-E066-4008-8011-6CC31AEB4556}"/>
               </a:ext>
               <a:ext uri="{C183D7F6-B498-43B3-948B-1728B52AA6E4}">
                 <adec:decorative xmlns:adec="http://schemas.microsoft.com/office/drawing/2017/decorative" val="1"/>
@@ -6224,40 +5735,25 @@
         </p:nvSpPr>
         <p:spPr>
           <a:xfrm>
-            <a:off x="1" y="0"/>
-            <a:ext cx="12191998" cy="6858000"/>
+            <a:off x="409575" y="633619"/>
+            <a:ext cx="4279383" cy="5495925"/>
           </a:xfrm>
           <a:prstGeom prst="rect">
             <a:avLst/>
           </a:prstGeom>
-          <a:gradFill>
-            <a:gsLst>
-              <a:gs pos="0">
-                <a:schemeClr val="accent1">
-                  <a:lumMod val="90000"/>
-                </a:schemeClr>
-              </a:gs>
-              <a:gs pos="25000">
-                <a:schemeClr val="accent1">
-                  <a:lumMod val="90000"/>
-                </a:schemeClr>
-              </a:gs>
-              <a:gs pos="94000">
-                <a:schemeClr val="bg2">
-                  <a:lumMod val="25000"/>
-                </a:schemeClr>
-              </a:gs>
-              <a:gs pos="100000">
-                <a:schemeClr val="bg2">
-                  <a:lumMod val="25000"/>
-                </a:schemeClr>
-              </a:gs>
-            </a:gsLst>
-            <a:lin ang="4200000" scaled="0"/>
-          </a:gradFill>
-          <a:ln>
-            <a:noFill/>
+          <a:ln w="9525">
+            <a:solidFill>
+              <a:srgbClr val="E1E1E1"/>
+            </a:solidFill>
           </a:ln>
+          <a:effectLst>
+            <a:outerShdw blurRad="50800" dist="38100" dir="2700000" algn="tl" rotWithShape="0">
+              <a:schemeClr val="bg1">
+                <a:lumMod val="85000"/>
+                <a:alpha val="50000"/>
+              </a:schemeClr>
+            </a:outerShdw>
+          </a:effectLst>
         </p:spPr>
         <p:style>
           <a:lnRef idx="2">
@@ -6279,26 +5775,93 @@
           <a:bodyPr rtlCol="0" anchor="ctr"/>
           <a:lstStyle/>
           <a:p>
-            <a:pPr algn="ctr"/>
-            <a:endParaRPr lang="en-US"/>
-          </a:p>
-        </p:txBody>
-      </p:sp>
-      <p:pic>
-        <p:nvPicPr>
-          <p:cNvPr id="13" name="Picture 12">
-            <a:extLst>
-              <a:ext uri="{FF2B5EF4-FFF2-40B4-BE49-F238E27FC236}">
-                <a16:creationId xmlns:a16="http://schemas.microsoft.com/office/drawing/2014/main" id="{2897127E-6CEF-446C-BE87-93B7C46E49D1}"/>
+            <a:pPr marL="0" marR="0" lvl="0" indent="0" algn="ctr" defTabSz="914400" rtl="0" eaLnBrk="1" fontAlgn="auto" latinLnBrk="0" hangingPunct="1">
+              <a:lnSpc>
+                <a:spcPct val="100000"/>
+              </a:lnSpc>
+              <a:spcBef>
+                <a:spcPts val="0"/>
+              </a:spcBef>
+              <a:spcAft>
+                <a:spcPts val="0"/>
+              </a:spcAft>
+              <a:buClrTx/>
+              <a:buSzTx/>
+              <a:buFontTx/>
+              <a:buNone/>
+              <a:tabLst/>
+              <a:defRPr/>
+            </a:pPr>
+            <a:endParaRPr kumimoji="0" lang="en-US" sz="1800" b="0" i="0" u="none" strike="noStrike" kern="1200" cap="none" spc="0" normalizeH="0" baseline="0" noProof="0">
+              <a:ln>
+                <a:noFill/>
+              </a:ln>
+              <a:solidFill>
+                <a:prstClr val="white"/>
+              </a:solidFill>
+              <a:effectLst/>
+              <a:uLnTx/>
+              <a:uFillTx/>
+              <a:latin typeface="Calibri" panose="020F0502020204030204"/>
+              <a:ea typeface="+mn-ea"/>
+              <a:cs typeface="+mn-cs"/>
+            </a:endParaRPr>
+          </a:p>
+        </p:txBody>
+      </p:sp>
+      <p:sp>
+        <p:nvSpPr>
+          <p:cNvPr id="2" name="Título 1">
+            <a:extLst>
+              <a:ext uri="{FF2B5EF4-FFF2-40B4-BE49-F238E27FC236}">
+                <a16:creationId xmlns:a16="http://schemas.microsoft.com/office/drawing/2014/main" id="{256D159D-F40E-49A0-9109-60513704A390}"/>
+              </a:ext>
+            </a:extLst>
+          </p:cNvPr>
+          <p:cNvSpPr>
+            <a:spLocks noGrp="1"/>
+          </p:cNvSpPr>
+          <p:nvPr>
+            <p:ph type="title"/>
+          </p:nvPr>
+        </p:nvSpPr>
+        <p:spPr>
+          <a:xfrm>
+            <a:off x="841247" y="978619"/>
+            <a:ext cx="3410712" cy="1106424"/>
+          </a:xfrm>
+        </p:spPr>
+        <p:txBody>
+          <a:bodyPr>
+            <a:normAutofit/>
+          </a:bodyPr>
+          <a:lstStyle/>
+          <a:p>
+            <a:r>
+              <a:rPr lang="pt-BR" sz="2400" b="1">
+                <a:latin typeface="Arial" panose="020B0604020202020204" pitchFamily="34" charset="0"/>
+                <a:cs typeface="Arial" panose="020B0604020202020204" pitchFamily="34" charset="0"/>
+              </a:rPr>
+              <a:t>A Sustabil agradece pela atenção de todos</a:t>
+            </a:r>
+          </a:p>
+        </p:txBody>
+      </p:sp>
+      <p:sp>
+        <p:nvSpPr>
+          <p:cNvPr id="31" name="Rectangle 30">
+            <a:extLst>
+              <a:ext uri="{FF2B5EF4-FFF2-40B4-BE49-F238E27FC236}">
+                <a16:creationId xmlns:a16="http://schemas.microsoft.com/office/drawing/2014/main" id="{2711A8FB-68FC-45FC-B01E-38F809E2D439}"/>
               </a:ext>
               <a:ext uri="{C183D7F6-B498-43B3-948B-1728B52AA6E4}">
                 <adec:decorative xmlns:adec="http://schemas.microsoft.com/office/drawing/2017/decorative" val="1"/>
               </a:ext>
             </a:extLst>
           </p:cNvPr>
-          <p:cNvPicPr>
-            <a:picLocks noGrp="1" noRot="1" noChangeAspect="1" noMove="1" noResize="1" noEditPoints="1" noAdjustHandles="1" noChangeArrowheads="1" noChangeShapeType="1" noCrop="1"/>
-          </p:cNvPicPr>
+          <p:cNvSpPr>
+            <a:spLocks noGrp="1" noRot="1" noChangeAspect="1" noMove="1" noResize="1" noEditPoints="1" noAdjustHandles="1" noChangeArrowheads="1" noChangeShapeType="1" noTextEdit="1"/>
+          </p:cNvSpPr>
           <p:nvPr>
             <p:extLst>
               <p:ext uri="{386F3935-93C4-4BCD-93E2-E3B085C9AB24}">
@@ -6306,87 +5869,142 @@
               </p:ext>
             </p:extLst>
           </p:nvPr>
-        </p:nvPicPr>
-        <p:blipFill>
-          <a:blip r:embed="rId2">
-            <a:extLst>
-              <a:ext uri="{28A0092B-C50C-407E-A947-70E740481C1C}">
-                <a14:useLocalDpi xmlns:a14="http://schemas.microsoft.com/office/drawing/2010/main" val="0"/>
-              </a:ext>
-            </a:extLst>
-          </a:blip>
-          <a:stretch>
-            <a:fillRect/>
-          </a:stretch>
-        </p:blipFill>
-        <p:spPr>
-          <a:xfrm>
-            <a:off x="0" y="0"/>
-            <a:ext cx="12192000" cy="6858000"/>
+        </p:nvSpPr>
+        <p:spPr>
+          <a:xfrm>
+            <a:off x="345567" y="1170432"/>
+            <a:ext cx="128016" cy="704088"/>
           </a:xfrm>
           <a:prstGeom prst="rect">
             <a:avLst/>
           </a:prstGeom>
-        </p:spPr>
-      </p:pic>
-      <p:sp>
-        <p:nvSpPr>
-          <p:cNvPr id="2" name="Título 1">
-            <a:extLst>
-              <a:ext uri="{FF2B5EF4-FFF2-40B4-BE49-F238E27FC236}">
-                <a16:creationId xmlns:a16="http://schemas.microsoft.com/office/drawing/2014/main" id="{256D159D-F40E-49A0-9109-60513704A390}"/>
+          <a:solidFill>
+            <a:schemeClr val="accent2"/>
+          </a:solidFill>
+          <a:ln>
+            <a:noFill/>
+          </a:ln>
+        </p:spPr>
+        <p:style>
+          <a:lnRef idx="2">
+            <a:schemeClr val="accent1">
+              <a:shade val="50000"/>
+            </a:schemeClr>
+          </a:lnRef>
+          <a:fillRef idx="1">
+            <a:schemeClr val="accent1"/>
+          </a:fillRef>
+          <a:effectRef idx="0">
+            <a:schemeClr val="accent1"/>
+          </a:effectRef>
+          <a:fontRef idx="minor">
+            <a:schemeClr val="lt1"/>
+          </a:fontRef>
+        </p:style>
+        <p:txBody>
+          <a:bodyPr rtlCol="0" anchor="ctr"/>
+          <a:lstStyle/>
+          <a:p>
+            <a:pPr algn="ctr"/>
+            <a:endParaRPr lang="en-US">
+              <a:solidFill>
+                <a:prstClr val="white"/>
+              </a:solidFill>
+              <a:latin typeface="Calibri" panose="020F0502020204030204"/>
+            </a:endParaRPr>
+          </a:p>
+        </p:txBody>
+      </p:sp>
+      <p:sp>
+        <p:nvSpPr>
+          <p:cNvPr id="33" name="Rectangle 32">
+            <a:extLst>
+              <a:ext uri="{FF2B5EF4-FFF2-40B4-BE49-F238E27FC236}">
+                <a16:creationId xmlns:a16="http://schemas.microsoft.com/office/drawing/2014/main" id="{2A865FE3-5FC9-4049-87CF-30019C46C0F5}"/>
+              </a:ext>
+              <a:ext uri="{C183D7F6-B498-43B3-948B-1728B52AA6E4}">
+                <adec:decorative xmlns:adec="http://schemas.microsoft.com/office/drawing/2017/decorative" val="1"/>
               </a:ext>
             </a:extLst>
           </p:cNvPr>
           <p:cNvSpPr>
-            <a:spLocks noGrp="1"/>
+            <a:spLocks noGrp="1" noRot="1" noChangeAspect="1" noMove="1" noResize="1" noEditPoints="1" noAdjustHandles="1" noChangeArrowheads="1" noChangeShapeType="1" noTextEdit="1"/>
           </p:cNvSpPr>
           <p:nvPr>
-            <p:ph type="title"/>
+            <p:extLst>
+              <p:ext uri="{386F3935-93C4-4BCD-93E2-E3B085C9AB24}">
+                <p16:designElem xmlns:p16="http://schemas.microsoft.com/office/powerpoint/2015/main" val="1"/>
+              </p:ext>
+            </p:extLst>
           </p:nvPr>
         </p:nvSpPr>
         <p:spPr>
           <a:xfrm>
-            <a:off x="640079" y="2053641"/>
-            <a:ext cx="3669161" cy="2760098"/>
-          </a:xfrm>
-        </p:spPr>
-        <p:txBody>
-          <a:bodyPr>
-            <a:normAutofit/>
-          </a:bodyPr>
+            <a:off x="877459" y="2121408"/>
+            <a:ext cx="3328416" cy="9144"/>
+          </a:xfrm>
+          <a:prstGeom prst="rect">
+            <a:avLst/>
+          </a:prstGeom>
+          <a:solidFill>
+            <a:srgbClr val="D5D5D5"/>
+          </a:solidFill>
+          <a:ln w="3175">
+            <a:noFill/>
+          </a:ln>
+          <a:effectLst/>
+        </p:spPr>
+        <p:style>
+          <a:lnRef idx="2">
+            <a:schemeClr val="accent1">
+              <a:shade val="50000"/>
+            </a:schemeClr>
+          </a:lnRef>
+          <a:fillRef idx="1">
+            <a:schemeClr val="accent1"/>
+          </a:fillRef>
+          <a:effectRef idx="0">
+            <a:schemeClr val="accent1"/>
+          </a:effectRef>
+          <a:fontRef idx="minor">
+            <a:schemeClr val="lt1"/>
+          </a:fontRef>
+        </p:style>
+        <p:txBody>
+          <a:bodyPr rtlCol="0" anchor="ctr"/>
           <a:lstStyle/>
           <a:p>
-            <a:r>
-              <a:rPr lang="pt-BR" b="1" dirty="0">
-                <a:solidFill>
-                  <a:srgbClr val="FFFFFF"/>
-                </a:solidFill>
-                <a:latin typeface="Arial" panose="020B0604020202020204" pitchFamily="34" charset="0"/>
-                <a:cs typeface="Arial" panose="020B0604020202020204" pitchFamily="34" charset="0"/>
-              </a:rPr>
-              <a:t>A </a:t>
-            </a:r>
-            <a:r>
-              <a:rPr lang="pt-BR" b="1" dirty="0" err="1">
-                <a:solidFill>
-                  <a:srgbClr val="FFFFFF"/>
-                </a:solidFill>
-                <a:latin typeface="Arial" panose="020B0604020202020204" pitchFamily="34" charset="0"/>
-                <a:cs typeface="Arial" panose="020B0604020202020204" pitchFamily="34" charset="0"/>
-              </a:rPr>
-              <a:t>Sustabil</a:t>
-            </a:r>
-            <a:r>
-              <a:rPr lang="pt-BR" b="1" dirty="0">
-                <a:solidFill>
-                  <a:srgbClr val="FFFFFF"/>
-                </a:solidFill>
-                <a:latin typeface="Arial" panose="020B0604020202020204" pitchFamily="34" charset="0"/>
-                <a:cs typeface="Arial" panose="020B0604020202020204" pitchFamily="34" charset="0"/>
-              </a:rPr>
-              <a:t> agradece pela atenção de todos</a:t>
-            </a:r>
+            <a:pPr marL="0" marR="0" lvl="0" indent="0" algn="ctr" defTabSz="914400" rtl="0" eaLnBrk="1" fontAlgn="auto" latinLnBrk="0" hangingPunct="1">
+              <a:lnSpc>
+                <a:spcPct val="100000"/>
+              </a:lnSpc>
+              <a:spcBef>
+                <a:spcPts val="0"/>
+              </a:spcBef>
+              <a:spcAft>
+                <a:spcPts val="0"/>
+              </a:spcAft>
+              <a:buClrTx/>
+              <a:buSzTx/>
+              <a:buFontTx/>
+              <a:buNone/>
+              <a:tabLst/>
+              <a:defRPr/>
+            </a:pPr>
+            <a:endParaRPr kumimoji="0" lang="en-US" sz="1800" b="0" i="0" u="none" strike="noStrike" kern="1200" cap="none" spc="0" normalizeH="0" baseline="0" noProof="0">
+              <a:ln>
+                <a:noFill/>
+              </a:ln>
+              <a:solidFill>
+                <a:prstClr val="white"/>
+              </a:solidFill>
+              <a:effectLst/>
+              <a:uLnTx/>
+              <a:uFillTx/>
+              <a:latin typeface="Calibri" panose="020F0502020204030204"/>
+              <a:ea typeface="+mn-ea"/>
+              <a:cs typeface="+mn-cs"/>
+            </a:endParaRPr>
           </a:p>
         </p:txBody>
       </p:sp>
@@ -6408,31 +6026,25 @@
         </p:nvSpPr>
         <p:spPr>
           <a:xfrm>
-            <a:off x="6177477" y="926556"/>
-            <a:ext cx="5306084" cy="5230634"/>
-          </a:xfrm>
-        </p:spPr>
-        <p:txBody>
-          <a:bodyPr anchor="ctr">
+            <a:off x="841247" y="2359152"/>
+            <a:ext cx="3410712" cy="3425043"/>
+          </a:xfrm>
+        </p:spPr>
+        <p:txBody>
+          <a:bodyPr>
             <a:normAutofit/>
           </a:bodyPr>
           <a:lstStyle/>
           <a:p>
             <a:r>
-              <a:rPr lang="pt-BR" sz="2400" b="1" dirty="0">
-                <a:solidFill>
-                  <a:srgbClr val="000000"/>
-                </a:solidFill>
+              <a:rPr lang="pt-BR" sz="1700" b="1">
                 <a:latin typeface="Arial" panose="020B0604020202020204" pitchFamily="34" charset="0"/>
                 <a:cs typeface="Arial" panose="020B0604020202020204" pitchFamily="34" charset="0"/>
               </a:rPr>
               <a:t>Nossos contatos</a:t>
             </a:r>
             <a:r>
-              <a:rPr lang="pt-BR" sz="2400" dirty="0">
-                <a:solidFill>
-                  <a:srgbClr val="000000"/>
-                </a:solidFill>
+              <a:rPr lang="pt-BR" sz="1700">
                 <a:latin typeface="Arial" panose="020B0604020202020204" pitchFamily="34" charset="0"/>
                 <a:cs typeface="Arial" panose="020B0604020202020204" pitchFamily="34" charset="0"/>
               </a:rPr>
@@ -6443,10 +6055,7 @@
             <a:pPr marL="0" indent="0">
               <a:buNone/>
             </a:pPr>
-            <a:endParaRPr lang="pt-BR" sz="2400" dirty="0">
-              <a:solidFill>
-                <a:srgbClr val="000000"/>
-              </a:solidFill>
+            <a:endParaRPr lang="pt-BR" sz="1700">
               <a:latin typeface="Arial" panose="020B0604020202020204" pitchFamily="34" charset="0"/>
               <a:cs typeface="Arial" panose="020B0604020202020204" pitchFamily="34" charset="0"/>
             </a:endParaRPr>
@@ -6457,10 +6066,7 @@
               <a:buChar char="Ø"/>
             </a:pPr>
             <a:r>
-              <a:rPr lang="pt-BR" dirty="0">
-                <a:solidFill>
-                  <a:srgbClr val="000000"/>
-                </a:solidFill>
+              <a:rPr lang="pt-BR" sz="1700">
                 <a:effectLst>
                   <a:outerShdw blurRad="38100" dist="38100" dir="2700000" algn="tl">
                     <a:srgbClr val="000000">
@@ -6474,10 +6080,7 @@
               <a:t>Celular</a:t>
             </a:r>
             <a:r>
-              <a:rPr lang="pt-BR" dirty="0">
-                <a:solidFill>
-                  <a:srgbClr val="000000"/>
-                </a:solidFill>
+              <a:rPr lang="pt-BR" sz="1700">
                 <a:latin typeface="Arial" panose="020B0604020202020204" pitchFamily="34" charset="0"/>
                 <a:cs typeface="Arial" panose="020B0604020202020204" pitchFamily="34" charset="0"/>
               </a:rPr>
@@ -6490,10 +6093,7 @@
               <a:buChar char="Ø"/>
             </a:pPr>
             <a:r>
-              <a:rPr lang="pt-BR" sz="2400" dirty="0">
-                <a:solidFill>
-                  <a:srgbClr val="000000"/>
-                </a:solidFill>
+              <a:rPr lang="pt-BR" sz="1700">
                 <a:effectLst>
                   <a:outerShdw blurRad="38100" dist="38100" dir="2700000" algn="tl">
                     <a:srgbClr val="000000">
@@ -6507,10 +6107,7 @@
               <a:t>Tel. Comercial</a:t>
             </a:r>
             <a:r>
-              <a:rPr lang="pt-BR" sz="2400" dirty="0">
-                <a:solidFill>
-                  <a:srgbClr val="000000"/>
-                </a:solidFill>
+              <a:rPr lang="pt-BR" sz="1700">
                 <a:latin typeface="Arial" panose="020B0604020202020204" pitchFamily="34" charset="0"/>
                 <a:cs typeface="Arial" panose="020B0604020202020204" pitchFamily="34" charset="0"/>
               </a:rPr>
@@ -6522,10 +6119,7 @@
               <a:buFont typeface="Wingdings" panose="05000000000000000000" pitchFamily="2" charset="2"/>
               <a:buChar char="Ø"/>
             </a:pPr>
-            <a:endParaRPr lang="pt-BR" sz="2400" dirty="0">
-              <a:solidFill>
-                <a:srgbClr val="000000"/>
-              </a:solidFill>
+            <a:endParaRPr lang="pt-BR" sz="1700">
               <a:latin typeface="Arial" panose="020B0604020202020204" pitchFamily="34" charset="0"/>
               <a:cs typeface="Arial" panose="020B0604020202020204" pitchFamily="34" charset="0"/>
             </a:endParaRPr>
@@ -6536,10 +6130,7 @@
               <a:buChar char="Ø"/>
             </a:pPr>
             <a:r>
-              <a:rPr lang="pt-BR" sz="2400" dirty="0">
-                <a:solidFill>
-                  <a:srgbClr val="000000"/>
-                </a:solidFill>
+              <a:rPr lang="pt-BR" sz="1700">
                 <a:effectLst>
                   <a:outerShdw blurRad="38100" dist="38100" dir="2700000" algn="tl">
                     <a:srgbClr val="000000">
@@ -6553,30 +6144,21 @@
               <a:t>E-mail</a:t>
             </a:r>
             <a:r>
-              <a:rPr lang="pt-BR" sz="2400" dirty="0">
-                <a:solidFill>
-                  <a:srgbClr val="000000"/>
-                </a:solidFill>
+              <a:rPr lang="pt-BR" sz="1700">
                 <a:latin typeface="Arial" panose="020B0604020202020204" pitchFamily="34" charset="0"/>
                 <a:cs typeface="Arial" panose="020B0604020202020204" pitchFamily="34" charset="0"/>
               </a:rPr>
               <a:t>: </a:t>
             </a:r>
             <a:r>
-              <a:rPr lang="pt-BR" sz="2400" dirty="0">
-                <a:solidFill>
-                  <a:srgbClr val="000000"/>
-                </a:solidFill>
+              <a:rPr lang="pt-BR" sz="1700">
                 <a:latin typeface="Arial" panose="020B0604020202020204" pitchFamily="34" charset="0"/>
                 <a:cs typeface="Arial" panose="020B0604020202020204" pitchFamily="34" charset="0"/>
-                <a:hlinkClick r:id="rId3"/>
+                <a:hlinkClick r:id="rId2"/>
               </a:rPr>
               <a:t>sustabil@bandtec.com.br</a:t>
             </a:r>
-            <a:endParaRPr lang="pt-BR" sz="2400" dirty="0">
-              <a:solidFill>
-                <a:srgbClr val="000000"/>
-              </a:solidFill>
+            <a:endParaRPr lang="pt-BR" sz="1700">
               <a:latin typeface="Arial" panose="020B0604020202020204" pitchFamily="34" charset="0"/>
               <a:cs typeface="Arial" panose="020B0604020202020204" pitchFamily="34" charset="0"/>
             </a:endParaRPr>
@@ -6585,10 +6167,10 @@
       </p:sp>
       <p:pic>
         <p:nvPicPr>
-          <p:cNvPr id="4" name="Imagem 3">
-            <a:extLst>
-              <a:ext uri="{FF2B5EF4-FFF2-40B4-BE49-F238E27FC236}">
-                <a16:creationId xmlns:a16="http://schemas.microsoft.com/office/drawing/2014/main" id="{FC14E8B6-392A-4C5B-BF9E-8118C887D996}"/>
+          <p:cNvPr id="7" name="Imagem 6" descr="Logotipo, nome da empresa&#10;&#10;Descrição gerada automaticamente">
+            <a:extLst>
+              <a:ext uri="{FF2B5EF4-FFF2-40B4-BE49-F238E27FC236}">
+                <a16:creationId xmlns:a16="http://schemas.microsoft.com/office/drawing/2014/main" id="{42BB049A-EAEE-42E0-8641-401EFBEB29A1}"/>
               </a:ext>
             </a:extLst>
           </p:cNvPr>
@@ -6597,16 +6179,21 @@
           </p:cNvPicPr>
           <p:nvPr/>
         </p:nvPicPr>
-        <p:blipFill>
-          <a:blip r:embed="rId4"/>
-          <a:stretch>
-            <a:fillRect/>
-          </a:stretch>
+        <p:blipFill rotWithShape="1">
+          <a:blip r:embed="rId3">
+            <a:extLst>
+              <a:ext uri="{28A0092B-C50C-407E-A947-70E740481C1C}">
+                <a14:useLocalDpi xmlns:a14="http://schemas.microsoft.com/office/drawing/2010/main" val="0"/>
+              </a:ext>
+            </a:extLst>
+          </a:blip>
+          <a:srcRect r="359" b="2"/>
+          <a:stretch/>
         </p:blipFill>
         <p:spPr>
           <a:xfrm>
-            <a:off x="53894" y="35169"/>
-            <a:ext cx="1035488" cy="1035488"/>
+            <a:off x="5124450" y="634382"/>
+            <a:ext cx="6657213" cy="5495162"/>
           </a:xfrm>
           <a:prstGeom prst="rect">
             <a:avLst/>
@@ -7295,10 +6882,10 @@
       </p:sp>
       <p:pic>
         <p:nvPicPr>
-          <p:cNvPr id="21" name="Imagem 20">
-            <a:extLst>
-              <a:ext uri="{FF2B5EF4-FFF2-40B4-BE49-F238E27FC236}">
-                <a16:creationId xmlns:a16="http://schemas.microsoft.com/office/drawing/2014/main" id="{BC0DF888-86F0-4473-90AC-49AC87E8DE05}"/>
+          <p:cNvPr id="7" name="Imagem 6" descr="Logotipo, nome da empresa&#10;&#10;Descrição gerada automaticamente">
+            <a:extLst>
+              <a:ext uri="{FF2B5EF4-FFF2-40B4-BE49-F238E27FC236}">
+                <a16:creationId xmlns:a16="http://schemas.microsoft.com/office/drawing/2014/main" id="{F23829BC-A73D-4644-AC4A-F0509B4B2C73}"/>
               </a:ext>
             </a:extLst>
           </p:cNvPr>
@@ -7308,15 +6895,21 @@
           <p:nvPr/>
         </p:nvPicPr>
         <p:blipFill>
-          <a:blip r:embed="rId5"/>
+          <a:blip r:embed="rId5">
+            <a:extLst>
+              <a:ext uri="{28A0092B-C50C-407E-A947-70E740481C1C}">
+                <a14:useLocalDpi xmlns:a14="http://schemas.microsoft.com/office/drawing/2010/main" val="0"/>
+              </a:ext>
+            </a:extLst>
+          </a:blip>
           <a:stretch>
             <a:fillRect/>
           </a:stretch>
         </p:blipFill>
         <p:spPr>
           <a:xfrm>
-            <a:off x="53894" y="35169"/>
-            <a:ext cx="1035488" cy="1035488"/>
+            <a:off x="-397093" y="-690286"/>
+            <a:ext cx="3102365" cy="2554889"/>
           </a:xfrm>
           <a:prstGeom prst="rect">
             <a:avLst/>
@@ -7547,10 +7140,10 @@
       </p:pic>
       <p:pic>
         <p:nvPicPr>
-          <p:cNvPr id="4" name="Imagem 3">
-            <a:extLst>
-              <a:ext uri="{FF2B5EF4-FFF2-40B4-BE49-F238E27FC236}">
-                <a16:creationId xmlns:a16="http://schemas.microsoft.com/office/drawing/2014/main" id="{CE35213D-879D-49E6-B589-EDD17C131C65}"/>
+          <p:cNvPr id="6" name="Imagem 5" descr="Logotipo, nome da empresa&#10;&#10;Descrição gerada automaticamente">
+            <a:extLst>
+              <a:ext uri="{FF2B5EF4-FFF2-40B4-BE49-F238E27FC236}">
+                <a16:creationId xmlns:a16="http://schemas.microsoft.com/office/drawing/2014/main" id="{22267A60-138D-4F3B-91C9-1DE09DEEEEA9}"/>
               </a:ext>
             </a:extLst>
           </p:cNvPr>
@@ -7560,15 +7153,21 @@
           <p:nvPr/>
         </p:nvPicPr>
         <p:blipFill>
-          <a:blip r:embed="rId3"/>
+          <a:blip r:embed="rId3">
+            <a:extLst>
+              <a:ext uri="{28A0092B-C50C-407E-A947-70E740481C1C}">
+                <a14:useLocalDpi xmlns:a14="http://schemas.microsoft.com/office/drawing/2010/main" val="0"/>
+              </a:ext>
+            </a:extLst>
+          </a:blip>
           <a:stretch>
             <a:fillRect/>
           </a:stretch>
         </p:blipFill>
         <p:spPr>
           <a:xfrm>
-            <a:off x="53894" y="35169"/>
-            <a:ext cx="1035488" cy="1035488"/>
+            <a:off x="-452192" y="-772180"/>
+            <a:ext cx="3102365" cy="2554889"/>
           </a:xfrm>
           <a:prstGeom prst="rect">
             <a:avLst/>
@@ -7613,48 +7212,98 @@
           <a:chExt cx="0" cy="0"/>
         </a:xfrm>
       </p:grpSpPr>
-      <p:pic>
-        <p:nvPicPr>
-          <p:cNvPr id="7" name="Imagem 6">
-            <a:extLst>
-              <a:ext uri="{FF2B5EF4-FFF2-40B4-BE49-F238E27FC236}">
-                <a16:creationId xmlns:a16="http://schemas.microsoft.com/office/drawing/2014/main" id="{2CAC30E6-CC8D-452B-9AE2-A24C5DF49871}"/>
-              </a:ext>
-            </a:extLst>
-          </p:cNvPr>
-          <p:cNvPicPr>
-            <a:picLocks noChangeAspect="1"/>
-          </p:cNvPicPr>
-          <p:nvPr/>
-        </p:nvPicPr>
-        <p:blipFill rotWithShape="1">
-          <a:blip r:embed="rId2">
-            <a:alphaModFix/>
-            <a:extLst>
-              <a:ext uri="{28A0092B-C50C-407E-A947-70E740481C1C}">
-                <a14:useLocalDpi xmlns:a14="http://schemas.microsoft.com/office/drawing/2010/main" val="0"/>
-              </a:ext>
-            </a:extLst>
-          </a:blip>
-          <a:srcRect l="4224" r="2539"/>
-          <a:stretch/>
-        </p:blipFill>
-        <p:spPr>
-          <a:xfrm>
-            <a:off x="6096000" y="10"/>
-            <a:ext cx="6394152" cy="6857990"/>
+      <p:sp>
+        <p:nvSpPr>
+          <p:cNvPr id="17" name="Rectangle 16">
+            <a:extLst>
+              <a:ext uri="{FF2B5EF4-FFF2-40B4-BE49-F238E27FC236}">
+                <a16:creationId xmlns:a16="http://schemas.microsoft.com/office/drawing/2014/main" id="{49CD2D09-B1BB-4DF5-9E1C-3D21B21EDEFD}"/>
+              </a:ext>
+              <a:ext uri="{C183D7F6-B498-43B3-948B-1728B52AA6E4}">
+                <adec:decorative xmlns:adec="http://schemas.microsoft.com/office/drawing/2017/decorative" val="1"/>
+              </a:ext>
+            </a:extLst>
+          </p:cNvPr>
+          <p:cNvSpPr>
+            <a:spLocks noGrp="1" noRot="1" noChangeAspect="1" noMove="1" noResize="1" noEditPoints="1" noAdjustHandles="1" noChangeArrowheads="1" noChangeShapeType="1" noTextEdit="1"/>
+          </p:cNvSpPr>
+          <p:nvPr>
+            <p:extLst>
+              <p:ext uri="{386F3935-93C4-4BCD-93E2-E3B085C9AB24}">
+                <p16:designElem xmlns:p16="http://schemas.microsoft.com/office/powerpoint/2015/main" val="1"/>
+              </p:ext>
+            </p:extLst>
+          </p:nvPr>
+        </p:nvSpPr>
+        <p:spPr>
+          <a:xfrm>
+            <a:off x="5920431" y="0"/>
+            <a:ext cx="6271569" cy="6858000"/>
           </a:xfrm>
           <a:prstGeom prst="rect">
             <a:avLst/>
           </a:prstGeom>
-        </p:spPr>
-      </p:pic>
+          <a:gradFill>
+            <a:gsLst>
+              <a:gs pos="0">
+                <a:schemeClr val="accent1">
+                  <a:lumMod val="100000"/>
+                  <a:alpha val="82000"/>
+                </a:schemeClr>
+              </a:gs>
+              <a:gs pos="25000">
+                <a:schemeClr val="accent1">
+                  <a:alpha val="60000"/>
+                </a:schemeClr>
+              </a:gs>
+              <a:gs pos="94000">
+                <a:schemeClr val="bg2">
+                  <a:lumMod val="75000"/>
+                </a:schemeClr>
+              </a:gs>
+              <a:gs pos="100000">
+                <a:schemeClr val="bg2">
+                  <a:lumMod val="75000"/>
+                </a:schemeClr>
+              </a:gs>
+            </a:gsLst>
+            <a:lin ang="4200000" scaled="0"/>
+          </a:gradFill>
+          <a:ln>
+            <a:noFill/>
+          </a:ln>
+        </p:spPr>
+        <p:style>
+          <a:lnRef idx="2">
+            <a:schemeClr val="accent1">
+              <a:shade val="50000"/>
+            </a:schemeClr>
+          </a:lnRef>
+          <a:fillRef idx="1">
+            <a:schemeClr val="accent1"/>
+          </a:fillRef>
+          <a:effectRef idx="0">
+            <a:schemeClr val="accent1"/>
+          </a:effectRef>
+          <a:fontRef idx="minor">
+            <a:schemeClr val="lt1"/>
+          </a:fontRef>
+        </p:style>
+        <p:txBody>
+          <a:bodyPr rtlCol="0" anchor="ctr"/>
+          <a:lstStyle/>
+          <a:p>
+            <a:pPr algn="ctr"/>
+            <a:endParaRPr lang="en-US"/>
+          </a:p>
+        </p:txBody>
+      </p:sp>
       <p:pic>
         <p:nvPicPr>
-          <p:cNvPr id="12" name="Picture 11">
-            <a:extLst>
-              <a:ext uri="{FF2B5EF4-FFF2-40B4-BE49-F238E27FC236}">
-                <a16:creationId xmlns:a16="http://schemas.microsoft.com/office/drawing/2014/main" id="{54DDEBDD-D8BD-41A6-8A0D-B00E3768B0F9}"/>
+          <p:cNvPr id="19" name="Picture 18">
+            <a:extLst>
+              <a:ext uri="{FF2B5EF4-FFF2-40B4-BE49-F238E27FC236}">
+                <a16:creationId xmlns:a16="http://schemas.microsoft.com/office/drawing/2014/main" id="{83355637-BA71-4F63-94C9-E77BF81BDFC0}"/>
               </a:ext>
               <a:ext uri="{C183D7F6-B498-43B3-948B-1728B52AA6E4}">
                 <adec:decorative xmlns:adec="http://schemas.microsoft.com/office/drawing/2017/decorative" val="1"/>
@@ -7673,7 +7322,7 @@
           </p:nvPr>
         </p:nvPicPr>
         <p:blipFill>
-          <a:blip r:embed="rId3">
+          <a:blip r:embed="rId2">
             <a:extLst>
               <a:ext uri="{28A0092B-C50C-407E-A947-70E740481C1C}">
                 <a14:useLocalDpi xmlns:a14="http://schemas.microsoft.com/office/drawing/2010/main" val="0"/>
@@ -7685,7 +7334,7 @@
           </a:stretch>
         </p:blipFill>
         <p:spPr>
-          <a:xfrm flipH="1" flipV="1">
+          <a:xfrm flipH="1">
             <a:off x="0" y="0"/>
             <a:ext cx="12192000" cy="6858000"/>
           </a:xfrm>
@@ -7712,8 +7361,8 @@
         </p:nvSpPr>
         <p:spPr>
           <a:xfrm>
-            <a:off x="1188996" y="150461"/>
-            <a:ext cx="3995338" cy="1311664"/>
+            <a:off x="804998" y="798445"/>
+            <a:ext cx="4803636" cy="1311664"/>
           </a:xfrm>
         </p:spPr>
         <p:txBody>
@@ -7723,7 +7372,7 @@
           <a:lstStyle/>
           <a:p>
             <a:r>
-              <a:rPr lang="pt-BR" sz="3700" dirty="0">
+              <a:rPr lang="pt-BR">
                 <a:solidFill>
                   <a:srgbClr val="000000"/>
                 </a:solidFill>
@@ -7753,8 +7402,8 @@
         </p:nvSpPr>
         <p:spPr>
           <a:xfrm>
-            <a:off x="694599" y="1664168"/>
-            <a:ext cx="4706803" cy="5071988"/>
+            <a:off x="804997" y="2272143"/>
+            <a:ext cx="4706803" cy="3788830"/>
           </a:xfrm>
         </p:spPr>
         <p:txBody>
@@ -7764,7 +7413,7 @@
           <a:lstStyle/>
           <a:p>
             <a:r>
-              <a:rPr lang="pt-BR" sz="2400" b="1" dirty="0">
+              <a:rPr lang="pt-BR" sz="2000" b="1">
                 <a:solidFill>
                   <a:srgbClr val="000000"/>
                 </a:solidFill>
@@ -7775,7 +7424,7 @@
             </a:r>
           </a:p>
           <a:p>
-            <a:endParaRPr lang="pt-BR" sz="2400" b="1" dirty="0">
+            <a:endParaRPr lang="pt-BR" sz="2000" b="1">
               <a:solidFill>
                 <a:srgbClr val="000000"/>
               </a:solidFill>
@@ -7785,7 +7434,7 @@
           </a:p>
           <a:p>
             <a:r>
-              <a:rPr lang="pt-BR" sz="2400" b="1" dirty="0">
+              <a:rPr lang="pt-BR" sz="2000" b="1">
                 <a:solidFill>
                   <a:srgbClr val="000000"/>
                 </a:solidFill>
@@ -7840,7 +7489,7 @@
                 </a:solidFill>
                 <a:latin typeface="Arial" panose="020B0604020202020204" pitchFamily="34" charset="0"/>
                 <a:cs typeface="Arial" panose="020B0604020202020204" pitchFamily="34" charset="0"/>
-                <a:hlinkClick r:id="rId4"/>
+                <a:hlinkClick r:id="rId3"/>
               </a:rPr>
               <a:t>sustabil@bandtec.com.br</a:t>
             </a:r>
@@ -7854,12 +7503,206 @@
           </a:p>
         </p:txBody>
       </p:sp>
+      <p:sp>
+        <p:nvSpPr>
+          <p:cNvPr id="21" name="Freeform 49">
+            <a:extLst>
+              <a:ext uri="{FF2B5EF4-FFF2-40B4-BE49-F238E27FC236}">
+                <a16:creationId xmlns:a16="http://schemas.microsoft.com/office/drawing/2014/main" id="{967C29FE-FD32-4AFB-AD20-DBDF5864B2D8}"/>
+              </a:ext>
+              <a:ext uri="{C183D7F6-B498-43B3-948B-1728B52AA6E4}">
+                <adec:decorative xmlns:adec="http://schemas.microsoft.com/office/drawing/2017/decorative" val="1"/>
+              </a:ext>
+            </a:extLst>
+          </p:cNvPr>
+          <p:cNvSpPr>
+            <a:spLocks noGrp="1" noRot="1" noChangeAspect="1" noMove="1" noResize="1" noEditPoints="1" noAdjustHandles="1" noChangeArrowheads="1" noChangeShapeType="1" noTextEdit="1"/>
+          </p:cNvSpPr>
+          <p:nvPr>
+            <p:extLst>
+              <p:ext uri="{386F3935-93C4-4BCD-93E2-E3B085C9AB24}">
+                <p16:designElem xmlns:p16="http://schemas.microsoft.com/office/powerpoint/2015/main" val="1"/>
+              </p:ext>
+            </p:extLst>
+          </p:nvPr>
+        </p:nvSpPr>
+        <p:spPr>
+          <a:xfrm flipH="1">
+            <a:off x="6713915" y="590635"/>
+            <a:ext cx="5478085" cy="6276841"/>
+          </a:xfrm>
+          <a:custGeom>
+            <a:avLst/>
+            <a:gdLst>
+              <a:gd name="connsiteX0" fmla="*/ 2178155 w 5478085"/>
+              <a:gd name="connsiteY0" fmla="*/ 0 h 6276841"/>
+              <a:gd name="connsiteX1" fmla="*/ 5478085 w 5478085"/>
+              <a:gd name="connsiteY1" fmla="*/ 3299930 h 6276841"/>
+              <a:gd name="connsiteX2" fmla="*/ 3751098 w 5478085"/>
+              <a:gd name="connsiteY2" fmla="*/ 6201577 h 6276841"/>
+              <a:gd name="connsiteX3" fmla="*/ 3594858 w 5478085"/>
+              <a:gd name="connsiteY3" fmla="*/ 6276841 h 6276841"/>
+              <a:gd name="connsiteX4" fmla="*/ 761453 w 5478085"/>
+              <a:gd name="connsiteY4" fmla="*/ 6276841 h 6276841"/>
+              <a:gd name="connsiteX5" fmla="*/ 605213 w 5478085"/>
+              <a:gd name="connsiteY5" fmla="*/ 6201577 h 6276841"/>
+              <a:gd name="connsiteX6" fmla="*/ 79093 w 5478085"/>
+              <a:gd name="connsiteY6" fmla="*/ 5846317 h 6276841"/>
+              <a:gd name="connsiteX7" fmla="*/ 0 w 5478085"/>
+              <a:gd name="connsiteY7" fmla="*/ 5774432 h 6276841"/>
+              <a:gd name="connsiteX8" fmla="*/ 0 w 5478085"/>
+              <a:gd name="connsiteY8" fmla="*/ 825429 h 6276841"/>
+              <a:gd name="connsiteX9" fmla="*/ 79093 w 5478085"/>
+              <a:gd name="connsiteY9" fmla="*/ 753544 h 6276841"/>
+              <a:gd name="connsiteX10" fmla="*/ 2178155 w 5478085"/>
+              <a:gd name="connsiteY10" fmla="*/ 0 h 6276841"/>
+            </a:gdLst>
+            <a:ahLst/>
+            <a:cxnLst>
+              <a:cxn ang="0">
+                <a:pos x="connsiteX0" y="connsiteY0"/>
+              </a:cxn>
+              <a:cxn ang="0">
+                <a:pos x="connsiteX1" y="connsiteY1"/>
+              </a:cxn>
+              <a:cxn ang="0">
+                <a:pos x="connsiteX2" y="connsiteY2"/>
+              </a:cxn>
+              <a:cxn ang="0">
+                <a:pos x="connsiteX3" y="connsiteY3"/>
+              </a:cxn>
+              <a:cxn ang="0">
+                <a:pos x="connsiteX4" y="connsiteY4"/>
+              </a:cxn>
+              <a:cxn ang="0">
+                <a:pos x="connsiteX5" y="connsiteY5"/>
+              </a:cxn>
+              <a:cxn ang="0">
+                <a:pos x="connsiteX6" y="connsiteY6"/>
+              </a:cxn>
+              <a:cxn ang="0">
+                <a:pos x="connsiteX7" y="connsiteY7"/>
+              </a:cxn>
+              <a:cxn ang="0">
+                <a:pos x="connsiteX8" y="connsiteY8"/>
+              </a:cxn>
+              <a:cxn ang="0">
+                <a:pos x="connsiteX9" y="connsiteY9"/>
+              </a:cxn>
+              <a:cxn ang="0">
+                <a:pos x="connsiteX10" y="connsiteY10"/>
+              </a:cxn>
+            </a:cxnLst>
+            <a:rect l="l" t="t" r="r" b="b"/>
+            <a:pathLst>
+              <a:path w="5478085" h="6276841">
+                <a:moveTo>
+                  <a:pt x="2178155" y="0"/>
+                </a:moveTo>
+                <a:cubicBezTo>
+                  <a:pt x="4000656" y="0"/>
+                  <a:pt x="5478085" y="1477429"/>
+                  <a:pt x="5478085" y="3299930"/>
+                </a:cubicBezTo>
+                <a:cubicBezTo>
+                  <a:pt x="5478085" y="4552900"/>
+                  <a:pt x="4779769" y="5642769"/>
+                  <a:pt x="3751098" y="6201577"/>
+                </a:cubicBezTo>
+                <a:lnTo>
+                  <a:pt x="3594858" y="6276841"/>
+                </a:lnTo>
+                <a:lnTo>
+                  <a:pt x="761453" y="6276841"/>
+                </a:lnTo>
+                <a:lnTo>
+                  <a:pt x="605213" y="6201577"/>
+                </a:lnTo>
+                <a:cubicBezTo>
+                  <a:pt x="418182" y="6099975"/>
+                  <a:pt x="242071" y="5980818"/>
+                  <a:pt x="79093" y="5846317"/>
+                </a:cubicBezTo>
+                <a:lnTo>
+                  <a:pt x="0" y="5774432"/>
+                </a:lnTo>
+                <a:lnTo>
+                  <a:pt x="0" y="825429"/>
+                </a:lnTo>
+                <a:lnTo>
+                  <a:pt x="79093" y="753544"/>
+                </a:lnTo>
+                <a:cubicBezTo>
+                  <a:pt x="649516" y="282789"/>
+                  <a:pt x="1380811" y="0"/>
+                  <a:pt x="2178155" y="0"/>
+                </a:cubicBezTo>
+                <a:close/>
+              </a:path>
+            </a:pathLst>
+          </a:custGeom>
+          <a:solidFill>
+            <a:srgbClr val="FFFFFF"/>
+          </a:solidFill>
+          <a:ln>
+            <a:gradFill>
+              <a:gsLst>
+                <a:gs pos="0">
+                  <a:schemeClr val="accent1">
+                    <a:lumMod val="40000"/>
+                    <a:lumOff val="60000"/>
+                  </a:schemeClr>
+                </a:gs>
+                <a:gs pos="23000">
+                  <a:schemeClr val="accent1">
+                    <a:lumMod val="45000"/>
+                    <a:lumOff val="55000"/>
+                  </a:schemeClr>
+                </a:gs>
+                <a:gs pos="83000">
+                  <a:schemeClr val="accent3"/>
+                </a:gs>
+                <a:gs pos="100000">
+                  <a:schemeClr val="accent3"/>
+                </a:gs>
+              </a:gsLst>
+              <a:lin ang="5400000" scaled="1"/>
+            </a:gradFill>
+          </a:ln>
+        </p:spPr>
+        <p:style>
+          <a:lnRef idx="2">
+            <a:schemeClr val="accent1">
+              <a:shade val="50000"/>
+            </a:schemeClr>
+          </a:lnRef>
+          <a:fillRef idx="1">
+            <a:schemeClr val="accent1"/>
+          </a:fillRef>
+          <a:effectRef idx="0">
+            <a:schemeClr val="accent1"/>
+          </a:effectRef>
+          <a:fontRef idx="minor">
+            <a:schemeClr val="lt1"/>
+          </a:fontRef>
+        </p:style>
+        <p:txBody>
+          <a:bodyPr wrap="square" rtlCol="0" anchor="ctr">
+            <a:noAutofit/>
+          </a:bodyPr>
+          <a:lstStyle/>
+          <a:p>
+            <a:pPr algn="ctr"/>
+            <a:endParaRPr lang="en-US"/>
+          </a:p>
+        </p:txBody>
+      </p:sp>
       <p:pic>
         <p:nvPicPr>
-          <p:cNvPr id="6" name="Imagem 5">
-            <a:extLst>
-              <a:ext uri="{FF2B5EF4-FFF2-40B4-BE49-F238E27FC236}">
-                <a16:creationId xmlns:a16="http://schemas.microsoft.com/office/drawing/2014/main" id="{CEAEFBF8-22EC-44B4-A163-CDD5AA2A8470}"/>
+          <p:cNvPr id="4" name="Imagem 3" descr="Logotipo, nome da empresa&#10;&#10;Descrição gerada automaticamente">
+            <a:extLst>
+              <a:ext uri="{FF2B5EF4-FFF2-40B4-BE49-F238E27FC236}">
+                <a16:creationId xmlns:a16="http://schemas.microsoft.com/office/drawing/2014/main" id="{7D8A4D32-933F-4F17-8E68-BBFC04FA24EB}"/>
               </a:ext>
             </a:extLst>
           </p:cNvPr>
@@ -7868,20 +7711,75 @@
           </p:cNvPicPr>
           <p:nvPr/>
         </p:nvPicPr>
-        <p:blipFill>
-          <a:blip r:embed="rId5"/>
-          <a:stretch>
-            <a:fillRect/>
-          </a:stretch>
+        <p:blipFill rotWithShape="1">
+          <a:blip r:embed="rId4">
+            <a:extLst>
+              <a:ext uri="{28A0092B-C50C-407E-A947-70E740481C1C}">
+                <a14:useLocalDpi xmlns:a14="http://schemas.microsoft.com/office/drawing/2010/main" val="0"/>
+              </a:ext>
+            </a:extLst>
+          </a:blip>
+          <a:srcRect l="10232" r="18292" b="-1"/>
+          <a:stretch/>
         </p:blipFill>
         <p:spPr>
           <a:xfrm>
-            <a:off x="53894" y="35169"/>
-            <a:ext cx="1035488" cy="1035488"/>
-          </a:xfrm>
-          <a:prstGeom prst="rect">
+            <a:off x="6893318" y="770037"/>
+            <a:ext cx="5298683" cy="6097438"/>
+          </a:xfrm>
+          <a:custGeom>
             <a:avLst/>
-          </a:prstGeom>
+            <a:gdLst/>
+            <a:ahLst/>
+            <a:cxnLst/>
+            <a:rect l="l" t="t" r="r" b="b"/>
+            <a:pathLst>
+              <a:path w="5298683" h="6097438">
+                <a:moveTo>
+                  <a:pt x="3120528" y="0"/>
+                </a:moveTo>
+                <a:cubicBezTo>
+                  <a:pt x="3874524" y="0"/>
+                  <a:pt x="4566062" y="267415"/>
+                  <a:pt x="5105473" y="712577"/>
+                </a:cubicBezTo>
+                <a:lnTo>
+                  <a:pt x="5298683" y="888178"/>
+                </a:lnTo>
+                <a:lnTo>
+                  <a:pt x="5298683" y="5352876"/>
+                </a:lnTo>
+                <a:lnTo>
+                  <a:pt x="5105473" y="5528477"/>
+                </a:lnTo>
+                <a:cubicBezTo>
+                  <a:pt x="4874296" y="5719261"/>
+                  <a:pt x="4615179" y="5877397"/>
+                  <a:pt x="4335177" y="5995828"/>
+                </a:cubicBezTo>
+                <a:lnTo>
+                  <a:pt x="4057556" y="6097438"/>
+                </a:lnTo>
+                <a:lnTo>
+                  <a:pt x="2183499" y="6097438"/>
+                </a:lnTo>
+                <a:lnTo>
+                  <a:pt x="1905878" y="5995828"/>
+                </a:lnTo>
+                <a:cubicBezTo>
+                  <a:pt x="785873" y="5522106"/>
+                  <a:pt x="0" y="4413092"/>
+                  <a:pt x="0" y="3120527"/>
+                </a:cubicBezTo>
+                <a:cubicBezTo>
+                  <a:pt x="0" y="1397108"/>
+                  <a:pt x="1397108" y="0"/>
+                  <a:pt x="3120528" y="0"/>
+                </a:cubicBezTo>
+                <a:close/>
+              </a:path>
+            </a:pathLst>
+          </a:custGeom>
         </p:spPr>
       </p:pic>
     </p:spTree>
@@ -8234,10 +8132,10 @@
       </p:pic>
       <p:pic>
         <p:nvPicPr>
-          <p:cNvPr id="8" name="Imagem 7">
-            <a:extLst>
-              <a:ext uri="{FF2B5EF4-FFF2-40B4-BE49-F238E27FC236}">
-                <a16:creationId xmlns:a16="http://schemas.microsoft.com/office/drawing/2014/main" id="{D2A77FA0-C3E9-4E63-BED4-0B3B92519E0D}"/>
+          <p:cNvPr id="4" name="Imagem 3" descr="Logotipo, nome da empresa&#10;&#10;Descrição gerada automaticamente">
+            <a:extLst>
+              <a:ext uri="{FF2B5EF4-FFF2-40B4-BE49-F238E27FC236}">
+                <a16:creationId xmlns:a16="http://schemas.microsoft.com/office/drawing/2014/main" id="{57E29858-6C84-401F-83AC-131049D70C5A}"/>
               </a:ext>
             </a:extLst>
           </p:cNvPr>
@@ -8247,15 +8145,21 @@
           <p:nvPr/>
         </p:nvPicPr>
         <p:blipFill>
-          <a:blip r:embed="rId7"/>
+          <a:blip r:embed="rId7">
+            <a:extLst>
+              <a:ext uri="{28A0092B-C50C-407E-A947-70E740481C1C}">
+                <a14:useLocalDpi xmlns:a14="http://schemas.microsoft.com/office/drawing/2010/main" val="0"/>
+              </a:ext>
+            </a:extLst>
+          </a:blip>
           <a:stretch>
             <a:fillRect/>
           </a:stretch>
         </p:blipFill>
         <p:spPr>
           <a:xfrm>
-            <a:off x="53894" y="35169"/>
-            <a:ext cx="1035488" cy="1035488"/>
+            <a:off x="-397093" y="-690286"/>
+            <a:ext cx="3102365" cy="2554889"/>
           </a:xfrm>
           <a:prstGeom prst="rect">
             <a:avLst/>
@@ -8979,10 +8883,10 @@
       </p:cxnSp>
       <p:pic>
         <p:nvPicPr>
-          <p:cNvPr id="33" name="Imagem 32">
-            <a:extLst>
-              <a:ext uri="{FF2B5EF4-FFF2-40B4-BE49-F238E27FC236}">
-                <a16:creationId xmlns:a16="http://schemas.microsoft.com/office/drawing/2014/main" id="{B7DA62BD-20DE-46B7-A3D7-DC7738701FEC}"/>
+          <p:cNvPr id="9" name="Imagem 8" descr="Logotipo, nome da empresa&#10;&#10;Descrição gerada automaticamente">
+            <a:extLst>
+              <a:ext uri="{FF2B5EF4-FFF2-40B4-BE49-F238E27FC236}">
+                <a16:creationId xmlns:a16="http://schemas.microsoft.com/office/drawing/2014/main" id="{BDA44049-B116-4CD7-B9A3-6A603B1207A9}"/>
               </a:ext>
             </a:extLst>
           </p:cNvPr>
@@ -8992,113 +8896,25 @@
           <p:nvPr/>
         </p:nvPicPr>
         <p:blipFill>
-          <a:blip r:embed="rId11"/>
+          <a:blip r:embed="rId11">
+            <a:extLst>
+              <a:ext uri="{28A0092B-C50C-407E-A947-70E740481C1C}">
+                <a14:useLocalDpi xmlns:a14="http://schemas.microsoft.com/office/drawing/2010/main" val="0"/>
+              </a:ext>
+            </a:extLst>
+          </a:blip>
           <a:stretch>
             <a:fillRect/>
           </a:stretch>
         </p:blipFill>
         <p:spPr>
           <a:xfrm>
-            <a:off x="53894" y="35169"/>
-            <a:ext cx="1035488" cy="1035488"/>
+            <a:off x="-397093" y="-690286"/>
+            <a:ext cx="3102365" cy="2554889"/>
           </a:xfrm>
           <a:prstGeom prst="rect">
             <a:avLst/>
           </a:prstGeom>
-        </p:spPr>
-      </p:pic>
-      <p:pic>
-        <p:nvPicPr>
-          <p:cNvPr id="3" name="Picture 12" descr="computer, desktop, laptop, mac, monitor, pc, screen icon | Conjunto de  ícones, Conjunto de">
-            <a:extLst>
-              <a:ext uri="{FF2B5EF4-FFF2-40B4-BE49-F238E27FC236}">
-                <a16:creationId xmlns:a16="http://schemas.microsoft.com/office/drawing/2014/main" id="{A8E67DDB-70AC-4143-9C99-B6563E9ED210}"/>
-              </a:ext>
-            </a:extLst>
-          </p:cNvPr>
-          <p:cNvPicPr>
-            <a:picLocks noChangeAspect="1" noChangeArrowheads="1"/>
-          </p:cNvPicPr>
-          <p:nvPr/>
-        </p:nvPicPr>
-        <p:blipFill>
-          <a:blip r:embed="rId10">
-            <a:extLst>
-              <a:ext uri="{28A0092B-C50C-407E-A947-70E740481C1C}">
-                <a14:useLocalDpi xmlns:a14="http://schemas.microsoft.com/office/drawing/2010/main" val="0"/>
-              </a:ext>
-            </a:extLst>
-          </a:blip>
-          <a:srcRect/>
-          <a:stretch>
-            <a:fillRect/>
-          </a:stretch>
-        </p:blipFill>
-        <p:spPr bwMode="auto">
-          <a:xfrm>
-            <a:off x="4520830" y="1797690"/>
-            <a:ext cx="2190327" cy="1981045"/>
-          </a:xfrm>
-          <a:prstGeom prst="rect">
-            <a:avLst/>
-          </a:prstGeom>
-          <a:noFill/>
-          <a:extLst>
-            <a:ext uri="{909E8E84-426E-40DD-AFC4-6F175D3DCCD1}">
-              <a14:hiddenFill xmlns:a14="http://schemas.microsoft.com/office/drawing/2010/main">
-                <a:solidFill>
-                  <a:srgbClr val="FFFFFF"/>
-                </a:solidFill>
-              </a14:hiddenFill>
-            </a:ext>
-          </a:extLst>
-        </p:spPr>
-      </p:pic>
-      <p:pic>
-        <p:nvPicPr>
-          <p:cNvPr id="8" name="Picture 12" descr="computer, desktop, laptop, mac, monitor, pc, screen icon | Conjunto de  ícones, Conjunto de">
-            <a:extLst>
-              <a:ext uri="{FF2B5EF4-FFF2-40B4-BE49-F238E27FC236}">
-                <a16:creationId xmlns:a16="http://schemas.microsoft.com/office/drawing/2014/main" id="{66A96C28-C9C0-4906-AD34-CC7B2165A923}"/>
-              </a:ext>
-            </a:extLst>
-          </p:cNvPr>
-          <p:cNvPicPr>
-            <a:picLocks noChangeAspect="1" noChangeArrowheads="1"/>
-          </p:cNvPicPr>
-          <p:nvPr/>
-        </p:nvPicPr>
-        <p:blipFill>
-          <a:blip r:embed="rId10">
-            <a:extLst>
-              <a:ext uri="{28A0092B-C50C-407E-A947-70E740481C1C}">
-                <a14:useLocalDpi xmlns:a14="http://schemas.microsoft.com/office/drawing/2010/main" val="0"/>
-              </a:ext>
-            </a:extLst>
-          </a:blip>
-          <a:srcRect/>
-          <a:stretch>
-            <a:fillRect/>
-          </a:stretch>
-        </p:blipFill>
-        <p:spPr bwMode="auto">
-          <a:xfrm>
-            <a:off x="4673230" y="1950090"/>
-            <a:ext cx="2190327" cy="1981045"/>
-          </a:xfrm>
-          <a:prstGeom prst="rect">
-            <a:avLst/>
-          </a:prstGeom>
-          <a:noFill/>
-          <a:extLst>
-            <a:ext uri="{909E8E84-426E-40DD-AFC4-6F175D3DCCD1}">
-              <a14:hiddenFill xmlns:a14="http://schemas.microsoft.com/office/drawing/2010/main">
-                <a:solidFill>
-                  <a:srgbClr val="FFFFFF"/>
-                </a:solidFill>
-              </a14:hiddenFill>
-            </a:ext>
-          </a:extLst>
         </p:spPr>
       </p:pic>
     </p:spTree>
@@ -9141,10 +8957,45 @@
       </p:grpSpPr>
       <p:sp>
         <p:nvSpPr>
-          <p:cNvPr id="12" name="Rectangle 11">
-            <a:extLst>
-              <a:ext uri="{FF2B5EF4-FFF2-40B4-BE49-F238E27FC236}">
-                <a16:creationId xmlns:a16="http://schemas.microsoft.com/office/drawing/2014/main" id="{EBF87945-A001-489F-9D9B-7D9435F0B9CA}"/>
+          <p:cNvPr id="2" name="Título 1">
+            <a:extLst>
+              <a:ext uri="{FF2B5EF4-FFF2-40B4-BE49-F238E27FC236}">
+                <a16:creationId xmlns:a16="http://schemas.microsoft.com/office/drawing/2014/main" id="{3A580CA3-C4A8-48EE-8329-D7B6949B6EF8}"/>
+              </a:ext>
+            </a:extLst>
+          </p:cNvPr>
+          <p:cNvSpPr>
+            <a:spLocks noGrp="1"/>
+          </p:cNvSpPr>
+          <p:nvPr>
+            <p:ph type="title"/>
+          </p:nvPr>
+        </p:nvSpPr>
+        <p:spPr>
+          <a:xfrm>
+            <a:off x="5116878" y="629266"/>
+            <a:ext cx="6422849" cy="1676603"/>
+          </a:xfrm>
+        </p:spPr>
+        <p:txBody>
+          <a:bodyPr vert="horz" lIns="91440" tIns="45720" rIns="91440" bIns="45720" rtlCol="0" anchor="ctr">
+            <a:normAutofit/>
+          </a:bodyPr>
+          <a:lstStyle/>
+          <a:p>
+            <a:r>
+              <a:rPr lang="en-US"/>
+              <a:t>Backlog</a:t>
+            </a:r>
+          </a:p>
+        </p:txBody>
+      </p:sp>
+      <p:sp>
+        <p:nvSpPr>
+          <p:cNvPr id="17" name="Rectangle 16">
+            <a:extLst>
+              <a:ext uri="{FF2B5EF4-FFF2-40B4-BE49-F238E27FC236}">
+                <a16:creationId xmlns:a16="http://schemas.microsoft.com/office/drawing/2014/main" id="{C95B82D5-A8BB-45BF-BED8-C7B206892100}"/>
               </a:ext>
               <a:ext uri="{C183D7F6-B498-43B3-948B-1728B52AA6E4}">
                 <adec:decorative xmlns:adec="http://schemas.microsoft.com/office/drawing/2017/decorative" val="1"/>
@@ -9164,14 +9015,14 @@
         </p:nvSpPr>
         <p:spPr>
           <a:xfrm>
-            <a:off x="548639" y="347471"/>
-            <a:ext cx="11100816" cy="1801368"/>
+            <a:off x="0" y="0"/>
+            <a:ext cx="4636008" cy="6858000"/>
           </a:xfrm>
           <a:prstGeom prst="rect">
             <a:avLst/>
           </a:prstGeom>
           <a:solidFill>
-            <a:schemeClr val="accent5"/>
+            <a:srgbClr val="35506B"/>
           </a:solidFill>
           <a:ln>
             <a:noFill/>
@@ -9204,43 +9055,114 @@
       </p:sp>
       <p:sp>
         <p:nvSpPr>
-          <p:cNvPr id="2" name="Título 1">
-            <a:extLst>
-              <a:ext uri="{FF2B5EF4-FFF2-40B4-BE49-F238E27FC236}">
-                <a16:creationId xmlns:a16="http://schemas.microsoft.com/office/drawing/2014/main" id="{3A580CA3-C4A8-48EE-8329-D7B6949B6EF8}"/>
+          <p:cNvPr id="19" name="Rounded Rectangle 9">
+            <a:extLst>
+              <a:ext uri="{FF2B5EF4-FFF2-40B4-BE49-F238E27FC236}">
+                <a16:creationId xmlns:a16="http://schemas.microsoft.com/office/drawing/2014/main" id="{296C61EC-FBF4-4216-BE67-6C864D30A01C}"/>
+              </a:ext>
+              <a:ext uri="{C183D7F6-B498-43B3-948B-1728B52AA6E4}">
+                <adec:decorative xmlns:adec="http://schemas.microsoft.com/office/drawing/2017/decorative" val="1"/>
               </a:ext>
             </a:extLst>
           </p:cNvPr>
           <p:cNvSpPr>
-            <a:spLocks noGrp="1"/>
+            <a:spLocks noGrp="1" noRot="1" noChangeAspect="1" noMove="1" noResize="1" noEditPoints="1" noAdjustHandles="1" noChangeArrowheads="1" noChangeShapeType="1" noTextEdit="1"/>
           </p:cNvSpPr>
           <p:nvPr>
-            <p:ph type="title"/>
+            <p:extLst>
+              <p:ext uri="{386F3935-93C4-4BCD-93E2-E3B085C9AB24}">
+                <p16:designElem xmlns:p16="http://schemas.microsoft.com/office/powerpoint/2015/main" val="1"/>
+              </p:ext>
+            </p:extLst>
           </p:nvPr>
         </p:nvSpPr>
         <p:spPr>
           <a:xfrm>
-            <a:off x="838200" y="585216"/>
-            <a:ext cx="10515600" cy="1325563"/>
-          </a:xfrm>
-        </p:spPr>
-        <p:txBody>
-          <a:bodyPr vert="horz" lIns="91440" tIns="45720" rIns="91440" bIns="45720" rtlCol="0" anchor="ctr">
-            <a:normAutofit/>
-          </a:bodyPr>
+            <a:off x="484632" y="484632"/>
+            <a:ext cx="3666744" cy="5739187"/>
+          </a:xfrm>
+          <a:prstGeom prst="roundRect">
+            <a:avLst>
+              <a:gd name="adj" fmla="val 0"/>
+            </a:avLst>
+          </a:prstGeom>
+          <a:solidFill>
+            <a:srgbClr val="FFFFFF"/>
+          </a:solidFill>
+          <a:ln w="9525">
+            <a:solidFill>
+              <a:srgbClr val="C8CACA"/>
+            </a:solidFill>
+          </a:ln>
+          <a:effectLst>
+            <a:outerShdw blurRad="57150" dist="19050" dir="5400000" algn="t" rotWithShape="0">
+              <a:prstClr val="black">
+                <a:alpha val="63000"/>
+              </a:prstClr>
+            </a:outerShdw>
+          </a:effectLst>
+        </p:spPr>
+        <p:style>
+          <a:lnRef idx="2">
+            <a:schemeClr val="accent1">
+              <a:shade val="50000"/>
+            </a:schemeClr>
+          </a:lnRef>
+          <a:fillRef idx="1">
+            <a:schemeClr val="accent1"/>
+          </a:fillRef>
+          <a:effectRef idx="0">
+            <a:schemeClr val="accent1"/>
+          </a:effectRef>
+          <a:fontRef idx="minor">
+            <a:schemeClr val="lt1"/>
+          </a:fontRef>
+        </p:style>
+        <p:txBody>
+          <a:bodyPr rtlCol="0" anchor="ctr"/>
           <a:lstStyle/>
           <a:p>
-            <a:r>
-              <a:rPr lang="en-US">
-                <a:solidFill>
-                  <a:srgbClr val="FFFFFF"/>
-                </a:solidFill>
-              </a:rPr>
-              <a:t>Backlog</a:t>
-            </a:r>
-          </a:p>
-        </p:txBody>
-      </p:sp>
+            <a:pPr algn="ctr"/>
+            <a:endParaRPr lang="en-US"/>
+          </a:p>
+        </p:txBody>
+      </p:sp>
+      <p:pic>
+        <p:nvPicPr>
+          <p:cNvPr id="3" name="Imagem 2" descr="Logotipo, nome da empresa&#10;&#10;Descrição gerada automaticamente">
+            <a:extLst>
+              <a:ext uri="{FF2B5EF4-FFF2-40B4-BE49-F238E27FC236}">
+                <a16:creationId xmlns:a16="http://schemas.microsoft.com/office/drawing/2014/main" id="{D620E2DC-7A47-469C-80DD-AF5F5CFAC2AA}"/>
+              </a:ext>
+            </a:extLst>
+          </p:cNvPr>
+          <p:cNvPicPr>
+            <a:picLocks noChangeAspect="1"/>
+          </p:cNvPicPr>
+          <p:nvPr/>
+        </p:nvPicPr>
+        <p:blipFill>
+          <a:blip r:embed="rId2">
+            <a:extLst>
+              <a:ext uri="{28A0092B-C50C-407E-A947-70E740481C1C}">
+                <a14:useLocalDpi xmlns:a14="http://schemas.microsoft.com/office/drawing/2010/main" val="0"/>
+              </a:ext>
+            </a:extLst>
+          </a:blip>
+          <a:stretch>
+            <a:fillRect/>
+          </a:stretch>
+        </p:blipFill>
+        <p:spPr>
+          <a:xfrm>
+            <a:off x="816032" y="803049"/>
+            <a:ext cx="3003943" cy="2470743"/>
+          </a:xfrm>
+          <a:prstGeom prst="rect">
+            <a:avLst/>
+          </a:prstGeom>
+        </p:spPr>
+      </p:pic>
       <p:pic>
         <p:nvPicPr>
           <p:cNvPr id="7" name="Imagem 6">
@@ -9256,18 +9178,19 @@
           <p:nvPr/>
         </p:nvPicPr>
         <p:blipFill rotWithShape="1">
-          <a:blip r:embed="rId2"/>
+          <a:blip r:embed="rId3"/>
           <a:srcRect r="4159" b="-3"/>
           <a:stretch/>
         </p:blipFill>
         <p:spPr>
           <a:xfrm>
-            <a:off x="841248" y="2516777"/>
-            <a:ext cx="6236208" cy="3660185"/>
+            <a:off x="804672" y="3792329"/>
+            <a:ext cx="3026663" cy="1776430"/>
           </a:xfrm>
           <a:prstGeom prst="rect">
             <a:avLst/>
           </a:prstGeom>
+          <a:effectLst/>
         </p:spPr>
       </p:pic>
       <p:sp>
@@ -9284,15 +9207,15 @@
         </p:nvSpPr>
         <p:spPr>
           <a:xfrm>
-            <a:off x="7430153" y="2516776"/>
-            <a:ext cx="3803904" cy="3660185"/>
+            <a:off x="5116880" y="2438400"/>
+            <a:ext cx="6422848" cy="3785419"/>
           </a:xfrm>
           <a:prstGeom prst="rect">
             <a:avLst/>
           </a:prstGeom>
         </p:spPr>
         <p:txBody>
-          <a:bodyPr vert="horz" lIns="91440" tIns="45720" rIns="91440" bIns="45720" rtlCol="0" anchor="ctr">
+          <a:bodyPr vert="horz" lIns="91440" tIns="45720" rIns="91440" bIns="45720" rtlCol="0">
             <a:normAutofit/>
           </a:bodyPr>
           <a:lstStyle/>
@@ -9308,7 +9231,7 @@
               <a:buChar char="•"/>
             </a:pPr>
             <a:r>
-              <a:rPr lang="en-US" sz="1900" dirty="0">
+              <a:rPr lang="en-US" sz="2000">
                 <a:effectLst>
                   <a:outerShdw blurRad="38100" dist="38100" dir="2700000" algn="tl">
                     <a:srgbClr val="000000">
@@ -9317,43 +9240,19 @@
                   </a:outerShdw>
                 </a:effectLst>
               </a:rPr>
-              <a:t>Backlog da </a:t>
-            </a:r>
-            <a:r>
-              <a:rPr lang="en-US" sz="1900" dirty="0" err="1">
-                <a:effectLst>
-                  <a:outerShdw blurRad="38100" dist="38100" dir="2700000" algn="tl">
-                    <a:srgbClr val="000000">
-                      <a:alpha val="43137"/>
-                    </a:srgbClr>
-                  </a:outerShdw>
-                </a:effectLst>
-              </a:rPr>
-              <a:t>Página</a:t>
-            </a:r>
-            <a:r>
-              <a:rPr lang="en-US" sz="1900" dirty="0">
-                <a:effectLst>
-                  <a:outerShdw blurRad="38100" dist="38100" dir="2700000" algn="tl">
-                    <a:srgbClr val="000000">
-                      <a:alpha val="43137"/>
-                    </a:srgbClr>
-                  </a:outerShdw>
-                </a:effectLst>
-              </a:rPr>
-              <a:t> Web</a:t>
-            </a:r>
-            <a:r>
-              <a:rPr lang="en-US" sz="1900" dirty="0"/>
+              <a:t>Backlog da Página Web</a:t>
+            </a:r>
+            <a:r>
+              <a:rPr lang="en-US" sz="2000"/>
               <a:t>: </a:t>
             </a:r>
             <a:r>
-              <a:rPr lang="en-US" sz="1900" dirty="0">
-                <a:hlinkClick r:id="rId3"/>
+              <a:rPr lang="en-US" sz="2000">
+                <a:hlinkClick r:id="rId4"/>
               </a:rPr>
               <a:t>https://trello.com/b/gkREIOhE/pagina-web-institucional#</a:t>
             </a:r>
-            <a:endParaRPr lang="en-US" sz="1900" dirty="0"/>
+            <a:endParaRPr lang="en-US" sz="2000"/>
           </a:p>
           <a:p>
             <a:pPr marL="285750" indent="-228600">
@@ -9366,7 +9265,7 @@
               <a:buFont typeface="Arial" panose="020B0604020202020204" pitchFamily="34" charset="0"/>
               <a:buChar char="•"/>
             </a:pPr>
-            <a:endParaRPr lang="en-US" sz="1900" dirty="0"/>
+            <a:endParaRPr lang="en-US" sz="2000"/>
           </a:p>
           <a:p>
             <a:pPr marL="285750" indent="-228600">
@@ -9380,16 +9279,16 @@
               <a:buChar char="•"/>
             </a:pPr>
             <a:r>
-              <a:rPr lang="en-US" sz="1900" dirty="0"/>
+              <a:rPr lang="en-US" sz="2000"/>
               <a:t>Backlog do Banco de Dados: </a:t>
             </a:r>
             <a:r>
-              <a:rPr lang="en-US" sz="1900" dirty="0">
-                <a:hlinkClick r:id="rId4"/>
+              <a:rPr lang="en-US" sz="2000">
+                <a:hlinkClick r:id="rId5"/>
               </a:rPr>
               <a:t>https://trello.com/b/CPmBase7/banco-de-dados#</a:t>
             </a:r>
-            <a:endParaRPr lang="en-US" sz="1900" dirty="0"/>
+            <a:endParaRPr lang="en-US" sz="2000"/>
           </a:p>
           <a:p>
             <a:pPr marL="285750" indent="-228600">
@@ -9402,7 +9301,7 @@
               <a:buFont typeface="Arial" panose="020B0604020202020204" pitchFamily="34" charset="0"/>
               <a:buChar char="•"/>
             </a:pPr>
-            <a:endParaRPr lang="en-US" sz="1900" dirty="0"/>
+            <a:endParaRPr lang="en-US" sz="2000"/>
           </a:p>
           <a:p>
             <a:pPr marL="285750" indent="-228600">
@@ -9416,32 +9315,16 @@
               <a:buChar char="•"/>
             </a:pPr>
             <a:r>
-              <a:rPr lang="en-US" sz="1900" dirty="0"/>
-              <a:t>Backlog do </a:t>
-            </a:r>
-            <a:r>
-              <a:rPr lang="en-US" sz="1900" dirty="0" err="1"/>
-              <a:t>Simulador</a:t>
-            </a:r>
-            <a:r>
-              <a:rPr lang="en-US" sz="1900" dirty="0"/>
-              <a:t> de </a:t>
-            </a:r>
-            <a:r>
-              <a:rPr lang="en-US" sz="1900" dirty="0" err="1"/>
-              <a:t>Sensores</a:t>
-            </a:r>
-            <a:r>
-              <a:rPr lang="en-US" sz="1900" dirty="0"/>
-              <a:t>: </a:t>
-            </a:r>
-            <a:r>
-              <a:rPr lang="en-US" sz="1900" dirty="0">
-                <a:hlinkClick r:id="rId5"/>
+              <a:rPr lang="en-US" sz="2000"/>
+              <a:t>Backlog do Simulador de Sensores: </a:t>
+            </a:r>
+            <a:r>
+              <a:rPr lang="en-US" sz="2000">
+                <a:hlinkClick r:id="rId6"/>
               </a:rPr>
               <a:t>https://trello.com/b/rW7Jmab2/arduino-simulador-de-sensores</a:t>
             </a:r>
-            <a:endParaRPr lang="en-US" sz="1900" dirty="0"/>
+            <a:endParaRPr lang="en-US" sz="2000"/>
           </a:p>
         </p:txBody>
       </p:sp>
@@ -9483,12 +9366,88 @@
           <a:chExt cx="0" cy="0"/>
         </a:xfrm>
       </p:grpSpPr>
-      <p:sp useBgFill="1">
-        <p:nvSpPr>
-          <p:cNvPr id="45" name="Rectangle 39">
-            <a:extLst>
-              <a:ext uri="{FF2B5EF4-FFF2-40B4-BE49-F238E27FC236}">
-                <a16:creationId xmlns:a16="http://schemas.microsoft.com/office/drawing/2014/main" id="{1ECAB1E8-8195-4748-BE71-FF806D86892E}"/>
+      <p:sp>
+        <p:nvSpPr>
+          <p:cNvPr id="2" name="Título 1">
+            <a:extLst>
+              <a:ext uri="{FF2B5EF4-FFF2-40B4-BE49-F238E27FC236}">
+                <a16:creationId xmlns:a16="http://schemas.microsoft.com/office/drawing/2014/main" id="{622E59CC-F430-4678-9423-C4E72D202EEB}"/>
+              </a:ext>
+            </a:extLst>
+          </p:cNvPr>
+          <p:cNvSpPr>
+            <a:spLocks noGrp="1"/>
+          </p:cNvSpPr>
+          <p:nvPr>
+            <p:ph type="title"/>
+          </p:nvPr>
+        </p:nvSpPr>
+        <p:spPr>
+          <a:xfrm>
+            <a:off x="990600" y="338328"/>
+            <a:ext cx="10210800" cy="1078992"/>
+          </a:xfrm>
+        </p:spPr>
+        <p:txBody>
+          <a:bodyPr vert="horz" lIns="91440" tIns="45720" rIns="91440" bIns="45720" rtlCol="0" anchor="b">
+            <a:normAutofit/>
+          </a:bodyPr>
+          <a:lstStyle/>
+          <a:p>
+            <a:pPr algn="ctr"/>
+            <a:r>
+              <a:rPr lang="en-US" sz="5400" kern="1200" dirty="0" err="1">
+                <a:solidFill>
+                  <a:schemeClr val="tx1"/>
+                </a:solidFill>
+                <a:latin typeface="+mj-lt"/>
+                <a:ea typeface="+mj-ea"/>
+                <a:cs typeface="+mj-cs"/>
+              </a:rPr>
+              <a:t>Onde</a:t>
+            </a:r>
+            <a:r>
+              <a:rPr lang="en-US" sz="5400" kern="1200" dirty="0">
+                <a:solidFill>
+                  <a:schemeClr val="tx1"/>
+                </a:solidFill>
+                <a:latin typeface="+mj-lt"/>
+                <a:ea typeface="+mj-ea"/>
+                <a:cs typeface="+mj-cs"/>
+              </a:rPr>
+              <a:t> </a:t>
+            </a:r>
+            <a:r>
+              <a:rPr lang="en-US" sz="5400" kern="1200" dirty="0" err="1">
+                <a:solidFill>
+                  <a:schemeClr val="tx1"/>
+                </a:solidFill>
+                <a:latin typeface="+mj-lt"/>
+                <a:ea typeface="+mj-ea"/>
+                <a:cs typeface="+mj-cs"/>
+              </a:rPr>
+              <a:t>verificar</a:t>
+            </a:r>
+            <a:r>
+              <a:rPr lang="en-US" sz="5400" kern="1200" dirty="0">
+                <a:solidFill>
+                  <a:schemeClr val="tx1"/>
+                </a:solidFill>
+                <a:latin typeface="+mj-lt"/>
+                <a:ea typeface="+mj-ea"/>
+                <a:cs typeface="+mj-cs"/>
+              </a:rPr>
+              <a:t>?</a:t>
+            </a:r>
+          </a:p>
+        </p:txBody>
+      </p:sp>
+      <p:sp>
+        <p:nvSpPr>
+          <p:cNvPr id="52" name="Rectangle 51">
+            <a:extLst>
+              <a:ext uri="{FF2B5EF4-FFF2-40B4-BE49-F238E27FC236}">
+                <a16:creationId xmlns:a16="http://schemas.microsoft.com/office/drawing/2014/main" id="{70BDD0CE-06A4-404B-8A13-580229C1C923}"/>
               </a:ext>
               <a:ext uri="{C183D7F6-B498-43B3-948B-1728B52AA6E4}">
                 <adec:decorative xmlns:adec="http://schemas.microsoft.com/office/drawing/2017/decorative" val="1"/>
@@ -9508,12 +9467,15 @@
         </p:nvSpPr>
         <p:spPr>
           <a:xfrm>
-            <a:off x="0" y="0"/>
-            <a:ext cx="12192000" cy="6858000"/>
+            <a:off x="0" y="2141750"/>
+            <a:ext cx="12192000" cy="4716250"/>
           </a:xfrm>
           <a:prstGeom prst="rect">
             <a:avLst/>
           </a:prstGeom>
+          <a:solidFill>
+            <a:srgbClr val="35506B"/>
+          </a:solidFill>
           <a:ln>
             <a:noFill/>
           </a:ln>
@@ -9543,12 +9505,12 @@
           </a:p>
         </p:txBody>
       </p:sp>
-      <p:sp useBgFill="1">
-        <p:nvSpPr>
-          <p:cNvPr id="47" name="Rectangle 41">
-            <a:extLst>
-              <a:ext uri="{FF2B5EF4-FFF2-40B4-BE49-F238E27FC236}">
-                <a16:creationId xmlns:a16="http://schemas.microsoft.com/office/drawing/2014/main" id="{57F6BDD4-E066-4008-8011-6CC31AEB4556}"/>
+      <p:sp>
+        <p:nvSpPr>
+          <p:cNvPr id="54" name="Rounded Rectangle 26">
+            <a:extLst>
+              <a:ext uri="{FF2B5EF4-FFF2-40B4-BE49-F238E27FC236}">
+                <a16:creationId xmlns:a16="http://schemas.microsoft.com/office/drawing/2014/main" id="{B7511254-A05E-4E15-ABEE-9CE803485395}"/>
               </a:ext>
               <a:ext uri="{C183D7F6-B498-43B3-948B-1728B52AA6E4}">
                 <adec:decorative xmlns:adec="http://schemas.microsoft.com/office/drawing/2017/decorative" val="1"/>
@@ -9568,23 +9530,27 @@
         </p:nvSpPr>
         <p:spPr>
           <a:xfrm>
-            <a:off x="409575" y="633619"/>
-            <a:ext cx="4279383" cy="5495925"/>
-          </a:xfrm>
-          <a:prstGeom prst="rect">
-            <a:avLst/>
+            <a:off x="321564" y="2426035"/>
+            <a:ext cx="11548872" cy="3930315"/>
+          </a:xfrm>
+          <a:prstGeom prst="roundRect">
+            <a:avLst>
+              <a:gd name="adj" fmla="val 0"/>
+            </a:avLst>
           </a:prstGeom>
+          <a:solidFill>
+            <a:srgbClr val="FFFFFF"/>
+          </a:solidFill>
           <a:ln w="9525">
             <a:solidFill>
-              <a:srgbClr val="E1E1E1"/>
+              <a:srgbClr val="C8CACA"/>
             </a:solidFill>
           </a:ln>
           <a:effectLst>
-            <a:outerShdw blurRad="50800" dist="38100" dir="2700000" algn="tl" rotWithShape="0">
-              <a:schemeClr val="bg1">
-                <a:lumMod val="85000"/>
-                <a:alpha val="50000"/>
-              </a:schemeClr>
+            <a:outerShdw blurRad="57150" dist="19050" dir="5400000" algn="t" rotWithShape="0">
+              <a:prstClr val="black">
+                <a:alpha val="63000"/>
+              </a:prstClr>
             </a:outerShdw>
           </a:effectLst>
         </p:spPr>
@@ -9608,237 +9574,8 @@
           <a:bodyPr rtlCol="0" anchor="ctr"/>
           <a:lstStyle/>
           <a:p>
-            <a:pPr marL="0" marR="0" lvl="0" indent="0" algn="ctr" defTabSz="914400" rtl="0" eaLnBrk="1" fontAlgn="auto" latinLnBrk="0" hangingPunct="1">
-              <a:lnSpc>
-                <a:spcPct val="100000"/>
-              </a:lnSpc>
-              <a:spcBef>
-                <a:spcPts val="0"/>
-              </a:spcBef>
-              <a:spcAft>
-                <a:spcPts val="0"/>
-              </a:spcAft>
-              <a:buClrTx/>
-              <a:buSzTx/>
-              <a:buFontTx/>
-              <a:buNone/>
-              <a:tabLst/>
-              <a:defRPr/>
-            </a:pPr>
-            <a:endParaRPr kumimoji="0" lang="en-US" sz="1800" b="0" i="0" u="none" strike="noStrike" kern="1200" cap="none" spc="0" normalizeH="0" baseline="0" noProof="0">
-              <a:ln>
-                <a:noFill/>
-              </a:ln>
-              <a:solidFill>
-                <a:prstClr val="white"/>
-              </a:solidFill>
-              <a:effectLst/>
-              <a:uLnTx/>
-              <a:uFillTx/>
-              <a:latin typeface="Calibri" panose="020F0502020204030204"/>
-              <a:ea typeface="+mn-ea"/>
-              <a:cs typeface="+mn-cs"/>
-            </a:endParaRPr>
-          </a:p>
-        </p:txBody>
-      </p:sp>
-      <p:sp>
-        <p:nvSpPr>
-          <p:cNvPr id="2" name="Título 1">
-            <a:extLst>
-              <a:ext uri="{FF2B5EF4-FFF2-40B4-BE49-F238E27FC236}">
-                <a16:creationId xmlns:a16="http://schemas.microsoft.com/office/drawing/2014/main" id="{622E59CC-F430-4678-9423-C4E72D202EEB}"/>
-              </a:ext>
-            </a:extLst>
-          </p:cNvPr>
-          <p:cNvSpPr>
-            <a:spLocks noGrp="1"/>
-          </p:cNvSpPr>
-          <p:nvPr>
-            <p:ph type="title"/>
-          </p:nvPr>
-        </p:nvSpPr>
-        <p:spPr>
-          <a:xfrm>
-            <a:off x="841247" y="978619"/>
-            <a:ext cx="3410712" cy="1106424"/>
-          </a:xfrm>
-        </p:spPr>
-        <p:txBody>
-          <a:bodyPr>
-            <a:normAutofit/>
-          </a:bodyPr>
-          <a:lstStyle/>
-          <a:p>
             <a:pPr algn="ctr"/>
-            <a:r>
-              <a:rPr lang="pt-BR" sz="3700" dirty="0">
-                <a:latin typeface="Arial" panose="020B0604020202020204" pitchFamily="34" charset="0"/>
-                <a:cs typeface="Arial" panose="020B0604020202020204" pitchFamily="34" charset="0"/>
-              </a:rPr>
-              <a:t>Onde verificar?</a:t>
-            </a:r>
-          </a:p>
-        </p:txBody>
-      </p:sp>
-      <p:sp>
-        <p:nvSpPr>
-          <p:cNvPr id="44" name="Rectangle 43">
-            <a:extLst>
-              <a:ext uri="{FF2B5EF4-FFF2-40B4-BE49-F238E27FC236}">
-                <a16:creationId xmlns:a16="http://schemas.microsoft.com/office/drawing/2014/main" id="{2711A8FB-68FC-45FC-B01E-38F809E2D439}"/>
-              </a:ext>
-              <a:ext uri="{C183D7F6-B498-43B3-948B-1728B52AA6E4}">
-                <adec:decorative xmlns:adec="http://schemas.microsoft.com/office/drawing/2017/decorative" val="1"/>
-              </a:ext>
-            </a:extLst>
-          </p:cNvPr>
-          <p:cNvSpPr>
-            <a:spLocks noGrp="1" noRot="1" noChangeAspect="1" noMove="1" noResize="1" noEditPoints="1" noAdjustHandles="1" noChangeArrowheads="1" noChangeShapeType="1" noTextEdit="1"/>
-          </p:cNvSpPr>
-          <p:nvPr>
-            <p:extLst>
-              <p:ext uri="{386F3935-93C4-4BCD-93E2-E3B085C9AB24}">
-                <p16:designElem xmlns:p16="http://schemas.microsoft.com/office/powerpoint/2015/main" val="1"/>
-              </p:ext>
-            </p:extLst>
-          </p:nvPr>
-        </p:nvSpPr>
-        <p:spPr>
-          <a:xfrm>
-            <a:off x="345567" y="1170432"/>
-            <a:ext cx="128016" cy="704088"/>
-          </a:xfrm>
-          <a:prstGeom prst="rect">
-            <a:avLst/>
-          </a:prstGeom>
-          <a:solidFill>
-            <a:schemeClr val="accent2"/>
-          </a:solidFill>
-          <a:ln>
-            <a:noFill/>
-          </a:ln>
-        </p:spPr>
-        <p:style>
-          <a:lnRef idx="2">
-            <a:schemeClr val="accent1">
-              <a:shade val="50000"/>
-            </a:schemeClr>
-          </a:lnRef>
-          <a:fillRef idx="1">
-            <a:schemeClr val="accent1"/>
-          </a:fillRef>
-          <a:effectRef idx="0">
-            <a:schemeClr val="accent1"/>
-          </a:effectRef>
-          <a:fontRef idx="minor">
-            <a:schemeClr val="lt1"/>
-          </a:fontRef>
-        </p:style>
-        <p:txBody>
-          <a:bodyPr rtlCol="0" anchor="ctr"/>
-          <a:lstStyle/>
-          <a:p>
-            <a:pPr algn="ctr"/>
-            <a:endParaRPr lang="en-US">
-              <a:solidFill>
-                <a:prstClr val="white"/>
-              </a:solidFill>
-              <a:latin typeface="Calibri" panose="020F0502020204030204"/>
-            </a:endParaRPr>
-          </a:p>
-        </p:txBody>
-      </p:sp>
-      <p:sp>
-        <p:nvSpPr>
-          <p:cNvPr id="46" name="Rectangle 45">
-            <a:extLst>
-              <a:ext uri="{FF2B5EF4-FFF2-40B4-BE49-F238E27FC236}">
-                <a16:creationId xmlns:a16="http://schemas.microsoft.com/office/drawing/2014/main" id="{2A865FE3-5FC9-4049-87CF-30019C46C0F5}"/>
-              </a:ext>
-              <a:ext uri="{C183D7F6-B498-43B3-948B-1728B52AA6E4}">
-                <adec:decorative xmlns:adec="http://schemas.microsoft.com/office/drawing/2017/decorative" val="1"/>
-              </a:ext>
-            </a:extLst>
-          </p:cNvPr>
-          <p:cNvSpPr>
-            <a:spLocks noGrp="1" noRot="1" noChangeAspect="1" noMove="1" noResize="1" noEditPoints="1" noAdjustHandles="1" noChangeArrowheads="1" noChangeShapeType="1" noTextEdit="1"/>
-          </p:cNvSpPr>
-          <p:nvPr>
-            <p:extLst>
-              <p:ext uri="{386F3935-93C4-4BCD-93E2-E3B085C9AB24}">
-                <p16:designElem xmlns:p16="http://schemas.microsoft.com/office/powerpoint/2015/main" val="1"/>
-              </p:ext>
-            </p:extLst>
-          </p:nvPr>
-        </p:nvSpPr>
-        <p:spPr>
-          <a:xfrm>
-            <a:off x="877459" y="2121408"/>
-            <a:ext cx="3328416" cy="9144"/>
-          </a:xfrm>
-          <a:prstGeom prst="rect">
-            <a:avLst/>
-          </a:prstGeom>
-          <a:solidFill>
-            <a:srgbClr val="D5D5D5"/>
-          </a:solidFill>
-          <a:ln w="3175">
-            <a:noFill/>
-          </a:ln>
-          <a:effectLst/>
-        </p:spPr>
-        <p:style>
-          <a:lnRef idx="2">
-            <a:schemeClr val="accent1">
-              <a:shade val="50000"/>
-            </a:schemeClr>
-          </a:lnRef>
-          <a:fillRef idx="1">
-            <a:schemeClr val="accent1"/>
-          </a:fillRef>
-          <a:effectRef idx="0">
-            <a:schemeClr val="accent1"/>
-          </a:effectRef>
-          <a:fontRef idx="minor">
-            <a:schemeClr val="lt1"/>
-          </a:fontRef>
-        </p:style>
-        <p:txBody>
-          <a:bodyPr rtlCol="0" anchor="ctr"/>
-          <a:lstStyle/>
-          <a:p>
-            <a:pPr marL="0" marR="0" lvl="0" indent="0" algn="ctr" defTabSz="914400" rtl="0" eaLnBrk="1" fontAlgn="auto" latinLnBrk="0" hangingPunct="1">
-              <a:lnSpc>
-                <a:spcPct val="100000"/>
-              </a:lnSpc>
-              <a:spcBef>
-                <a:spcPts val="0"/>
-              </a:spcBef>
-              <a:spcAft>
-                <a:spcPts val="0"/>
-              </a:spcAft>
-              <a:buClrTx/>
-              <a:buSzTx/>
-              <a:buFontTx/>
-              <a:buNone/>
-              <a:tabLst/>
-              <a:defRPr/>
-            </a:pPr>
-            <a:endParaRPr kumimoji="0" lang="en-US" sz="1800" b="0" i="0" u="none" strike="noStrike" kern="1200" cap="none" spc="0" normalizeH="0" baseline="0" noProof="0">
-              <a:ln>
-                <a:noFill/>
-              </a:ln>
-              <a:solidFill>
-                <a:prstClr val="white"/>
-              </a:solidFill>
-              <a:effectLst/>
-              <a:uLnTx/>
-              <a:uFillTx/>
-              <a:latin typeface="Calibri" panose="020F0502020204030204"/>
-              <a:ea typeface="+mn-ea"/>
-              <a:cs typeface="+mn-cs"/>
-            </a:endParaRPr>
+            <a:endParaRPr lang="en-US"/>
           </a:p>
         </p:txBody>
       </p:sp>
@@ -9864,13 +9601,13 @@
               </a:ext>
             </a:extLst>
           </a:blip>
-          <a:srcRect l="2957" r="6182" b="-1"/>
+          <a:srcRect r="1" b="16822"/>
           <a:stretch/>
         </p:blipFill>
         <p:spPr>
           <a:xfrm>
-            <a:off x="5124450" y="634382"/>
-            <a:ext cx="6657213" cy="5495162"/>
+            <a:off x="6245570" y="2745272"/>
+            <a:ext cx="5276732" cy="3291840"/>
           </a:xfrm>
           <a:prstGeom prst="rect">
             <a:avLst/>
@@ -9879,10 +9616,10 @@
       </p:pic>
       <p:pic>
         <p:nvPicPr>
-          <p:cNvPr id="9" name="Imagem 8">
-            <a:extLst>
-              <a:ext uri="{FF2B5EF4-FFF2-40B4-BE49-F238E27FC236}">
-                <a16:creationId xmlns:a16="http://schemas.microsoft.com/office/drawing/2014/main" id="{F745EBB1-8D29-4430-8E72-390A36EEA934}"/>
+          <p:cNvPr id="3" name="Imagem 2" descr="Logotipo, nome da empresa&#10;&#10;Descrição gerada automaticamente">
+            <a:extLst>
+              <a:ext uri="{FF2B5EF4-FFF2-40B4-BE49-F238E27FC236}">
+                <a16:creationId xmlns:a16="http://schemas.microsoft.com/office/drawing/2014/main" id="{E630BE60-F2D9-4CF4-8C6D-95F4CAC8C12B}"/>
               </a:ext>
             </a:extLst>
           </p:cNvPr>
@@ -9891,16 +9628,21 @@
           </p:cNvPicPr>
           <p:nvPr/>
         </p:nvPicPr>
-        <p:blipFill>
-          <a:blip r:embed="rId3"/>
-          <a:stretch>
-            <a:fillRect/>
-          </a:stretch>
+        <p:blipFill rotWithShape="1">
+          <a:blip r:embed="rId3">
+            <a:extLst>
+              <a:ext uri="{28A0092B-C50C-407E-A947-70E740481C1C}">
+                <a14:useLocalDpi xmlns:a14="http://schemas.microsoft.com/office/drawing/2010/main" val="0"/>
+              </a:ext>
+            </a:extLst>
+          </a:blip>
+          <a:srcRect t="11727" r="1" b="12427"/>
+          <a:stretch/>
         </p:blipFill>
         <p:spPr>
           <a:xfrm>
-            <a:off x="53894" y="35169"/>
-            <a:ext cx="1035488" cy="1035488"/>
+            <a:off x="321564" y="2745272"/>
+            <a:ext cx="5276732" cy="3291840"/>
           </a:xfrm>
           <a:prstGeom prst="rect">
             <a:avLst/>
@@ -10037,10 +9779,10 @@
       </p:cxnSp>
       <p:pic>
         <p:nvPicPr>
-          <p:cNvPr id="5" name="Imagem 4">
-            <a:extLst>
-              <a:ext uri="{FF2B5EF4-FFF2-40B4-BE49-F238E27FC236}">
-                <a16:creationId xmlns:a16="http://schemas.microsoft.com/office/drawing/2014/main" id="{0C2BFC19-2020-4662-A843-CC5FA82B755D}"/>
+          <p:cNvPr id="3" name="Imagem 2" descr="Logotipo, nome da empresa&#10;&#10;Descrição gerada automaticamente">
+            <a:extLst>
+              <a:ext uri="{FF2B5EF4-FFF2-40B4-BE49-F238E27FC236}">
+                <a16:creationId xmlns:a16="http://schemas.microsoft.com/office/drawing/2014/main" id="{310DEDBF-BB7C-431B-A1FF-970D4FADA521}"/>
               </a:ext>
             </a:extLst>
           </p:cNvPr>
@@ -10050,15 +9792,21 @@
           <p:nvPr/>
         </p:nvPicPr>
         <p:blipFill>
-          <a:blip r:embed="rId4"/>
+          <a:blip r:embed="rId4">
+            <a:extLst>
+              <a:ext uri="{28A0092B-C50C-407E-A947-70E740481C1C}">
+                <a14:useLocalDpi xmlns:a14="http://schemas.microsoft.com/office/drawing/2010/main" val="0"/>
+              </a:ext>
+            </a:extLst>
+          </a:blip>
           <a:stretch>
             <a:fillRect/>
           </a:stretch>
         </p:blipFill>
         <p:spPr>
           <a:xfrm>
-            <a:off x="53894" y="35169"/>
-            <a:ext cx="1035488" cy="1035488"/>
+            <a:off x="-397093" y="-690286"/>
+            <a:ext cx="3102365" cy="2554889"/>
           </a:xfrm>
           <a:prstGeom prst="rect">
             <a:avLst/>
